--- a/oidc-oauth/OpenIDConnect & OAuth.pptx
+++ b/oidc-oauth/OpenIDConnect & OAuth.pptx
@@ -5,7 +5,7 @@
     <p:sldMasterId id="2147483648" r:id="rId1"/>
   </p:sldMasterIdLst>
   <p:notesMasterIdLst>
-    <p:notesMasterId r:id="rId46"/>
+    <p:notesMasterId r:id="rId48"/>
   </p:notesMasterIdLst>
   <p:sldIdLst>
     <p:sldId id="256" r:id="rId2"/>
@@ -45,13 +45,15 @@
     <p:sldId id="304" r:id="rId36"/>
     <p:sldId id="300" r:id="rId37"/>
     <p:sldId id="306" r:id="rId38"/>
-    <p:sldId id="282" r:id="rId39"/>
-    <p:sldId id="287" r:id="rId40"/>
-    <p:sldId id="297" r:id="rId41"/>
-    <p:sldId id="312" r:id="rId42"/>
-    <p:sldId id="308" r:id="rId43"/>
-    <p:sldId id="309" r:id="rId44"/>
-    <p:sldId id="262" r:id="rId45"/>
+    <p:sldId id="318" r:id="rId39"/>
+    <p:sldId id="319" r:id="rId40"/>
+    <p:sldId id="282" r:id="rId41"/>
+    <p:sldId id="320" r:id="rId42"/>
+    <p:sldId id="297" r:id="rId43"/>
+    <p:sldId id="312" r:id="rId44"/>
+    <p:sldId id="308" r:id="rId45"/>
+    <p:sldId id="309" r:id="rId46"/>
+    <p:sldId id="262" r:id="rId47"/>
   </p:sldIdLst>
   <p:sldSz cx="12192000" cy="6858000"/>
   <p:notesSz cx="6858000" cy="9144000"/>
@@ -10694,7 +10696,7 @@
           <a:p>
             <a:fld id="{FF084CBC-36E0-4CC0-918D-767D7E309F2F}" type="datetimeFigureOut">
               <a:rPr lang="en-US" smtClean="0"/>
-              <a:t>4/8/2019</a:t>
+              <a:t>4/24/2019</a:t>
             </a:fld>
             <a:endParaRPr lang="en-US"/>
           </a:p>
@@ -11213,6 +11215,90 @@
 </p:notes>
 </file>
 
+<file path=ppt/notesSlides/notesSlide4.xml><?xml version="1.0" encoding="utf-8"?>
+<p:notes xmlns:a="http://schemas.openxmlformats.org/drawingml/2006/main" xmlns:r="http://schemas.openxmlformats.org/officeDocument/2006/relationships" xmlns:p="http://schemas.openxmlformats.org/presentationml/2006/main">
+  <p:cSld>
+    <p:spTree>
+      <p:nvGrpSpPr>
+        <p:cNvPr id="1" name=""/>
+        <p:cNvGrpSpPr/>
+        <p:nvPr/>
+      </p:nvGrpSpPr>
+      <p:grpSpPr>
+        <a:xfrm>
+          <a:off x="0" y="0"/>
+          <a:ext cx="0" cy="0"/>
+          <a:chOff x="0" y="0"/>
+          <a:chExt cx="0" cy="0"/>
+        </a:xfrm>
+      </p:grpSpPr>
+      <p:sp>
+        <p:nvSpPr>
+          <p:cNvPr id="2" name="Slide Image Placeholder 1"/>
+          <p:cNvSpPr>
+            <a:spLocks noGrp="1" noRot="1" noChangeAspect="1"/>
+          </p:cNvSpPr>
+          <p:nvPr>
+            <p:ph type="sldImg"/>
+          </p:nvPr>
+        </p:nvSpPr>
+        <p:spPr/>
+      </p:sp>
+      <p:sp>
+        <p:nvSpPr>
+          <p:cNvPr id="3" name="Notes Placeholder 2"/>
+          <p:cNvSpPr>
+            <a:spLocks noGrp="1"/>
+          </p:cNvSpPr>
+          <p:nvPr>
+            <p:ph type="body" idx="1"/>
+          </p:nvPr>
+        </p:nvSpPr>
+        <p:spPr/>
+        <p:txBody>
+          <a:bodyPr/>
+          <a:lstStyle/>
+          <a:p>
+            <a:endParaRPr lang="en-US" dirty="0"/>
+          </a:p>
+        </p:txBody>
+      </p:sp>
+      <p:sp>
+        <p:nvSpPr>
+          <p:cNvPr id="4" name="Slide Number Placeholder 3"/>
+          <p:cNvSpPr>
+            <a:spLocks noGrp="1"/>
+          </p:cNvSpPr>
+          <p:nvPr>
+            <p:ph type="sldNum" sz="quarter" idx="5"/>
+          </p:nvPr>
+        </p:nvSpPr>
+        <p:spPr/>
+        <p:txBody>
+          <a:bodyPr/>
+          <a:lstStyle/>
+          <a:p>
+            <a:fld id="{CFBC01FF-781E-4D25-A720-185C2D90034C}" type="slidenum">
+              <a:rPr lang="en-US" smtClean="0"/>
+              <a:t>44</a:t>
+            </a:fld>
+            <a:endParaRPr lang="en-US"/>
+          </a:p>
+        </p:txBody>
+      </p:sp>
+    </p:spTree>
+    <p:extLst>
+      <p:ext uri="{BB962C8B-B14F-4D97-AF65-F5344CB8AC3E}">
+        <p14:creationId xmlns:p14="http://schemas.microsoft.com/office/powerpoint/2010/main" val="2115133718"/>
+      </p:ext>
+    </p:extLst>
+  </p:cSld>
+  <p:clrMapOvr>
+    <a:masterClrMapping/>
+  </p:clrMapOvr>
+</p:notes>
+</file>
+
 <file path=ppt/slideLayouts/slideLayout1.xml><?xml version="1.0" encoding="utf-8"?>
 <p:sldLayout xmlns:a="http://schemas.openxmlformats.org/drawingml/2006/main" xmlns:r="http://schemas.openxmlformats.org/officeDocument/2006/relationships" xmlns:p="http://schemas.openxmlformats.org/presentationml/2006/main" type="title" preserve="1">
   <p:cSld name="Title Slide">
@@ -11360,7 +11446,7 @@
           <a:p>
             <a:fld id="{8272ECE3-2878-47BE-B879-BFDD2207B1DF}" type="datetimeFigureOut">
               <a:rPr lang="en-US" smtClean="0"/>
-              <a:t>4/8/2019</a:t>
+              <a:t>4/24/2019</a:t>
             </a:fld>
             <a:endParaRPr lang="en-US"/>
           </a:p>
@@ -11558,7 +11644,7 @@
           <a:p>
             <a:fld id="{8272ECE3-2878-47BE-B879-BFDD2207B1DF}" type="datetimeFigureOut">
               <a:rPr lang="en-US" smtClean="0"/>
-              <a:t>4/8/2019</a:t>
+              <a:t>4/24/2019</a:t>
             </a:fld>
             <a:endParaRPr lang="en-US"/>
           </a:p>
@@ -11766,7 +11852,7 @@
           <a:p>
             <a:fld id="{8272ECE3-2878-47BE-B879-BFDD2207B1DF}" type="datetimeFigureOut">
               <a:rPr lang="en-US" smtClean="0"/>
-              <a:t>4/8/2019</a:t>
+              <a:t>4/24/2019</a:t>
             </a:fld>
             <a:endParaRPr lang="en-US"/>
           </a:p>
@@ -11964,7 +12050,7 @@
           <a:p>
             <a:fld id="{8272ECE3-2878-47BE-B879-BFDD2207B1DF}" type="datetimeFigureOut">
               <a:rPr lang="en-US" smtClean="0"/>
-              <a:t>4/8/2019</a:t>
+              <a:t>4/24/2019</a:t>
             </a:fld>
             <a:endParaRPr lang="en-US"/>
           </a:p>
@@ -12239,7 +12325,7 @@
           <a:p>
             <a:fld id="{8272ECE3-2878-47BE-B879-BFDD2207B1DF}" type="datetimeFigureOut">
               <a:rPr lang="en-US" smtClean="0"/>
-              <a:t>4/8/2019</a:t>
+              <a:t>4/24/2019</a:t>
             </a:fld>
             <a:endParaRPr lang="en-US"/>
           </a:p>
@@ -12504,7 +12590,7 @@
           <a:p>
             <a:fld id="{8272ECE3-2878-47BE-B879-BFDD2207B1DF}" type="datetimeFigureOut">
               <a:rPr lang="en-US" smtClean="0"/>
-              <a:t>4/8/2019</a:t>
+              <a:t>4/24/2019</a:t>
             </a:fld>
             <a:endParaRPr lang="en-US"/>
           </a:p>
@@ -12916,7 +13002,7 @@
           <a:p>
             <a:fld id="{8272ECE3-2878-47BE-B879-BFDD2207B1DF}" type="datetimeFigureOut">
               <a:rPr lang="en-US" smtClean="0"/>
-              <a:t>4/8/2019</a:t>
+              <a:t>4/24/2019</a:t>
             </a:fld>
             <a:endParaRPr lang="en-US"/>
           </a:p>
@@ -13057,7 +13143,7 @@
           <a:p>
             <a:fld id="{8272ECE3-2878-47BE-B879-BFDD2207B1DF}" type="datetimeFigureOut">
               <a:rPr lang="en-US" smtClean="0"/>
-              <a:t>4/8/2019</a:t>
+              <a:t>4/24/2019</a:t>
             </a:fld>
             <a:endParaRPr lang="en-US"/>
           </a:p>
@@ -13170,7 +13256,7 @@
           <a:p>
             <a:fld id="{8272ECE3-2878-47BE-B879-BFDD2207B1DF}" type="datetimeFigureOut">
               <a:rPr lang="en-US" smtClean="0"/>
-              <a:t>4/8/2019</a:t>
+              <a:t>4/24/2019</a:t>
             </a:fld>
             <a:endParaRPr lang="en-US"/>
           </a:p>
@@ -13481,7 +13567,7 @@
           <a:p>
             <a:fld id="{8272ECE3-2878-47BE-B879-BFDD2207B1DF}" type="datetimeFigureOut">
               <a:rPr lang="en-US" smtClean="0"/>
-              <a:t>4/8/2019</a:t>
+              <a:t>4/24/2019</a:t>
             </a:fld>
             <a:endParaRPr lang="en-US"/>
           </a:p>
@@ -13769,7 +13855,7 @@
           <a:p>
             <a:fld id="{8272ECE3-2878-47BE-B879-BFDD2207B1DF}" type="datetimeFigureOut">
               <a:rPr lang="en-US" smtClean="0"/>
-              <a:t>4/8/2019</a:t>
+              <a:t>4/24/2019</a:t>
             </a:fld>
             <a:endParaRPr lang="en-US"/>
           </a:p>
@@ -14010,7 +14096,7 @@
           <a:p>
             <a:fld id="{8272ECE3-2878-47BE-B879-BFDD2207B1DF}" type="datetimeFigureOut">
               <a:rPr lang="en-US" smtClean="0"/>
-              <a:t>4/8/2019</a:t>
+              <a:t>4/24/2019</a:t>
             </a:fld>
             <a:endParaRPr lang="en-US"/>
           </a:p>
@@ -26511,15 +26597,7 @@
               </a:r>
               <a:r>
                 <a:rPr lang="de-AT" dirty="0"/>
-                <a:t> </a:t>
-              </a:r>
-              <a:r>
-                <a:rPr lang="de-AT" dirty="0" err="1"/>
-                <a:t>authorisiert</a:t>
-              </a:r>
-              <a:r>
-                <a:rPr lang="de-AT" dirty="0"/>
-                <a:t> sich mit </a:t>
+                <a:t> autorisiert sich mit </a:t>
               </a:r>
               <a:r>
                 <a:rPr lang="de-AT" i="1" dirty="0" err="1"/>
@@ -28146,7 +28224,7 @@
             <a:pPr algn="ctr"/>
             <a:r>
               <a:rPr lang="de-AT" dirty="0"/>
-              <a:t>4. Zustimmung</a:t>
+              <a:t>5. Zustimmung</a:t>
             </a:r>
             <a:endParaRPr lang="en-US" i="1" dirty="0"/>
           </a:p>
@@ -28863,7 +28941,7 @@
             <a:pPr algn="ctr"/>
             <a:r>
               <a:rPr lang="de-AT" dirty="0"/>
-              <a:t>5. Authentifizierung</a:t>
+              <a:t>4. Authentifizierung</a:t>
             </a:r>
             <a:endParaRPr lang="en-US" dirty="0"/>
           </a:p>
@@ -32403,6 +32481,2253 @@
           <a:chExt cx="0" cy="0"/>
         </a:xfrm>
       </p:grpSpPr>
+      <p:cxnSp>
+        <p:nvCxnSpPr>
+          <p:cNvPr id="50" name="Straight Arrow Connector 49">
+            <a:extLst>
+              <a:ext uri="{FF2B5EF4-FFF2-40B4-BE49-F238E27FC236}">
+                <a16:creationId xmlns:a16="http://schemas.microsoft.com/office/drawing/2014/main" id="{F11E13FA-E8C8-41EC-A0EB-F0EAE13EFC96}"/>
+              </a:ext>
+            </a:extLst>
+          </p:cNvPr>
+          <p:cNvCxnSpPr>
+            <a:cxnSpLocks/>
+          </p:cNvCxnSpPr>
+          <p:nvPr/>
+        </p:nvCxnSpPr>
+        <p:spPr>
+          <a:xfrm flipV="1">
+            <a:off x="2889285" y="3427213"/>
+            <a:ext cx="6980144" cy="2928898"/>
+          </a:xfrm>
+          <a:prstGeom prst="straightConnector1">
+            <a:avLst/>
+          </a:prstGeom>
+          <a:ln>
+            <a:tailEnd type="triangle"/>
+          </a:ln>
+        </p:spPr>
+        <p:style>
+          <a:lnRef idx="3">
+            <a:schemeClr val="accent3"/>
+          </a:lnRef>
+          <a:fillRef idx="0">
+            <a:schemeClr val="accent3"/>
+          </a:fillRef>
+          <a:effectRef idx="2">
+            <a:schemeClr val="accent3"/>
+          </a:effectRef>
+          <a:fontRef idx="minor">
+            <a:schemeClr val="tx1"/>
+          </a:fontRef>
+        </p:style>
+      </p:cxnSp>
+      <p:sp>
+        <p:nvSpPr>
+          <p:cNvPr id="2" name="Title 1">
+            <a:extLst>
+              <a:ext uri="{FF2B5EF4-FFF2-40B4-BE49-F238E27FC236}">
+                <a16:creationId xmlns:a16="http://schemas.microsoft.com/office/drawing/2014/main" id="{BDFB37E6-367D-4BA3-9172-8750FA46A8FA}"/>
+              </a:ext>
+            </a:extLst>
+          </p:cNvPr>
+          <p:cNvSpPr>
+            <a:spLocks noGrp="1"/>
+          </p:cNvSpPr>
+          <p:nvPr>
+            <p:ph type="title"/>
+          </p:nvPr>
+        </p:nvSpPr>
+        <p:spPr/>
+        <p:txBody>
+          <a:bodyPr/>
+          <a:lstStyle/>
+          <a:p>
+            <a:r>
+              <a:rPr lang="de-AT" dirty="0"/>
+              <a:t>Device Flow</a:t>
+            </a:r>
+            <a:endParaRPr lang="en-US" dirty="0"/>
+          </a:p>
+        </p:txBody>
+      </p:sp>
+      <p:grpSp>
+        <p:nvGrpSpPr>
+          <p:cNvPr id="3" name="Group 2">
+            <a:extLst>
+              <a:ext uri="{FF2B5EF4-FFF2-40B4-BE49-F238E27FC236}">
+                <a16:creationId xmlns:a16="http://schemas.microsoft.com/office/drawing/2014/main" id="{4DEDCEB8-3605-4CAA-B3D2-ACBBCBB366FB}"/>
+              </a:ext>
+            </a:extLst>
+          </p:cNvPr>
+          <p:cNvGrpSpPr/>
+          <p:nvPr/>
+        </p:nvGrpSpPr>
+        <p:grpSpPr>
+          <a:xfrm>
+            <a:off x="1238837" y="1302868"/>
+            <a:ext cx="1446924" cy="1256077"/>
+            <a:chOff x="974256" y="4958709"/>
+            <a:chExt cx="1446924" cy="1256077"/>
+          </a:xfrm>
+        </p:grpSpPr>
+        <p:pic>
+          <p:nvPicPr>
+            <p:cNvPr id="4" name="Graphic 3">
+              <a:extLst>
+                <a:ext uri="{FF2B5EF4-FFF2-40B4-BE49-F238E27FC236}">
+                  <a16:creationId xmlns:a16="http://schemas.microsoft.com/office/drawing/2014/main" id="{687AB385-9365-41D0-BF2D-56FDC1E94FEB}"/>
+                </a:ext>
+              </a:extLst>
+            </p:cNvPr>
+            <p:cNvPicPr>
+              <a:picLocks noChangeAspect="1"/>
+            </p:cNvPicPr>
+            <p:nvPr/>
+          </p:nvPicPr>
+          <p:blipFill>
+            <a:blip r:embed="rId2" cstate="hqprint">
+              <a:extLst>
+                <a:ext uri="{28A0092B-C50C-407E-A947-70E740481C1C}">
+                  <a14:useLocalDpi xmlns:a14="http://schemas.microsoft.com/office/drawing/2010/main" val="0"/>
+                </a:ext>
+                <a:ext uri="{96DAC541-7B7A-43D3-8B79-37D633B846F1}">
+                  <asvg:svgBlip xmlns:asvg="http://schemas.microsoft.com/office/drawing/2016/SVG/main" r:embed="rId3"/>
+                </a:ext>
+              </a:extLst>
+            </a:blip>
+            <a:stretch>
+              <a:fillRect/>
+            </a:stretch>
+          </p:blipFill>
+          <p:spPr>
+            <a:xfrm flipH="1">
+              <a:off x="1211718" y="4958709"/>
+              <a:ext cx="972000" cy="972000"/>
+            </a:xfrm>
+            <a:prstGeom prst="rect">
+              <a:avLst/>
+            </a:prstGeom>
+          </p:spPr>
+        </p:pic>
+        <p:sp>
+          <p:nvSpPr>
+            <p:cNvPr id="5" name="TextBox 4">
+              <a:extLst>
+                <a:ext uri="{FF2B5EF4-FFF2-40B4-BE49-F238E27FC236}">
+                  <a16:creationId xmlns:a16="http://schemas.microsoft.com/office/drawing/2014/main" id="{E1BCA342-8EF8-4061-AE1E-858E6BB572A2}"/>
+                </a:ext>
+              </a:extLst>
+            </p:cNvPr>
+            <p:cNvSpPr txBox="1"/>
+            <p:nvPr/>
+          </p:nvSpPr>
+          <p:spPr>
+            <a:xfrm>
+              <a:off x="974256" y="5937787"/>
+              <a:ext cx="1446924" cy="276999"/>
+            </a:xfrm>
+            <a:prstGeom prst="rect">
+              <a:avLst/>
+            </a:prstGeom>
+            <a:noFill/>
+          </p:spPr>
+          <p:txBody>
+            <a:bodyPr wrap="square" rtlCol="0">
+              <a:spAutoFit/>
+            </a:bodyPr>
+            <a:lstStyle/>
+            <a:p>
+              <a:pPr algn="ctr"/>
+              <a:r>
+                <a:rPr lang="de-AT" sz="1200" dirty="0"/>
+                <a:t>Public Client</a:t>
+              </a:r>
+              <a:endParaRPr lang="en-US" sz="1200" dirty="0"/>
+            </a:p>
+          </p:txBody>
+        </p:sp>
+      </p:grpSp>
+      <p:grpSp>
+        <p:nvGrpSpPr>
+          <p:cNvPr id="6" name="Group 5">
+            <a:extLst>
+              <a:ext uri="{FF2B5EF4-FFF2-40B4-BE49-F238E27FC236}">
+                <a16:creationId xmlns:a16="http://schemas.microsoft.com/office/drawing/2014/main" id="{765FA923-3820-48FE-8E08-AEECF8CD41FA}"/>
+              </a:ext>
+            </a:extLst>
+          </p:cNvPr>
+          <p:cNvGrpSpPr/>
+          <p:nvPr/>
+        </p:nvGrpSpPr>
+        <p:grpSpPr>
+          <a:xfrm>
+            <a:off x="1206471" y="5557961"/>
+            <a:ext cx="1446924" cy="1252359"/>
+            <a:chOff x="593591" y="1628373"/>
+            <a:chExt cx="1446924" cy="1252359"/>
+          </a:xfrm>
+        </p:grpSpPr>
+        <p:pic>
+          <p:nvPicPr>
+            <p:cNvPr id="7" name="Graphic 6">
+              <a:extLst>
+                <a:ext uri="{FF2B5EF4-FFF2-40B4-BE49-F238E27FC236}">
+                  <a16:creationId xmlns:a16="http://schemas.microsoft.com/office/drawing/2014/main" id="{ED5DA439-804D-46D1-82B8-676752DD37DA}"/>
+                </a:ext>
+              </a:extLst>
+            </p:cNvPr>
+            <p:cNvPicPr>
+              <a:picLocks noChangeAspect="1"/>
+            </p:cNvPicPr>
+            <p:nvPr/>
+          </p:nvPicPr>
+          <p:blipFill>
+            <a:blip r:embed="rId4" cstate="hqprint">
+              <a:extLst>
+                <a:ext uri="{28A0092B-C50C-407E-A947-70E740481C1C}">
+                  <a14:useLocalDpi xmlns:a14="http://schemas.microsoft.com/office/drawing/2010/main" val="0"/>
+                </a:ext>
+                <a:ext uri="{96DAC541-7B7A-43D3-8B79-37D633B846F1}">
+                  <asvg:svgBlip xmlns:asvg="http://schemas.microsoft.com/office/drawing/2016/SVG/main" r:embed="rId5"/>
+                </a:ext>
+              </a:extLst>
+            </a:blip>
+            <a:stretch>
+              <a:fillRect/>
+            </a:stretch>
+          </p:blipFill>
+          <p:spPr>
+            <a:xfrm>
+              <a:off x="768096" y="1628373"/>
+              <a:ext cx="1053000" cy="936000"/>
+            </a:xfrm>
+            <a:prstGeom prst="rect">
+              <a:avLst/>
+            </a:prstGeom>
+          </p:spPr>
+        </p:pic>
+        <p:sp>
+          <p:nvSpPr>
+            <p:cNvPr id="8" name="TextBox 7">
+              <a:extLst>
+                <a:ext uri="{FF2B5EF4-FFF2-40B4-BE49-F238E27FC236}">
+                  <a16:creationId xmlns:a16="http://schemas.microsoft.com/office/drawing/2014/main" id="{880B9C76-F902-4894-BBCE-E2A17A6A67C7}"/>
+                </a:ext>
+              </a:extLst>
+            </p:cNvPr>
+            <p:cNvSpPr txBox="1"/>
+            <p:nvPr/>
+          </p:nvSpPr>
+          <p:spPr>
+            <a:xfrm>
+              <a:off x="593591" y="2603733"/>
+              <a:ext cx="1446924" cy="276999"/>
+            </a:xfrm>
+            <a:prstGeom prst="rect">
+              <a:avLst/>
+            </a:prstGeom>
+            <a:noFill/>
+          </p:spPr>
+          <p:txBody>
+            <a:bodyPr wrap="square" rtlCol="0">
+              <a:spAutoFit/>
+            </a:bodyPr>
+            <a:lstStyle/>
+            <a:p>
+              <a:pPr algn="ctr"/>
+              <a:r>
+                <a:rPr lang="de-AT" sz="1200" dirty="0" err="1"/>
+                <a:t>Resource</a:t>
+              </a:r>
+              <a:r>
+                <a:rPr lang="de-AT" sz="1200" dirty="0"/>
+                <a:t> </a:t>
+              </a:r>
+              <a:r>
+                <a:rPr lang="de-AT" sz="1200" dirty="0" err="1"/>
+                <a:t>Owner</a:t>
+              </a:r>
+              <a:endParaRPr lang="en-US" sz="1200" dirty="0"/>
+            </a:p>
+          </p:txBody>
+        </p:sp>
+      </p:grpSp>
+      <p:grpSp>
+        <p:nvGrpSpPr>
+          <p:cNvPr id="9" name="Group 8">
+            <a:extLst>
+              <a:ext uri="{FF2B5EF4-FFF2-40B4-BE49-F238E27FC236}">
+                <a16:creationId xmlns:a16="http://schemas.microsoft.com/office/drawing/2014/main" id="{0241D9F4-66E4-4442-BAAB-7E7B88585658}"/>
+              </a:ext>
+            </a:extLst>
+          </p:cNvPr>
+          <p:cNvGrpSpPr/>
+          <p:nvPr/>
+        </p:nvGrpSpPr>
+        <p:grpSpPr>
+          <a:xfrm>
+            <a:off x="9122842" y="825656"/>
+            <a:ext cx="1722477" cy="1866160"/>
+            <a:chOff x="4233854" y="1261553"/>
+            <a:chExt cx="1722477" cy="1866160"/>
+          </a:xfrm>
+        </p:grpSpPr>
+        <p:grpSp>
+          <p:nvGrpSpPr>
+            <p:cNvPr id="10" name="Group 9">
+              <a:extLst>
+                <a:ext uri="{FF2B5EF4-FFF2-40B4-BE49-F238E27FC236}">
+                  <a16:creationId xmlns:a16="http://schemas.microsoft.com/office/drawing/2014/main" id="{F74BBB14-BD84-4DB8-9547-5B9812F130C9}"/>
+                </a:ext>
+              </a:extLst>
+            </p:cNvPr>
+            <p:cNvGrpSpPr/>
+            <p:nvPr/>
+          </p:nvGrpSpPr>
+          <p:grpSpPr>
+            <a:xfrm>
+              <a:off x="4233854" y="1261553"/>
+              <a:ext cx="1439717" cy="1382102"/>
+              <a:chOff x="6711985" y="1075720"/>
+              <a:chExt cx="1439717" cy="1382102"/>
+            </a:xfrm>
+          </p:grpSpPr>
+          <p:pic>
+            <p:nvPicPr>
+              <p:cNvPr id="12" name="Graphic 11">
+                <a:extLst>
+                  <a:ext uri="{FF2B5EF4-FFF2-40B4-BE49-F238E27FC236}">
+                    <a16:creationId xmlns:a16="http://schemas.microsoft.com/office/drawing/2014/main" id="{EF22691E-963B-481E-82D2-E17A47AE1BA1}"/>
+                  </a:ext>
+                </a:extLst>
+              </p:cNvPr>
+              <p:cNvPicPr>
+                <a:picLocks noChangeAspect="1"/>
+              </p:cNvPicPr>
+              <p:nvPr/>
+            </p:nvPicPr>
+            <p:blipFill>
+              <a:blip r:embed="rId6" cstate="hqprint">
+                <a:extLst>
+                  <a:ext uri="{28A0092B-C50C-407E-A947-70E740481C1C}">
+                    <a14:useLocalDpi xmlns:a14="http://schemas.microsoft.com/office/drawing/2010/main" val="0"/>
+                  </a:ext>
+                  <a:ext uri="{96DAC541-7B7A-43D3-8B79-37D633B846F1}">
+                    <asvg:svgBlip xmlns:asvg="http://schemas.microsoft.com/office/drawing/2016/SVG/main" r:embed="rId7"/>
+                  </a:ext>
+                </a:extLst>
+              </a:blip>
+              <a:stretch>
+                <a:fillRect/>
+              </a:stretch>
+            </p:blipFill>
+            <p:spPr>
+              <a:xfrm>
+                <a:off x="6711985" y="1075720"/>
+                <a:ext cx="720000" cy="576000"/>
+              </a:xfrm>
+              <a:prstGeom prst="rect">
+                <a:avLst/>
+              </a:prstGeom>
+            </p:spPr>
+          </p:pic>
+          <p:pic>
+            <p:nvPicPr>
+              <p:cNvPr id="13" name="Graphic 12">
+                <a:extLst>
+                  <a:ext uri="{FF2B5EF4-FFF2-40B4-BE49-F238E27FC236}">
+                    <a16:creationId xmlns:a16="http://schemas.microsoft.com/office/drawing/2014/main" id="{7ABE52DE-834C-4630-AFBB-CBF339FC5054}"/>
+                  </a:ext>
+                </a:extLst>
+              </p:cNvPr>
+              <p:cNvPicPr>
+                <a:picLocks noChangeAspect="1"/>
+              </p:cNvPicPr>
+              <p:nvPr/>
+            </p:nvPicPr>
+            <p:blipFill>
+              <a:blip r:embed="rId8" cstate="hqprint">
+                <a:extLst>
+                  <a:ext uri="{28A0092B-C50C-407E-A947-70E740481C1C}">
+                    <a14:useLocalDpi xmlns:a14="http://schemas.microsoft.com/office/drawing/2010/main" val="0"/>
+                  </a:ext>
+                  <a:ext uri="{96DAC541-7B7A-43D3-8B79-37D633B846F1}">
+                    <asvg:svgBlip xmlns:asvg="http://schemas.microsoft.com/office/drawing/2016/SVG/main" r:embed="rId9"/>
+                  </a:ext>
+                </a:extLst>
+              </a:blip>
+              <a:stretch>
+                <a:fillRect/>
+              </a:stretch>
+            </p:blipFill>
+            <p:spPr>
+              <a:xfrm>
+                <a:off x="7215702" y="1521822"/>
+                <a:ext cx="936000" cy="936000"/>
+              </a:xfrm>
+              <a:prstGeom prst="rect">
+                <a:avLst/>
+              </a:prstGeom>
+            </p:spPr>
+          </p:pic>
+        </p:grpSp>
+        <p:sp>
+          <p:nvSpPr>
+            <p:cNvPr id="11" name="TextBox 10">
+              <a:extLst>
+                <a:ext uri="{FF2B5EF4-FFF2-40B4-BE49-F238E27FC236}">
+                  <a16:creationId xmlns:a16="http://schemas.microsoft.com/office/drawing/2014/main" id="{48803D22-C9A5-42F0-BDE2-5805570A25F8}"/>
+                </a:ext>
+              </a:extLst>
+            </p:cNvPr>
+            <p:cNvSpPr txBox="1"/>
+            <p:nvPr/>
+          </p:nvSpPr>
+          <p:spPr>
+            <a:xfrm>
+              <a:off x="4509407" y="2666048"/>
+              <a:ext cx="1446924" cy="461665"/>
+            </a:xfrm>
+            <a:prstGeom prst="rect">
+              <a:avLst/>
+            </a:prstGeom>
+            <a:noFill/>
+          </p:spPr>
+          <p:txBody>
+            <a:bodyPr wrap="square" rtlCol="0">
+              <a:spAutoFit/>
+            </a:bodyPr>
+            <a:lstStyle/>
+            <a:p>
+              <a:pPr algn="ctr"/>
+              <a:r>
+                <a:rPr lang="de-AT" sz="1200" dirty="0" err="1"/>
+                <a:t>Authorization</a:t>
+              </a:r>
+              <a:r>
+                <a:rPr lang="de-AT" sz="1200" dirty="0"/>
+                <a:t> Server</a:t>
+              </a:r>
+              <a:endParaRPr lang="en-US" sz="1200" dirty="0"/>
+            </a:p>
+          </p:txBody>
+        </p:sp>
+      </p:grpSp>
+      <p:sp>
+        <p:nvSpPr>
+          <p:cNvPr id="16" name="TextBox 15">
+            <a:extLst>
+              <a:ext uri="{FF2B5EF4-FFF2-40B4-BE49-F238E27FC236}">
+                <a16:creationId xmlns:a16="http://schemas.microsoft.com/office/drawing/2014/main" id="{718B0868-7F2E-4493-8B92-76B4A6BEAFF5}"/>
+              </a:ext>
+            </a:extLst>
+          </p:cNvPr>
+          <p:cNvSpPr txBox="1"/>
+          <p:nvPr/>
+        </p:nvSpPr>
+        <p:spPr>
+          <a:xfrm rot="16200000">
+            <a:off x="824831" y="3800820"/>
+            <a:ext cx="1512850" cy="646331"/>
+          </a:xfrm>
+          <a:prstGeom prst="rect">
+            <a:avLst/>
+          </a:prstGeom>
+          <a:noFill/>
+        </p:spPr>
+        <p:txBody>
+          <a:bodyPr wrap="square" rtlCol="0">
+            <a:spAutoFit/>
+          </a:bodyPr>
+          <a:lstStyle>
+            <a:defPPr>
+              <a:defRPr lang="en-US"/>
+            </a:defPPr>
+            <a:lvl1pPr>
+              <a:defRPr sz="1200">
+                <a:solidFill>
+                  <a:schemeClr val="bg1">
+                    <a:lumMod val="50000"/>
+                  </a:schemeClr>
+                </a:solidFill>
+              </a:defRPr>
+            </a:lvl1pPr>
+          </a:lstStyle>
+          <a:p>
+            <a:pPr algn="ctr"/>
+            <a:r>
+              <a:rPr lang="de-AT" dirty="0"/>
+              <a:t>1. Device </a:t>
+            </a:r>
+            <a:r>
+              <a:rPr lang="de-AT" dirty="0" err="1"/>
+              <a:t>Aut</a:t>
+            </a:r>
+            <a:r>
+              <a:rPr lang="sk-SK" dirty="0" err="1"/>
+              <a:t>orisierung</a:t>
+            </a:r>
+            <a:r>
+              <a:rPr lang="de-AT" dirty="0"/>
+              <a:t> Request Anfrage</a:t>
+            </a:r>
+            <a:endParaRPr lang="en-US" dirty="0"/>
+          </a:p>
+        </p:txBody>
+      </p:sp>
+      <p:sp>
+        <p:nvSpPr>
+          <p:cNvPr id="43" name="TextBox 42">
+            <a:extLst>
+              <a:ext uri="{FF2B5EF4-FFF2-40B4-BE49-F238E27FC236}">
+                <a16:creationId xmlns:a16="http://schemas.microsoft.com/office/drawing/2014/main" id="{29B77AB2-BD0E-4C9E-AD09-7F8C301D8741}"/>
+              </a:ext>
+            </a:extLst>
+          </p:cNvPr>
+          <p:cNvSpPr txBox="1"/>
+          <p:nvPr/>
+        </p:nvSpPr>
+        <p:spPr>
+          <a:xfrm rot="20272241">
+            <a:off x="3768272" y="4948115"/>
+            <a:ext cx="2086722" cy="276999"/>
+          </a:xfrm>
+          <a:prstGeom prst="rect">
+            <a:avLst/>
+          </a:prstGeom>
+          <a:noFill/>
+        </p:spPr>
+        <p:txBody>
+          <a:bodyPr wrap="square" rtlCol="0">
+            <a:spAutoFit/>
+          </a:bodyPr>
+          <a:lstStyle>
+            <a:defPPr>
+              <a:defRPr lang="en-US"/>
+            </a:defPPr>
+            <a:lvl1pPr>
+              <a:defRPr sz="1200">
+                <a:solidFill>
+                  <a:schemeClr val="bg1">
+                    <a:lumMod val="50000"/>
+                  </a:schemeClr>
+                </a:solidFill>
+              </a:defRPr>
+            </a:lvl1pPr>
+          </a:lstStyle>
+          <a:p>
+            <a:pPr algn="ctr"/>
+            <a:r>
+              <a:rPr lang="de-AT" dirty="0"/>
+              <a:t>5. Gibt </a:t>
+            </a:r>
+            <a:r>
+              <a:rPr lang="de-AT" i="1" dirty="0"/>
+              <a:t>User Code</a:t>
+            </a:r>
+            <a:r>
+              <a:rPr lang="de-AT" dirty="0"/>
+              <a:t> ein</a:t>
+            </a:r>
+            <a:endParaRPr lang="en-US" dirty="0"/>
+          </a:p>
+        </p:txBody>
+      </p:sp>
+      <p:grpSp>
+        <p:nvGrpSpPr>
+          <p:cNvPr id="61" name="Group 60">
+            <a:extLst>
+              <a:ext uri="{FF2B5EF4-FFF2-40B4-BE49-F238E27FC236}">
+                <a16:creationId xmlns:a16="http://schemas.microsoft.com/office/drawing/2014/main" id="{A74EBDC6-5322-4C1A-B097-3FAA08B87309}"/>
+              </a:ext>
+            </a:extLst>
+          </p:cNvPr>
+          <p:cNvGrpSpPr/>
+          <p:nvPr/>
+        </p:nvGrpSpPr>
+        <p:grpSpPr>
+          <a:xfrm rot="5400000">
+            <a:off x="5704910" y="-1779749"/>
+            <a:ext cx="373685" cy="6148897"/>
+            <a:chOff x="3333753" y="2045326"/>
+            <a:chExt cx="373685" cy="4357871"/>
+          </a:xfrm>
+        </p:grpSpPr>
+        <p:sp>
+          <p:nvSpPr>
+            <p:cNvPr id="62" name="TextBox 61">
+              <a:extLst>
+                <a:ext uri="{FF2B5EF4-FFF2-40B4-BE49-F238E27FC236}">
+                  <a16:creationId xmlns:a16="http://schemas.microsoft.com/office/drawing/2014/main" id="{0689ACB4-EEF6-4225-B127-8DB083B9E22E}"/>
+                </a:ext>
+              </a:extLst>
+            </p:cNvPr>
+            <p:cNvSpPr txBox="1"/>
+            <p:nvPr/>
+          </p:nvSpPr>
+          <p:spPr>
+            <a:xfrm rot="16200000">
+              <a:off x="2202599" y="4061318"/>
+              <a:ext cx="2539308" cy="276999"/>
+            </a:xfrm>
+            <a:prstGeom prst="rect">
+              <a:avLst/>
+            </a:prstGeom>
+            <a:noFill/>
+          </p:spPr>
+          <p:txBody>
+            <a:bodyPr wrap="square" rtlCol="0">
+              <a:spAutoFit/>
+            </a:bodyPr>
+            <a:lstStyle>
+              <a:defPPr>
+                <a:defRPr lang="en-US"/>
+              </a:defPPr>
+              <a:lvl1pPr>
+                <a:defRPr sz="1200">
+                  <a:solidFill>
+                    <a:schemeClr val="bg1">
+                      <a:lumMod val="50000"/>
+                    </a:schemeClr>
+                  </a:solidFill>
+                </a:defRPr>
+              </a:lvl1pPr>
+            </a:lstStyle>
+            <a:p>
+              <a:pPr algn="ctr"/>
+              <a:r>
+                <a:rPr lang="de-AT" dirty="0"/>
+                <a:t>2. </a:t>
+              </a:r>
+              <a:r>
+                <a:rPr lang="sk-SK" dirty="0" err="1"/>
+                <a:t>Autorisierung</a:t>
+              </a:r>
+              <a:r>
+                <a:rPr lang="sk-SK" dirty="0"/>
+                <a:t> </a:t>
+              </a:r>
+              <a:r>
+                <a:rPr lang="sk-SK" dirty="0" err="1"/>
+                <a:t>request</a:t>
+              </a:r>
+              <a:endParaRPr lang="en-US" i="1" dirty="0"/>
+            </a:p>
+          </p:txBody>
+        </p:sp>
+        <p:cxnSp>
+          <p:nvCxnSpPr>
+            <p:cNvPr id="63" name="Straight Arrow Connector 62">
+              <a:extLst>
+                <a:ext uri="{FF2B5EF4-FFF2-40B4-BE49-F238E27FC236}">
+                  <a16:creationId xmlns:a16="http://schemas.microsoft.com/office/drawing/2014/main" id="{6410F524-0792-45C0-A764-4D7F860CBB45}"/>
+                </a:ext>
+              </a:extLst>
+            </p:cNvPr>
+            <p:cNvCxnSpPr>
+              <a:cxnSpLocks/>
+            </p:cNvCxnSpPr>
+            <p:nvPr/>
+          </p:nvCxnSpPr>
+          <p:spPr>
+            <a:xfrm rot="16200000" flipV="1">
+              <a:off x="1515283" y="4211042"/>
+              <a:ext cx="4357871" cy="26439"/>
+            </a:xfrm>
+            <a:prstGeom prst="straightConnector1">
+              <a:avLst/>
+            </a:prstGeom>
+            <a:ln>
+              <a:tailEnd type="triangle"/>
+            </a:ln>
+          </p:spPr>
+          <p:style>
+            <a:lnRef idx="3">
+              <a:schemeClr val="accent3"/>
+            </a:lnRef>
+            <a:fillRef idx="0">
+              <a:schemeClr val="accent3"/>
+            </a:fillRef>
+            <a:effectRef idx="2">
+              <a:schemeClr val="accent3"/>
+            </a:effectRef>
+            <a:fontRef idx="minor">
+              <a:schemeClr val="tx1"/>
+            </a:fontRef>
+          </p:style>
+        </p:cxnSp>
+      </p:grpSp>
+      <p:cxnSp>
+        <p:nvCxnSpPr>
+          <p:cNvPr id="71" name="Connector: Curved 70">
+            <a:extLst>
+              <a:ext uri="{FF2B5EF4-FFF2-40B4-BE49-F238E27FC236}">
+                <a16:creationId xmlns:a16="http://schemas.microsoft.com/office/drawing/2014/main" id="{DD2C703D-77A6-49B3-8187-205150182D06}"/>
+              </a:ext>
+            </a:extLst>
+          </p:cNvPr>
+          <p:cNvCxnSpPr>
+            <a:cxnSpLocks/>
+            <a:stCxn id="13" idx="0"/>
+            <a:endCxn id="13" idx="3"/>
+          </p:cNvCxnSpPr>
+          <p:nvPr/>
+        </p:nvCxnSpPr>
+        <p:spPr>
+          <a:xfrm rot="16200000" flipH="1">
+            <a:off x="10094559" y="1271758"/>
+            <a:ext cx="468000" cy="468000"/>
+          </a:xfrm>
+          <a:prstGeom prst="curvedConnector4">
+            <a:avLst>
+              <a:gd name="adj1" fmla="val -48846"/>
+              <a:gd name="adj2" fmla="val 148846"/>
+            </a:avLst>
+          </a:prstGeom>
+          <a:ln>
+            <a:tailEnd type="triangle"/>
+          </a:ln>
+        </p:spPr>
+        <p:style>
+          <a:lnRef idx="3">
+            <a:schemeClr val="accent3"/>
+          </a:lnRef>
+          <a:fillRef idx="0">
+            <a:schemeClr val="accent3"/>
+          </a:fillRef>
+          <a:effectRef idx="2">
+            <a:schemeClr val="accent3"/>
+          </a:effectRef>
+          <a:fontRef idx="minor">
+            <a:schemeClr val="tx1"/>
+          </a:fontRef>
+        </p:style>
+      </p:cxnSp>
+      <p:sp>
+        <p:nvSpPr>
+          <p:cNvPr id="75" name="TextBox 74">
+            <a:extLst>
+              <a:ext uri="{FF2B5EF4-FFF2-40B4-BE49-F238E27FC236}">
+                <a16:creationId xmlns:a16="http://schemas.microsoft.com/office/drawing/2014/main" id="{D1973678-D61C-458C-AEFA-7381D8F45668}"/>
+              </a:ext>
+            </a:extLst>
+          </p:cNvPr>
+          <p:cNvSpPr txBox="1"/>
+          <p:nvPr/>
+        </p:nvSpPr>
+        <p:spPr>
+          <a:xfrm>
+            <a:off x="9764674" y="800381"/>
+            <a:ext cx="1784383" cy="276999"/>
+          </a:xfrm>
+          <a:prstGeom prst="rect">
+            <a:avLst/>
+          </a:prstGeom>
+          <a:noFill/>
+        </p:spPr>
+        <p:txBody>
+          <a:bodyPr wrap="square" rtlCol="0">
+            <a:spAutoFit/>
+          </a:bodyPr>
+          <a:lstStyle>
+            <a:defPPr>
+              <a:defRPr lang="en-US"/>
+            </a:defPPr>
+            <a:lvl1pPr>
+              <a:defRPr sz="1200">
+                <a:solidFill>
+                  <a:schemeClr val="bg1">
+                    <a:lumMod val="50000"/>
+                  </a:schemeClr>
+                </a:solidFill>
+              </a:defRPr>
+            </a:lvl1pPr>
+          </a:lstStyle>
+          <a:p>
+            <a:pPr algn="ctr"/>
+            <a:r>
+              <a:rPr lang="de-AT" dirty="0"/>
+              <a:t>6. Authentifizierung</a:t>
+            </a:r>
+            <a:endParaRPr lang="en-US" dirty="0"/>
+          </a:p>
+        </p:txBody>
+      </p:sp>
+      <p:grpSp>
+        <p:nvGrpSpPr>
+          <p:cNvPr id="80" name="Group 79">
+            <a:extLst>
+              <a:ext uri="{FF2B5EF4-FFF2-40B4-BE49-F238E27FC236}">
+                <a16:creationId xmlns:a16="http://schemas.microsoft.com/office/drawing/2014/main" id="{155F6945-FAB0-4E2E-B2C6-5BB4F06A8DF5}"/>
+              </a:ext>
+            </a:extLst>
+          </p:cNvPr>
+          <p:cNvGrpSpPr/>
+          <p:nvPr/>
+        </p:nvGrpSpPr>
+        <p:grpSpPr>
+          <a:xfrm rot="10800000">
+            <a:off x="2761554" y="1677847"/>
+            <a:ext cx="6185219" cy="348683"/>
+            <a:chOff x="2951687" y="3336148"/>
+            <a:chExt cx="6497964" cy="348683"/>
+          </a:xfrm>
+        </p:grpSpPr>
+        <p:cxnSp>
+          <p:nvCxnSpPr>
+            <p:cNvPr id="81" name="Straight Arrow Connector 80">
+              <a:extLst>
+                <a:ext uri="{FF2B5EF4-FFF2-40B4-BE49-F238E27FC236}">
+                  <a16:creationId xmlns:a16="http://schemas.microsoft.com/office/drawing/2014/main" id="{EAEC5F6E-1D85-42F3-B6B9-970C30332615}"/>
+                </a:ext>
+              </a:extLst>
+            </p:cNvPr>
+            <p:cNvCxnSpPr>
+              <a:cxnSpLocks/>
+            </p:cNvCxnSpPr>
+            <p:nvPr/>
+          </p:nvCxnSpPr>
+          <p:spPr>
+            <a:xfrm rot="10800000" flipH="1" flipV="1">
+              <a:off x="2951687" y="3336148"/>
+              <a:ext cx="6497964" cy="12842"/>
+            </a:xfrm>
+            <a:prstGeom prst="straightConnector1">
+              <a:avLst/>
+            </a:prstGeom>
+            <a:ln>
+              <a:tailEnd type="triangle"/>
+            </a:ln>
+          </p:spPr>
+          <p:style>
+            <a:lnRef idx="3">
+              <a:schemeClr val="accent3"/>
+            </a:lnRef>
+            <a:fillRef idx="0">
+              <a:schemeClr val="accent3"/>
+            </a:fillRef>
+            <a:effectRef idx="2">
+              <a:schemeClr val="accent3"/>
+            </a:effectRef>
+            <a:fontRef idx="minor">
+              <a:schemeClr val="tx1"/>
+            </a:fontRef>
+          </p:style>
+        </p:cxnSp>
+        <p:sp>
+          <p:nvSpPr>
+            <p:cNvPr id="82" name="TextBox 81">
+              <a:extLst>
+                <a:ext uri="{FF2B5EF4-FFF2-40B4-BE49-F238E27FC236}">
+                  <a16:creationId xmlns:a16="http://schemas.microsoft.com/office/drawing/2014/main" id="{80A4901D-CF5A-4592-A9A6-231C379A321A}"/>
+                </a:ext>
+              </a:extLst>
+            </p:cNvPr>
+            <p:cNvSpPr txBox="1"/>
+            <p:nvPr/>
+          </p:nvSpPr>
+          <p:spPr>
+            <a:xfrm rot="10800000">
+              <a:off x="4207240" y="3407832"/>
+              <a:ext cx="3696698" cy="276999"/>
+            </a:xfrm>
+            <a:prstGeom prst="rect">
+              <a:avLst/>
+            </a:prstGeom>
+            <a:noFill/>
+          </p:spPr>
+          <p:txBody>
+            <a:bodyPr wrap="square" rtlCol="0">
+              <a:spAutoFit/>
+            </a:bodyPr>
+            <a:lstStyle>
+              <a:defPPr>
+                <a:defRPr lang="en-US"/>
+              </a:defPPr>
+              <a:lvl1pPr>
+                <a:defRPr sz="1200">
+                  <a:solidFill>
+                    <a:schemeClr val="bg1">
+                      <a:lumMod val="50000"/>
+                    </a:schemeClr>
+                  </a:solidFill>
+                </a:defRPr>
+              </a:lvl1pPr>
+            </a:lstStyle>
+            <a:p>
+              <a:pPr algn="ctr"/>
+              <a:r>
+                <a:rPr lang="en-US" dirty="0"/>
+                <a:t>3</a:t>
+              </a:r>
+              <a:r>
+                <a:rPr lang="de-AT" dirty="0"/>
+                <a:t>. Erzeugt </a:t>
+              </a:r>
+              <a:r>
+                <a:rPr lang="sk-SK" i="1" dirty="0"/>
+                <a:t>User </a:t>
+              </a:r>
+              <a:r>
+                <a:rPr lang="sk-SK" i="1" dirty="0" err="1"/>
+                <a:t>Code</a:t>
+              </a:r>
+              <a:r>
+                <a:rPr lang="de-AT" i="1" dirty="0"/>
+                <a:t>, </a:t>
+              </a:r>
+              <a:r>
+                <a:rPr lang="sk-SK" i="1" dirty="0"/>
+                <a:t>Device </a:t>
+              </a:r>
+              <a:r>
+                <a:rPr lang="sk-SK" i="1" dirty="0" err="1"/>
+                <a:t>Code</a:t>
+              </a:r>
+              <a:endParaRPr lang="en-US" i="1" dirty="0"/>
+            </a:p>
+          </p:txBody>
+        </p:sp>
+      </p:grpSp>
+      <p:grpSp>
+        <p:nvGrpSpPr>
+          <p:cNvPr id="44" name="Group 43">
+            <a:extLst>
+              <a:ext uri="{FF2B5EF4-FFF2-40B4-BE49-F238E27FC236}">
+                <a16:creationId xmlns:a16="http://schemas.microsoft.com/office/drawing/2014/main" id="{A4519EBF-8184-4A68-8CE0-C4E492844F03}"/>
+              </a:ext>
+            </a:extLst>
+          </p:cNvPr>
+          <p:cNvGrpSpPr/>
+          <p:nvPr/>
+        </p:nvGrpSpPr>
+        <p:grpSpPr>
+          <a:xfrm>
+            <a:off x="9486236" y="4510614"/>
+            <a:ext cx="1446924" cy="1664831"/>
+            <a:chOff x="3466233" y="4155004"/>
+            <a:chExt cx="1446924" cy="1664831"/>
+          </a:xfrm>
+        </p:grpSpPr>
+        <p:grpSp>
+          <p:nvGrpSpPr>
+            <p:cNvPr id="45" name="Group 44">
+              <a:extLst>
+                <a:ext uri="{FF2B5EF4-FFF2-40B4-BE49-F238E27FC236}">
+                  <a16:creationId xmlns:a16="http://schemas.microsoft.com/office/drawing/2014/main" id="{D0F80ED8-9197-42A4-A93F-F3F1FFCC2B49}"/>
+                </a:ext>
+              </a:extLst>
+            </p:cNvPr>
+            <p:cNvGrpSpPr/>
+            <p:nvPr/>
+          </p:nvGrpSpPr>
+          <p:grpSpPr>
+            <a:xfrm>
+              <a:off x="3466233" y="4589869"/>
+              <a:ext cx="1446924" cy="1229966"/>
+              <a:chOff x="2745384" y="1690688"/>
+              <a:chExt cx="1446924" cy="1229966"/>
+            </a:xfrm>
+          </p:grpSpPr>
+          <p:sp>
+            <p:nvSpPr>
+              <p:cNvPr id="47" name="TextBox 46">
+                <a:extLst>
+                  <a:ext uri="{FF2B5EF4-FFF2-40B4-BE49-F238E27FC236}">
+                    <a16:creationId xmlns:a16="http://schemas.microsoft.com/office/drawing/2014/main" id="{691BA1DE-DA94-4779-8F3A-21B5E3F83F7B}"/>
+                  </a:ext>
+                </a:extLst>
+              </p:cNvPr>
+              <p:cNvSpPr txBox="1"/>
+              <p:nvPr/>
+            </p:nvSpPr>
+            <p:spPr>
+              <a:xfrm>
+                <a:off x="2745384" y="2643655"/>
+                <a:ext cx="1446924" cy="276999"/>
+              </a:xfrm>
+              <a:prstGeom prst="rect">
+                <a:avLst/>
+              </a:prstGeom>
+              <a:noFill/>
+            </p:spPr>
+            <p:txBody>
+              <a:bodyPr wrap="square" rtlCol="0">
+                <a:spAutoFit/>
+              </a:bodyPr>
+              <a:lstStyle/>
+              <a:p>
+                <a:pPr algn="ctr"/>
+                <a:r>
+                  <a:rPr lang="de-AT" sz="1200" dirty="0" err="1"/>
+                  <a:t>Resource</a:t>
+                </a:r>
+                <a:r>
+                  <a:rPr lang="de-AT" sz="1200" dirty="0"/>
+                  <a:t> Server</a:t>
+                </a:r>
+                <a:endParaRPr lang="en-US" sz="1200" dirty="0"/>
+              </a:p>
+            </p:txBody>
+          </p:sp>
+          <p:pic>
+            <p:nvPicPr>
+              <p:cNvPr id="48" name="Graphic 47">
+                <a:extLst>
+                  <a:ext uri="{FF2B5EF4-FFF2-40B4-BE49-F238E27FC236}">
+                    <a16:creationId xmlns:a16="http://schemas.microsoft.com/office/drawing/2014/main" id="{3C0E145E-46AD-4730-87CD-6022EB3C5DA7}"/>
+                  </a:ext>
+                </a:extLst>
+              </p:cNvPr>
+              <p:cNvPicPr>
+                <a:picLocks noChangeAspect="1"/>
+              </p:cNvPicPr>
+              <p:nvPr/>
+            </p:nvPicPr>
+            <p:blipFill>
+              <a:blip r:embed="rId8" cstate="hqprint">
+                <a:extLst>
+                  <a:ext uri="{28A0092B-C50C-407E-A947-70E740481C1C}">
+                    <a14:useLocalDpi xmlns:a14="http://schemas.microsoft.com/office/drawing/2010/main" val="0"/>
+                  </a:ext>
+                  <a:ext uri="{96DAC541-7B7A-43D3-8B79-37D633B846F1}">
+                    <asvg:svgBlip xmlns:asvg="http://schemas.microsoft.com/office/drawing/2016/SVG/main" r:embed="rId9"/>
+                  </a:ext>
+                </a:extLst>
+              </a:blip>
+              <a:stretch>
+                <a:fillRect/>
+              </a:stretch>
+            </p:blipFill>
+            <p:spPr>
+              <a:xfrm>
+                <a:off x="3000846" y="1690688"/>
+                <a:ext cx="936000" cy="936000"/>
+              </a:xfrm>
+              <a:prstGeom prst="rect">
+                <a:avLst/>
+              </a:prstGeom>
+            </p:spPr>
+          </p:pic>
+        </p:grpSp>
+        <p:pic>
+          <p:nvPicPr>
+            <p:cNvPr id="46" name="Graphic 45">
+              <a:extLst>
+                <a:ext uri="{FF2B5EF4-FFF2-40B4-BE49-F238E27FC236}">
+                  <a16:creationId xmlns:a16="http://schemas.microsoft.com/office/drawing/2014/main" id="{9ECFEF68-E16C-4AE5-AE89-29E78160AD94}"/>
+                </a:ext>
+              </a:extLst>
+            </p:cNvPr>
+            <p:cNvPicPr>
+              <a:picLocks noChangeAspect="1"/>
+            </p:cNvPicPr>
+            <p:nvPr/>
+          </p:nvPicPr>
+          <p:blipFill>
+            <a:blip r:embed="rId10" cstate="hqprint">
+              <a:extLst>
+                <a:ext uri="{28A0092B-C50C-407E-A947-70E740481C1C}">
+                  <a14:useLocalDpi xmlns:a14="http://schemas.microsoft.com/office/drawing/2010/main" val="0"/>
+                </a:ext>
+                <a:ext uri="{96DAC541-7B7A-43D3-8B79-37D633B846F1}">
+                  <asvg:svgBlip xmlns:asvg="http://schemas.microsoft.com/office/drawing/2016/SVG/main" r:embed="rId11"/>
+                </a:ext>
+              </a:extLst>
+            </a:blip>
+            <a:stretch>
+              <a:fillRect/>
+            </a:stretch>
+          </p:blipFill>
+          <p:spPr>
+            <a:xfrm>
+              <a:off x="3505695" y="4155004"/>
+              <a:ext cx="432000" cy="576000"/>
+            </a:xfrm>
+            <a:prstGeom prst="rect">
+              <a:avLst/>
+            </a:prstGeom>
+          </p:spPr>
+        </p:pic>
+      </p:grpSp>
+      <p:cxnSp>
+        <p:nvCxnSpPr>
+          <p:cNvPr id="49" name="Straight Arrow Connector 48">
+            <a:extLst>
+              <a:ext uri="{FF2B5EF4-FFF2-40B4-BE49-F238E27FC236}">
+                <a16:creationId xmlns:a16="http://schemas.microsoft.com/office/drawing/2014/main" id="{6FB81742-134F-4AD2-8E6A-7275B0BF3707}"/>
+              </a:ext>
+            </a:extLst>
+          </p:cNvPr>
+          <p:cNvCxnSpPr>
+            <a:cxnSpLocks/>
+          </p:cNvCxnSpPr>
+          <p:nvPr/>
+        </p:nvCxnSpPr>
+        <p:spPr>
+          <a:xfrm flipV="1">
+            <a:off x="1982106" y="3014904"/>
+            <a:ext cx="712" cy="2125938"/>
+          </a:xfrm>
+          <a:prstGeom prst="straightConnector1">
+            <a:avLst/>
+          </a:prstGeom>
+          <a:ln>
+            <a:tailEnd type="triangle"/>
+          </a:ln>
+        </p:spPr>
+        <p:style>
+          <a:lnRef idx="3">
+            <a:schemeClr val="accent3"/>
+          </a:lnRef>
+          <a:fillRef idx="0">
+            <a:schemeClr val="accent3"/>
+          </a:fillRef>
+          <a:effectRef idx="2">
+            <a:schemeClr val="accent3"/>
+          </a:effectRef>
+          <a:fontRef idx="minor">
+            <a:schemeClr val="tx1"/>
+          </a:fontRef>
+        </p:style>
+      </p:cxnSp>
+      <p:cxnSp>
+        <p:nvCxnSpPr>
+          <p:cNvPr id="70" name="Straight Arrow Connector 69">
+            <a:extLst>
+              <a:ext uri="{FF2B5EF4-FFF2-40B4-BE49-F238E27FC236}">
+                <a16:creationId xmlns:a16="http://schemas.microsoft.com/office/drawing/2014/main" id="{7E5BC896-F44D-481F-BF89-9E8297BF6B85}"/>
+              </a:ext>
+            </a:extLst>
+          </p:cNvPr>
+          <p:cNvCxnSpPr>
+            <a:cxnSpLocks/>
+          </p:cNvCxnSpPr>
+          <p:nvPr/>
+        </p:nvCxnSpPr>
+        <p:spPr>
+          <a:xfrm flipV="1">
+            <a:off x="2761554" y="3172275"/>
+            <a:ext cx="6980144" cy="2928898"/>
+          </a:xfrm>
+          <a:prstGeom prst="straightConnector1">
+            <a:avLst/>
+          </a:prstGeom>
+          <a:ln>
+            <a:tailEnd type="triangle"/>
+          </a:ln>
+        </p:spPr>
+        <p:style>
+          <a:lnRef idx="3">
+            <a:schemeClr val="accent3"/>
+          </a:lnRef>
+          <a:fillRef idx="0">
+            <a:schemeClr val="accent3"/>
+          </a:fillRef>
+          <a:effectRef idx="2">
+            <a:schemeClr val="accent3"/>
+          </a:effectRef>
+          <a:fontRef idx="minor">
+            <a:schemeClr val="tx1"/>
+          </a:fontRef>
+        </p:style>
+      </p:cxnSp>
+      <p:cxnSp>
+        <p:nvCxnSpPr>
+          <p:cNvPr id="72" name="Straight Arrow Connector 71">
+            <a:extLst>
+              <a:ext uri="{FF2B5EF4-FFF2-40B4-BE49-F238E27FC236}">
+                <a16:creationId xmlns:a16="http://schemas.microsoft.com/office/drawing/2014/main" id="{FF949B01-799C-4643-89BD-B04D6F896E88}"/>
+              </a:ext>
+            </a:extLst>
+          </p:cNvPr>
+          <p:cNvCxnSpPr>
+            <a:cxnSpLocks/>
+          </p:cNvCxnSpPr>
+          <p:nvPr/>
+        </p:nvCxnSpPr>
+        <p:spPr>
+          <a:xfrm>
+            <a:off x="2545554" y="3242722"/>
+            <a:ext cx="6924355" cy="2735594"/>
+          </a:xfrm>
+          <a:prstGeom prst="straightConnector1">
+            <a:avLst/>
+          </a:prstGeom>
+          <a:ln>
+            <a:prstDash val="dash"/>
+            <a:tailEnd type="triangle"/>
+          </a:ln>
+        </p:spPr>
+        <p:style>
+          <a:lnRef idx="3">
+            <a:schemeClr val="accent3"/>
+          </a:lnRef>
+          <a:fillRef idx="0">
+            <a:schemeClr val="accent3"/>
+          </a:fillRef>
+          <a:effectRef idx="2">
+            <a:schemeClr val="accent3"/>
+          </a:effectRef>
+          <a:fontRef idx="minor">
+            <a:schemeClr val="tx1"/>
+          </a:fontRef>
+        </p:style>
+      </p:cxnSp>
+      <p:sp>
+        <p:nvSpPr>
+          <p:cNvPr id="73" name="TextBox 72">
+            <a:extLst>
+              <a:ext uri="{FF2B5EF4-FFF2-40B4-BE49-F238E27FC236}">
+                <a16:creationId xmlns:a16="http://schemas.microsoft.com/office/drawing/2014/main" id="{A77C94BB-7663-4BC7-942D-845FB30D1BAF}"/>
+              </a:ext>
+            </a:extLst>
+          </p:cNvPr>
+          <p:cNvSpPr txBox="1"/>
+          <p:nvPr/>
+        </p:nvSpPr>
+        <p:spPr>
+          <a:xfrm rot="1207823">
+            <a:off x="3698490" y="4193385"/>
+            <a:ext cx="2086722" cy="276999"/>
+          </a:xfrm>
+          <a:prstGeom prst="rect">
+            <a:avLst/>
+          </a:prstGeom>
+          <a:noFill/>
+        </p:spPr>
+        <p:txBody>
+          <a:bodyPr wrap="square" rtlCol="0">
+            <a:spAutoFit/>
+          </a:bodyPr>
+          <a:lstStyle>
+            <a:defPPr>
+              <a:defRPr lang="en-US"/>
+            </a:defPPr>
+            <a:lvl1pPr>
+              <a:defRPr sz="1200">
+                <a:solidFill>
+                  <a:schemeClr val="bg1">
+                    <a:lumMod val="50000"/>
+                  </a:schemeClr>
+                </a:solidFill>
+              </a:defRPr>
+            </a:lvl1pPr>
+          </a:lstStyle>
+          <a:p>
+            <a:pPr algn="ctr"/>
+            <a:r>
+              <a:rPr lang="de-AT" dirty="0"/>
+              <a:t>8. Greif auf die Daten zu</a:t>
+            </a:r>
+            <a:endParaRPr lang="en-US" dirty="0"/>
+          </a:p>
+        </p:txBody>
+      </p:sp>
+      <p:grpSp>
+        <p:nvGrpSpPr>
+          <p:cNvPr id="57" name="Group 56">
+            <a:extLst>
+              <a:ext uri="{FF2B5EF4-FFF2-40B4-BE49-F238E27FC236}">
+                <a16:creationId xmlns:a16="http://schemas.microsoft.com/office/drawing/2014/main" id="{C8690503-758F-453A-A31F-EBE76E45C934}"/>
+              </a:ext>
+            </a:extLst>
+          </p:cNvPr>
+          <p:cNvGrpSpPr/>
+          <p:nvPr/>
+        </p:nvGrpSpPr>
+        <p:grpSpPr>
+          <a:xfrm rot="20136212">
+            <a:off x="7091489" y="3813183"/>
+            <a:ext cx="934256" cy="889765"/>
+            <a:chOff x="3367812" y="1635114"/>
+            <a:chExt cx="832841" cy="793180"/>
+          </a:xfrm>
+        </p:grpSpPr>
+        <p:pic>
+          <p:nvPicPr>
+            <p:cNvPr id="58" name="Graphic 57">
+              <a:extLst>
+                <a:ext uri="{FF2B5EF4-FFF2-40B4-BE49-F238E27FC236}">
+                  <a16:creationId xmlns:a16="http://schemas.microsoft.com/office/drawing/2014/main" id="{E1CFB437-859D-4529-9258-9FC15BF4EFF5}"/>
+                </a:ext>
+              </a:extLst>
+            </p:cNvPr>
+            <p:cNvPicPr>
+              <a:picLocks noChangeAspect="1"/>
+            </p:cNvPicPr>
+            <p:nvPr/>
+          </p:nvPicPr>
+          <p:blipFill>
+            <a:blip r:embed="rId12" cstate="hqprint">
+              <a:extLst>
+                <a:ext uri="{28A0092B-C50C-407E-A947-70E740481C1C}">
+                  <a14:useLocalDpi xmlns:a14="http://schemas.microsoft.com/office/drawing/2010/main" val="0"/>
+                </a:ext>
+                <a:ext uri="{96DAC541-7B7A-43D3-8B79-37D633B846F1}">
+                  <asvg:svgBlip xmlns:asvg="http://schemas.microsoft.com/office/drawing/2016/SVG/main" r:embed="rId13"/>
+                </a:ext>
+              </a:extLst>
+            </a:blip>
+            <a:stretch>
+              <a:fillRect/>
+            </a:stretch>
+          </p:blipFill>
+          <p:spPr>
+            <a:xfrm>
+              <a:off x="3367812" y="1635114"/>
+              <a:ext cx="793180" cy="793180"/>
+            </a:xfrm>
+            <a:prstGeom prst="rect">
+              <a:avLst/>
+            </a:prstGeom>
+          </p:spPr>
+        </p:pic>
+        <p:sp>
+          <p:nvSpPr>
+            <p:cNvPr id="59" name="TextBox 58">
+              <a:extLst>
+                <a:ext uri="{FF2B5EF4-FFF2-40B4-BE49-F238E27FC236}">
+                  <a16:creationId xmlns:a16="http://schemas.microsoft.com/office/drawing/2014/main" id="{145E16F8-84D8-4321-80B6-BE9863EEB18F}"/>
+                </a:ext>
+              </a:extLst>
+            </p:cNvPr>
+            <p:cNvSpPr txBox="1"/>
+            <p:nvPr/>
+          </p:nvSpPr>
+          <p:spPr>
+            <a:xfrm>
+              <a:off x="3407472" y="1909876"/>
+              <a:ext cx="793181" cy="307777"/>
+            </a:xfrm>
+            <a:prstGeom prst="rect">
+              <a:avLst/>
+            </a:prstGeom>
+            <a:noFill/>
+          </p:spPr>
+          <p:txBody>
+            <a:bodyPr wrap="square" rtlCol="0">
+              <a:spAutoFit/>
+            </a:bodyPr>
+            <a:lstStyle/>
+            <a:p>
+              <a:r>
+                <a:rPr lang="de-AT" sz="1400" dirty="0">
+                  <a:solidFill>
+                    <a:schemeClr val="bg1"/>
+                  </a:solidFill>
+                </a:rPr>
+                <a:t>Browser</a:t>
+              </a:r>
+              <a:endParaRPr lang="en-US" sz="1400" dirty="0">
+                <a:solidFill>
+                  <a:schemeClr val="bg1"/>
+                </a:solidFill>
+              </a:endParaRPr>
+            </a:p>
+          </p:txBody>
+        </p:sp>
+      </p:grpSp>
+      <p:sp>
+        <p:nvSpPr>
+          <p:cNvPr id="54" name="TextBox 53">
+            <a:extLst>
+              <a:ext uri="{FF2B5EF4-FFF2-40B4-BE49-F238E27FC236}">
+                <a16:creationId xmlns:a16="http://schemas.microsoft.com/office/drawing/2014/main" id="{27738CA5-08E1-4DC7-999B-FCACFEBABDC1}"/>
+              </a:ext>
+            </a:extLst>
+          </p:cNvPr>
+          <p:cNvSpPr txBox="1"/>
+          <p:nvPr/>
+        </p:nvSpPr>
+        <p:spPr>
+          <a:xfrm rot="20192390">
+            <a:off x="4000772" y="5155138"/>
+            <a:ext cx="2086722" cy="276999"/>
+          </a:xfrm>
+          <a:prstGeom prst="rect">
+            <a:avLst/>
+          </a:prstGeom>
+          <a:noFill/>
+        </p:spPr>
+        <p:txBody>
+          <a:bodyPr wrap="square" rtlCol="0">
+            <a:spAutoFit/>
+          </a:bodyPr>
+          <a:lstStyle>
+            <a:defPPr>
+              <a:defRPr lang="en-US"/>
+            </a:defPPr>
+            <a:lvl1pPr>
+              <a:defRPr sz="1200">
+                <a:solidFill>
+                  <a:schemeClr val="bg1">
+                    <a:lumMod val="50000"/>
+                  </a:schemeClr>
+                </a:solidFill>
+              </a:defRPr>
+            </a:lvl1pPr>
+          </a:lstStyle>
+          <a:p>
+            <a:pPr algn="ctr"/>
+            <a:r>
+              <a:rPr lang="de-AT" dirty="0"/>
+              <a:t>6. Gibt Anmeldedaten ein</a:t>
+            </a:r>
+            <a:endParaRPr lang="en-US" i="1" dirty="0"/>
+          </a:p>
+        </p:txBody>
+      </p:sp>
+      <p:grpSp>
+        <p:nvGrpSpPr>
+          <p:cNvPr id="74" name="Group 73">
+            <a:extLst>
+              <a:ext uri="{FF2B5EF4-FFF2-40B4-BE49-F238E27FC236}">
+                <a16:creationId xmlns:a16="http://schemas.microsoft.com/office/drawing/2014/main" id="{CFA678B5-EBC5-44F9-9FE6-58997F99A25F}"/>
+              </a:ext>
+            </a:extLst>
+          </p:cNvPr>
+          <p:cNvGrpSpPr/>
+          <p:nvPr/>
+        </p:nvGrpSpPr>
+        <p:grpSpPr>
+          <a:xfrm rot="5400000">
+            <a:off x="5685483" y="-686532"/>
+            <a:ext cx="373684" cy="6148897"/>
+            <a:chOff x="3333754" y="2045326"/>
+            <a:chExt cx="373684" cy="4357871"/>
+          </a:xfrm>
+        </p:grpSpPr>
+        <p:sp>
+          <p:nvSpPr>
+            <p:cNvPr id="76" name="TextBox 75">
+              <a:extLst>
+                <a:ext uri="{FF2B5EF4-FFF2-40B4-BE49-F238E27FC236}">
+                  <a16:creationId xmlns:a16="http://schemas.microsoft.com/office/drawing/2014/main" id="{47E39E6B-FA71-46C0-B9B6-08A00A31ED5A}"/>
+                </a:ext>
+              </a:extLst>
+            </p:cNvPr>
+            <p:cNvSpPr txBox="1"/>
+            <p:nvPr/>
+          </p:nvSpPr>
+          <p:spPr>
+            <a:xfrm rot="16200000">
+              <a:off x="2202600" y="4061318"/>
+              <a:ext cx="2539308" cy="276999"/>
+            </a:xfrm>
+            <a:prstGeom prst="rect">
+              <a:avLst/>
+            </a:prstGeom>
+            <a:noFill/>
+          </p:spPr>
+          <p:txBody>
+            <a:bodyPr wrap="square" rtlCol="0">
+              <a:spAutoFit/>
+            </a:bodyPr>
+            <a:lstStyle>
+              <a:defPPr>
+                <a:defRPr lang="en-US"/>
+              </a:defPPr>
+              <a:lvl1pPr>
+                <a:defRPr sz="1200">
+                  <a:solidFill>
+                    <a:schemeClr val="bg1">
+                      <a:lumMod val="50000"/>
+                    </a:schemeClr>
+                  </a:solidFill>
+                </a:defRPr>
+              </a:lvl1pPr>
+            </a:lstStyle>
+            <a:p>
+              <a:pPr algn="ctr"/>
+              <a:r>
+                <a:rPr lang="de-AT" dirty="0"/>
+                <a:t>4. Client fragt kontinuierlich nach </a:t>
+              </a:r>
+              <a:r>
+                <a:rPr lang="de-AT" i="1" dirty="0"/>
+                <a:t>Access Token</a:t>
+              </a:r>
+              <a:endParaRPr lang="en-US" i="1" dirty="0"/>
+            </a:p>
+          </p:txBody>
+        </p:sp>
+        <p:cxnSp>
+          <p:nvCxnSpPr>
+            <p:cNvPr id="77" name="Straight Arrow Connector 76">
+              <a:extLst>
+                <a:ext uri="{FF2B5EF4-FFF2-40B4-BE49-F238E27FC236}">
+                  <a16:creationId xmlns:a16="http://schemas.microsoft.com/office/drawing/2014/main" id="{1B3C8888-6702-44AA-8AC8-C76581B827EA}"/>
+                </a:ext>
+              </a:extLst>
+            </p:cNvPr>
+            <p:cNvCxnSpPr>
+              <a:cxnSpLocks/>
+            </p:cNvCxnSpPr>
+            <p:nvPr/>
+          </p:nvCxnSpPr>
+          <p:spPr>
+            <a:xfrm rot="16200000" flipV="1">
+              <a:off x="1515283" y="4211042"/>
+              <a:ext cx="4357871" cy="26439"/>
+            </a:xfrm>
+            <a:prstGeom prst="straightConnector1">
+              <a:avLst/>
+            </a:prstGeom>
+            <a:ln>
+              <a:headEnd type="triangle"/>
+              <a:tailEnd type="triangle"/>
+            </a:ln>
+          </p:spPr>
+          <p:style>
+            <a:lnRef idx="3">
+              <a:schemeClr val="accent3"/>
+            </a:lnRef>
+            <a:fillRef idx="0">
+              <a:schemeClr val="accent3"/>
+            </a:fillRef>
+            <a:effectRef idx="2">
+              <a:schemeClr val="accent3"/>
+            </a:effectRef>
+            <a:fontRef idx="minor">
+              <a:schemeClr val="tx1"/>
+            </a:fontRef>
+          </p:style>
+        </p:cxnSp>
+      </p:grpSp>
+      <p:grpSp>
+        <p:nvGrpSpPr>
+          <p:cNvPr id="78" name="Group 77">
+            <a:extLst>
+              <a:ext uri="{FF2B5EF4-FFF2-40B4-BE49-F238E27FC236}">
+                <a16:creationId xmlns:a16="http://schemas.microsoft.com/office/drawing/2014/main" id="{458D2DCC-EE62-48CC-A513-39468740EB8B}"/>
+              </a:ext>
+            </a:extLst>
+          </p:cNvPr>
+          <p:cNvGrpSpPr/>
+          <p:nvPr/>
+        </p:nvGrpSpPr>
+        <p:grpSpPr>
+          <a:xfrm rot="10800000">
+            <a:off x="2797877" y="2757704"/>
+            <a:ext cx="6185219" cy="348683"/>
+            <a:chOff x="2951687" y="3336148"/>
+            <a:chExt cx="6497964" cy="348683"/>
+          </a:xfrm>
+        </p:grpSpPr>
+        <p:cxnSp>
+          <p:nvCxnSpPr>
+            <p:cNvPr id="79" name="Straight Arrow Connector 78">
+              <a:extLst>
+                <a:ext uri="{FF2B5EF4-FFF2-40B4-BE49-F238E27FC236}">
+                  <a16:creationId xmlns:a16="http://schemas.microsoft.com/office/drawing/2014/main" id="{E93104BE-7035-4A3F-B702-2EBDF0BD8047}"/>
+                </a:ext>
+              </a:extLst>
+            </p:cNvPr>
+            <p:cNvCxnSpPr>
+              <a:cxnSpLocks/>
+            </p:cNvCxnSpPr>
+            <p:nvPr/>
+          </p:nvCxnSpPr>
+          <p:spPr>
+            <a:xfrm rot="10800000" flipH="1" flipV="1">
+              <a:off x="2951687" y="3336148"/>
+              <a:ext cx="6497964" cy="12842"/>
+            </a:xfrm>
+            <a:prstGeom prst="straightConnector1">
+              <a:avLst/>
+            </a:prstGeom>
+            <a:ln>
+              <a:tailEnd type="triangle"/>
+            </a:ln>
+          </p:spPr>
+          <p:style>
+            <a:lnRef idx="3">
+              <a:schemeClr val="accent3"/>
+            </a:lnRef>
+            <a:fillRef idx="0">
+              <a:schemeClr val="accent3"/>
+            </a:fillRef>
+            <a:effectRef idx="2">
+              <a:schemeClr val="accent3"/>
+            </a:effectRef>
+            <a:fontRef idx="minor">
+              <a:schemeClr val="tx1"/>
+            </a:fontRef>
+          </p:style>
+        </p:cxnSp>
+        <p:sp>
+          <p:nvSpPr>
+            <p:cNvPr id="83" name="TextBox 82">
+              <a:extLst>
+                <a:ext uri="{FF2B5EF4-FFF2-40B4-BE49-F238E27FC236}">
+                  <a16:creationId xmlns:a16="http://schemas.microsoft.com/office/drawing/2014/main" id="{CCAA0D9D-3315-4570-A986-13A800D63546}"/>
+                </a:ext>
+              </a:extLst>
+            </p:cNvPr>
+            <p:cNvSpPr txBox="1"/>
+            <p:nvPr/>
+          </p:nvSpPr>
+          <p:spPr>
+            <a:xfrm rot="10800000">
+              <a:off x="4207240" y="3407832"/>
+              <a:ext cx="3696698" cy="276999"/>
+            </a:xfrm>
+            <a:prstGeom prst="rect">
+              <a:avLst/>
+            </a:prstGeom>
+            <a:noFill/>
+          </p:spPr>
+          <p:txBody>
+            <a:bodyPr wrap="square" rtlCol="0">
+              <a:spAutoFit/>
+            </a:bodyPr>
+            <a:lstStyle>
+              <a:defPPr>
+                <a:defRPr lang="en-US"/>
+              </a:defPPr>
+              <a:lvl1pPr>
+                <a:defRPr sz="1200">
+                  <a:solidFill>
+                    <a:schemeClr val="bg1">
+                      <a:lumMod val="50000"/>
+                    </a:schemeClr>
+                  </a:solidFill>
+                </a:defRPr>
+              </a:lvl1pPr>
+            </a:lstStyle>
+            <a:p>
+              <a:pPr algn="ctr"/>
+              <a:r>
+                <a:rPr lang="en-US" dirty="0"/>
+                <a:t>7</a:t>
+              </a:r>
+              <a:r>
+                <a:rPr lang="de-AT" dirty="0"/>
+                <a:t>. Erzeugt </a:t>
+              </a:r>
+              <a:r>
+                <a:rPr lang="de-AT" i="1" dirty="0"/>
+                <a:t>Access Token</a:t>
+              </a:r>
+              <a:endParaRPr lang="en-US" i="1" dirty="0"/>
+            </a:p>
+          </p:txBody>
+        </p:sp>
+      </p:grpSp>
+    </p:spTree>
+    <p:extLst>
+      <p:ext uri="{BB962C8B-B14F-4D97-AF65-F5344CB8AC3E}">
+        <p14:creationId xmlns:p14="http://schemas.microsoft.com/office/powerpoint/2010/main" val="3547628484"/>
+      </p:ext>
+    </p:extLst>
+  </p:cSld>
+  <p:clrMapOvr>
+    <a:masterClrMapping/>
+  </p:clrMapOvr>
+</p:sld>
+</file>
+
+<file path=ppt/slides/slide39.xml><?xml version="1.0" encoding="utf-8"?>
+<p:sld xmlns:a="http://schemas.openxmlformats.org/drawingml/2006/main" xmlns:r="http://schemas.openxmlformats.org/officeDocument/2006/relationships" xmlns:p="http://schemas.openxmlformats.org/presentationml/2006/main">
+  <p:cSld>
+    <p:spTree>
+      <p:nvGrpSpPr>
+        <p:cNvPr id="1" name=""/>
+        <p:cNvGrpSpPr/>
+        <p:nvPr/>
+      </p:nvGrpSpPr>
+      <p:grpSpPr>
+        <a:xfrm>
+          <a:off x="0" y="0"/>
+          <a:ext cx="0" cy="0"/>
+          <a:chOff x="0" y="0"/>
+          <a:chExt cx="0" cy="0"/>
+        </a:xfrm>
+      </p:grpSpPr>
+      <p:sp>
+        <p:nvSpPr>
+          <p:cNvPr id="2" name="Title 1">
+            <a:extLst>
+              <a:ext uri="{FF2B5EF4-FFF2-40B4-BE49-F238E27FC236}">
+                <a16:creationId xmlns:a16="http://schemas.microsoft.com/office/drawing/2014/main" id="{348397C1-A147-42F6-8AF5-33AF5868C7CC}"/>
+              </a:ext>
+            </a:extLst>
+          </p:cNvPr>
+          <p:cNvSpPr>
+            <a:spLocks noGrp="1"/>
+          </p:cNvSpPr>
+          <p:nvPr>
+            <p:ph type="title"/>
+          </p:nvPr>
+        </p:nvSpPr>
+        <p:spPr/>
+        <p:txBody>
+          <a:bodyPr/>
+          <a:lstStyle/>
+          <a:p>
+            <a:r>
+              <a:rPr lang="de-AT" dirty="0"/>
+              <a:t>Device Flow</a:t>
+            </a:r>
+            <a:endParaRPr lang="en-US" dirty="0"/>
+          </a:p>
+        </p:txBody>
+      </p:sp>
+      <p:graphicFrame>
+        <p:nvGraphicFramePr>
+          <p:cNvPr id="3" name="Table 2">
+            <a:extLst>
+              <a:ext uri="{FF2B5EF4-FFF2-40B4-BE49-F238E27FC236}">
+                <a16:creationId xmlns:a16="http://schemas.microsoft.com/office/drawing/2014/main" id="{92A1B128-AAB2-47F0-9CD1-9CCC30105557}"/>
+              </a:ext>
+            </a:extLst>
+          </p:cNvPr>
+          <p:cNvGraphicFramePr>
+            <a:graphicFrameLocks noGrp="1"/>
+          </p:cNvGraphicFramePr>
+          <p:nvPr>
+            <p:extLst>
+              <p:ext uri="{D42A27DB-BD31-4B8C-83A1-F6EECF244321}">
+                <p14:modId xmlns:p14="http://schemas.microsoft.com/office/powerpoint/2010/main" val="921104729"/>
+              </p:ext>
+            </p:extLst>
+          </p:nvPr>
+        </p:nvGraphicFramePr>
+        <p:xfrm>
+          <a:off x="2032000" y="2872740"/>
+          <a:ext cx="8128000" cy="1381760"/>
+        </p:xfrm>
+        <a:graphic>
+          <a:graphicData uri="http://schemas.openxmlformats.org/drawingml/2006/table">
+            <a:tbl>
+              <a:tblPr firstRow="1" bandRow="1">
+                <a:tableStyleId>{5940675A-B579-460E-94D1-54222C63F5DA}</a:tableStyleId>
+              </a:tblPr>
+              <a:tblGrid>
+                <a:gridCol w="1625600">
+                  <a:extLst>
+                    <a:ext uri="{9D8B030D-6E8A-4147-A177-3AD203B41FA5}">
+                      <a16:colId xmlns:a16="http://schemas.microsoft.com/office/drawing/2014/main" val="1929636500"/>
+                    </a:ext>
+                  </a:extLst>
+                </a:gridCol>
+                <a:gridCol w="1625600">
+                  <a:extLst>
+                    <a:ext uri="{9D8B030D-6E8A-4147-A177-3AD203B41FA5}">
+                      <a16:colId xmlns:a16="http://schemas.microsoft.com/office/drawing/2014/main" val="3240070001"/>
+                    </a:ext>
+                  </a:extLst>
+                </a:gridCol>
+                <a:gridCol w="1625600">
+                  <a:extLst>
+                    <a:ext uri="{9D8B030D-6E8A-4147-A177-3AD203B41FA5}">
+                      <a16:colId xmlns:a16="http://schemas.microsoft.com/office/drawing/2014/main" val="116783287"/>
+                    </a:ext>
+                  </a:extLst>
+                </a:gridCol>
+                <a:gridCol w="1625600">
+                  <a:extLst>
+                    <a:ext uri="{9D8B030D-6E8A-4147-A177-3AD203B41FA5}">
+                      <a16:colId xmlns:a16="http://schemas.microsoft.com/office/drawing/2014/main" val="492657174"/>
+                    </a:ext>
+                  </a:extLst>
+                </a:gridCol>
+                <a:gridCol w="1625600">
+                  <a:extLst>
+                    <a:ext uri="{9D8B030D-6E8A-4147-A177-3AD203B41FA5}">
+                      <a16:colId xmlns:a16="http://schemas.microsoft.com/office/drawing/2014/main" val="2588437635"/>
+                    </a:ext>
+                  </a:extLst>
+                </a:gridCol>
+              </a:tblGrid>
+              <a:tr h="370840">
+                <a:tc>
+                  <a:txBody>
+                    <a:bodyPr/>
+                    <a:lstStyle/>
+                    <a:p>
+                      <a:pPr algn="ctr"/>
+                      <a:r>
+                        <a:rPr lang="de-AT" dirty="0" err="1">
+                          <a:solidFill>
+                            <a:schemeClr val="bg1"/>
+                          </a:solidFill>
+                        </a:rPr>
+                        <a:t>Endpoint</a:t>
+                      </a:r>
+                      <a:endParaRPr lang="en-US" dirty="0">
+                        <a:solidFill>
+                          <a:schemeClr val="bg1"/>
+                        </a:solidFill>
+                      </a:endParaRPr>
+                    </a:p>
+                  </a:txBody>
+                  <a:tcPr>
+                    <a:solidFill>
+                      <a:schemeClr val="tx1"/>
+                    </a:solidFill>
+                  </a:tcPr>
+                </a:tc>
+                <a:tc>
+                  <a:txBody>
+                    <a:bodyPr/>
+                    <a:lstStyle/>
+                    <a:p>
+                      <a:pPr algn="ctr"/>
+                      <a:r>
+                        <a:rPr lang="de-AT" dirty="0" err="1">
+                          <a:solidFill>
+                            <a:schemeClr val="bg1"/>
+                          </a:solidFill>
+                        </a:rPr>
+                        <a:t>Authorization</a:t>
+                      </a:r>
+                      <a:r>
+                        <a:rPr lang="de-AT" dirty="0">
+                          <a:solidFill>
+                            <a:schemeClr val="bg1"/>
+                          </a:solidFill>
+                        </a:rPr>
+                        <a:t> Code</a:t>
+                      </a:r>
+                      <a:endParaRPr lang="en-US" dirty="0">
+                        <a:solidFill>
+                          <a:schemeClr val="bg1"/>
+                        </a:solidFill>
+                      </a:endParaRPr>
+                    </a:p>
+                  </a:txBody>
+                  <a:tcPr>
+                    <a:solidFill>
+                      <a:schemeClr val="tx1"/>
+                    </a:solidFill>
+                  </a:tcPr>
+                </a:tc>
+                <a:tc>
+                  <a:txBody>
+                    <a:bodyPr/>
+                    <a:lstStyle/>
+                    <a:p>
+                      <a:pPr algn="ctr"/>
+                      <a:r>
+                        <a:rPr lang="de-AT" dirty="0">
+                          <a:solidFill>
+                            <a:schemeClr val="bg1"/>
+                          </a:solidFill>
+                        </a:rPr>
+                        <a:t>Access Token</a:t>
+                      </a:r>
+                      <a:endParaRPr lang="en-US" dirty="0">
+                        <a:solidFill>
+                          <a:schemeClr val="bg1"/>
+                        </a:solidFill>
+                      </a:endParaRPr>
+                    </a:p>
+                  </a:txBody>
+                  <a:tcPr>
+                    <a:solidFill>
+                      <a:schemeClr val="tx1"/>
+                    </a:solidFill>
+                  </a:tcPr>
+                </a:tc>
+                <a:tc>
+                  <a:txBody>
+                    <a:bodyPr/>
+                    <a:lstStyle/>
+                    <a:p>
+                      <a:pPr algn="ctr"/>
+                      <a:r>
+                        <a:rPr lang="de-AT" dirty="0">
+                          <a:solidFill>
+                            <a:schemeClr val="bg1"/>
+                          </a:solidFill>
+                        </a:rPr>
+                        <a:t>ID Token</a:t>
+                      </a:r>
+                      <a:endParaRPr lang="en-US" dirty="0">
+                        <a:solidFill>
+                          <a:schemeClr val="bg1"/>
+                        </a:solidFill>
+                      </a:endParaRPr>
+                    </a:p>
+                  </a:txBody>
+                  <a:tcPr>
+                    <a:solidFill>
+                      <a:schemeClr val="tx1"/>
+                    </a:solidFill>
+                  </a:tcPr>
+                </a:tc>
+                <a:tc>
+                  <a:txBody>
+                    <a:bodyPr/>
+                    <a:lstStyle/>
+                    <a:p>
+                      <a:pPr algn="ctr"/>
+                      <a:r>
+                        <a:rPr lang="en-US" dirty="0">
+                          <a:solidFill>
+                            <a:schemeClr val="bg1"/>
+                          </a:solidFill>
+                        </a:rPr>
+                        <a:t>Refresh</a:t>
+                      </a:r>
+                      <a:r>
+                        <a:rPr lang="en-US" baseline="0" dirty="0">
+                          <a:solidFill>
+                            <a:schemeClr val="bg1"/>
+                          </a:solidFill>
+                        </a:rPr>
+                        <a:t> Token</a:t>
+                      </a:r>
+                      <a:endParaRPr lang="en-US" dirty="0">
+                        <a:solidFill>
+                          <a:schemeClr val="bg1"/>
+                        </a:solidFill>
+                      </a:endParaRPr>
+                    </a:p>
+                  </a:txBody>
+                  <a:tcPr>
+                    <a:solidFill>
+                      <a:schemeClr val="tx1"/>
+                    </a:solidFill>
+                  </a:tcPr>
+                </a:tc>
+                <a:extLst>
+                  <a:ext uri="{0D108BD9-81ED-4DB2-BD59-A6C34878D82A}">
+                    <a16:rowId xmlns:a16="http://schemas.microsoft.com/office/drawing/2014/main" val="1928875511"/>
+                  </a:ext>
+                </a:extLst>
+              </a:tr>
+              <a:tr h="370840">
+                <a:tc>
+                  <a:txBody>
+                    <a:bodyPr/>
+                    <a:lstStyle/>
+                    <a:p>
+                      <a:pPr algn="ctr"/>
+                      <a:r>
+                        <a:rPr lang="de-AT" dirty="0"/>
+                        <a:t>Device Code</a:t>
+                      </a:r>
+                      <a:endParaRPr lang="en-US" dirty="0"/>
+                    </a:p>
+                  </a:txBody>
+                  <a:tcPr>
+                    <a:solidFill>
+                      <a:schemeClr val="bg1">
+                        <a:lumMod val="85000"/>
+                      </a:schemeClr>
+                    </a:solidFill>
+                  </a:tcPr>
+                </a:tc>
+                <a:tc>
+                  <a:txBody>
+                    <a:bodyPr/>
+                    <a:lstStyle/>
+                    <a:p>
+                      <a:pPr algn="ctr"/>
+                      <a:endParaRPr lang="en-US" dirty="0"/>
+                    </a:p>
+                  </a:txBody>
+                  <a:tcPr/>
+                </a:tc>
+                <a:tc>
+                  <a:txBody>
+                    <a:bodyPr/>
+                    <a:lstStyle/>
+                    <a:p>
+                      <a:pPr algn="ctr"/>
+                      <a:endParaRPr lang="en-US" dirty="0"/>
+                    </a:p>
+                  </a:txBody>
+                  <a:tcPr/>
+                </a:tc>
+                <a:tc>
+                  <a:txBody>
+                    <a:bodyPr/>
+                    <a:lstStyle/>
+                    <a:p>
+                      <a:pPr algn="ctr"/>
+                      <a:endParaRPr lang="en-US" dirty="0"/>
+                    </a:p>
+                  </a:txBody>
+                  <a:tcPr/>
+                </a:tc>
+                <a:tc>
+                  <a:txBody>
+                    <a:bodyPr/>
+                    <a:lstStyle/>
+                    <a:p>
+                      <a:pPr algn="ctr"/>
+                      <a:endParaRPr lang="en-US" dirty="0"/>
+                    </a:p>
+                  </a:txBody>
+                  <a:tcPr/>
+                </a:tc>
+                <a:extLst>
+                  <a:ext uri="{0D108BD9-81ED-4DB2-BD59-A6C34878D82A}">
+                    <a16:rowId xmlns:a16="http://schemas.microsoft.com/office/drawing/2014/main" val="1320869910"/>
+                  </a:ext>
+                </a:extLst>
+              </a:tr>
+              <a:tr h="370840">
+                <a:tc>
+                  <a:txBody>
+                    <a:bodyPr/>
+                    <a:lstStyle/>
+                    <a:p>
+                      <a:pPr algn="ctr"/>
+                      <a:r>
+                        <a:rPr lang="de-AT" dirty="0"/>
+                        <a:t>Token</a:t>
+                      </a:r>
+                      <a:endParaRPr lang="en-US" dirty="0"/>
+                    </a:p>
+                  </a:txBody>
+                  <a:tcPr>
+                    <a:solidFill>
+                      <a:schemeClr val="bg1">
+                        <a:lumMod val="85000"/>
+                      </a:schemeClr>
+                    </a:solidFill>
+                  </a:tcPr>
+                </a:tc>
+                <a:tc>
+                  <a:txBody>
+                    <a:bodyPr/>
+                    <a:lstStyle/>
+                    <a:p>
+                      <a:pPr algn="ctr"/>
+                      <a:endParaRPr lang="en-US" dirty="0"/>
+                    </a:p>
+                  </a:txBody>
+                  <a:tcPr/>
+                </a:tc>
+                <a:tc>
+                  <a:txBody>
+                    <a:bodyPr/>
+                    <a:lstStyle/>
+                    <a:p>
+                      <a:pPr algn="ctr"/>
+                      <a:r>
+                        <a:rPr lang="de-AT" dirty="0"/>
+                        <a:t>X</a:t>
+                      </a:r>
+                      <a:endParaRPr lang="en-US" dirty="0"/>
+                    </a:p>
+                  </a:txBody>
+                  <a:tcPr/>
+                </a:tc>
+                <a:tc>
+                  <a:txBody>
+                    <a:bodyPr/>
+                    <a:lstStyle/>
+                    <a:p>
+                      <a:pPr algn="ctr"/>
+                      <a:r>
+                        <a:rPr lang="de-AT" dirty="0"/>
+                        <a:t>X</a:t>
+                      </a:r>
+                      <a:endParaRPr lang="en-US" dirty="0"/>
+                    </a:p>
+                  </a:txBody>
+                  <a:tcPr/>
+                </a:tc>
+                <a:tc>
+                  <a:txBody>
+                    <a:bodyPr/>
+                    <a:lstStyle/>
+                    <a:p>
+                      <a:pPr algn="ctr"/>
+                      <a:r>
+                        <a:rPr lang="en-US" dirty="0"/>
+                        <a:t>X</a:t>
+                      </a:r>
+                    </a:p>
+                  </a:txBody>
+                  <a:tcPr/>
+                </a:tc>
+                <a:extLst>
+                  <a:ext uri="{0D108BD9-81ED-4DB2-BD59-A6C34878D82A}">
+                    <a16:rowId xmlns:a16="http://schemas.microsoft.com/office/drawing/2014/main" val="685321953"/>
+                  </a:ext>
+                </a:extLst>
+              </a:tr>
+            </a:tbl>
+          </a:graphicData>
+        </a:graphic>
+      </p:graphicFrame>
+    </p:spTree>
+    <p:extLst>
+      <p:ext uri="{BB962C8B-B14F-4D97-AF65-F5344CB8AC3E}">
+        <p14:creationId xmlns:p14="http://schemas.microsoft.com/office/powerpoint/2010/main" val="3283998506"/>
+      </p:ext>
+    </p:extLst>
+  </p:cSld>
+  <p:clrMapOvr>
+    <a:masterClrMapping/>
+  </p:clrMapOvr>
+</p:sld>
+</file>
+
+<file path=ppt/slides/slide4.xml><?xml version="1.0" encoding="utf-8"?>
+<p:sld xmlns:a="http://schemas.openxmlformats.org/drawingml/2006/main" xmlns:r="http://schemas.openxmlformats.org/officeDocument/2006/relationships" xmlns:p="http://schemas.openxmlformats.org/presentationml/2006/main">
+  <p:cSld>
+    <p:spTree>
+      <p:nvGrpSpPr>
+        <p:cNvPr id="1" name=""/>
+        <p:cNvGrpSpPr/>
+        <p:nvPr/>
+      </p:nvGrpSpPr>
+      <p:grpSpPr>
+        <a:xfrm>
+          <a:off x="0" y="0"/>
+          <a:ext cx="0" cy="0"/>
+          <a:chOff x="0" y="0"/>
+          <a:chExt cx="0" cy="0"/>
+        </a:xfrm>
+      </p:grpSpPr>
+      <p:graphicFrame>
+        <p:nvGraphicFramePr>
+          <p:cNvPr id="5" name="Diagram 4">
+            <a:extLst>
+              <a:ext uri="{FF2B5EF4-FFF2-40B4-BE49-F238E27FC236}">
+                <a16:creationId xmlns:a16="http://schemas.microsoft.com/office/drawing/2014/main" id="{9E369BEC-59AA-4582-92B9-5CF2F9BFAFA1}"/>
+              </a:ext>
+            </a:extLst>
+          </p:cNvPr>
+          <p:cNvGraphicFramePr/>
+          <p:nvPr>
+            <p:extLst>
+              <p:ext uri="{D42A27DB-BD31-4B8C-83A1-F6EECF244321}">
+                <p14:modId xmlns:p14="http://schemas.microsoft.com/office/powerpoint/2010/main" val="2641184598"/>
+              </p:ext>
+            </p:extLst>
+          </p:nvPr>
+        </p:nvGraphicFramePr>
+        <p:xfrm>
+          <a:off x="81280" y="-537985"/>
+          <a:ext cx="12015893" cy="7785452"/>
+        </p:xfrm>
+        <a:graphic>
+          <a:graphicData uri="http://schemas.openxmlformats.org/drawingml/2006/diagram">
+            <dgm:relIds xmlns:dgm="http://schemas.openxmlformats.org/drawingml/2006/diagram" xmlns:r="http://schemas.openxmlformats.org/officeDocument/2006/relationships" r:dm="rId3" r:lo="rId4" r:qs="rId5" r:cs="rId6"/>
+          </a:graphicData>
+        </a:graphic>
+      </p:graphicFrame>
+      <p:sp>
+        <p:nvSpPr>
+          <p:cNvPr id="2" name="Title 1">
+            <a:extLst>
+              <a:ext uri="{FF2B5EF4-FFF2-40B4-BE49-F238E27FC236}">
+                <a16:creationId xmlns:a16="http://schemas.microsoft.com/office/drawing/2014/main" id="{8FD8EA44-8851-43CE-A947-4D15E970AE54}"/>
+              </a:ext>
+            </a:extLst>
+          </p:cNvPr>
+          <p:cNvSpPr>
+            <a:spLocks noGrp="1"/>
+          </p:cNvSpPr>
+          <p:nvPr>
+            <p:ph type="title"/>
+          </p:nvPr>
+        </p:nvSpPr>
+        <p:spPr/>
+        <p:txBody>
+          <a:bodyPr/>
+          <a:lstStyle/>
+          <a:p>
+            <a:r>
+              <a:rPr lang="de-AT" dirty="0"/>
+              <a:t>Historie</a:t>
+            </a:r>
+            <a:endParaRPr lang="en-US" dirty="0"/>
+          </a:p>
+        </p:txBody>
+      </p:sp>
+    </p:spTree>
+    <p:extLst>
+      <p:ext uri="{BB962C8B-B14F-4D97-AF65-F5344CB8AC3E}">
+        <p14:creationId xmlns:p14="http://schemas.microsoft.com/office/powerpoint/2010/main" val="2658804329"/>
+      </p:ext>
+    </p:extLst>
+  </p:cSld>
+  <p:clrMapOvr>
+    <a:masterClrMapping/>
+  </p:clrMapOvr>
+</p:sld>
+</file>
+
+<file path=ppt/slides/slide40.xml><?xml version="1.0" encoding="utf-8"?>
+<p:sld xmlns:a="http://schemas.openxmlformats.org/drawingml/2006/main" xmlns:r="http://schemas.openxmlformats.org/officeDocument/2006/relationships" xmlns:p="http://schemas.openxmlformats.org/presentationml/2006/main">
+  <p:cSld>
+    <p:spTree>
+      <p:nvGrpSpPr>
+        <p:cNvPr id="1" name=""/>
+        <p:cNvGrpSpPr/>
+        <p:nvPr/>
+      </p:nvGrpSpPr>
+      <p:grpSpPr>
+        <a:xfrm>
+          <a:off x="0" y="0"/>
+          <a:ext cx="0" cy="0"/>
+          <a:chOff x="0" y="0"/>
+          <a:chExt cx="0" cy="0"/>
+        </a:xfrm>
+      </p:grpSpPr>
+      <p:sp>
+        <p:nvSpPr>
+          <p:cNvPr id="39" name="Callout: Right Arrow 38">
+            <a:extLst>
+              <a:ext uri="{FF2B5EF4-FFF2-40B4-BE49-F238E27FC236}">
+                <a16:creationId xmlns:a16="http://schemas.microsoft.com/office/drawing/2014/main" id="{01AFDE4B-4075-496E-ADB8-7CDFC7C5F0EF}"/>
+              </a:ext>
+            </a:extLst>
+          </p:cNvPr>
+          <p:cNvSpPr/>
+          <p:nvPr/>
+        </p:nvSpPr>
+        <p:spPr>
+          <a:xfrm>
+            <a:off x="4314739" y="2534881"/>
+            <a:ext cx="2503891" cy="666292"/>
+          </a:xfrm>
+          <a:prstGeom prst="rightArrowCallout">
+            <a:avLst/>
+          </a:prstGeom>
+          <a:solidFill>
+            <a:schemeClr val="accent6"/>
+          </a:solidFill>
+          <a:ln>
+            <a:noFill/>
+          </a:ln>
+        </p:spPr>
+        <p:style>
+          <a:lnRef idx="2">
+            <a:schemeClr val="accent1">
+              <a:shade val="50000"/>
+            </a:schemeClr>
+          </a:lnRef>
+          <a:fillRef idx="1">
+            <a:schemeClr val="accent1"/>
+          </a:fillRef>
+          <a:effectRef idx="0">
+            <a:schemeClr val="accent1"/>
+          </a:effectRef>
+          <a:fontRef idx="minor">
+            <a:schemeClr val="lt1"/>
+          </a:fontRef>
+        </p:style>
+        <p:txBody>
+          <a:bodyPr rtlCol="0" anchor="ctr"/>
+          <a:lstStyle/>
+          <a:p>
+            <a:pPr algn="ctr"/>
+            <a:endParaRPr lang="en-US" sz="1400" dirty="0"/>
+          </a:p>
+        </p:txBody>
+      </p:sp>
       <p:sp>
         <p:nvSpPr>
           <p:cNvPr id="2" name="Title 1">
@@ -32459,10 +34784,10 @@
         </p:nvGrpSpPr>
         <p:grpSpPr>
           <a:xfrm>
-            <a:off x="4917988" y="2743852"/>
-            <a:ext cx="2830521" cy="1379818"/>
-            <a:chOff x="4917988" y="2743852"/>
-            <a:chExt cx="2830521" cy="1379818"/>
+            <a:off x="4313685" y="3644756"/>
+            <a:ext cx="2476935" cy="1116157"/>
+            <a:chOff x="4917988" y="2739593"/>
+            <a:chExt cx="3358601" cy="1513454"/>
           </a:xfrm>
         </p:grpSpPr>
         <p:grpSp>
@@ -32479,10 +34804,10 @@
           </p:nvGrpSpPr>
           <p:grpSpPr>
             <a:xfrm>
-              <a:off x="4917988" y="2743852"/>
-              <a:ext cx="2830521" cy="1379818"/>
-              <a:chOff x="3352800" y="2979420"/>
-              <a:chExt cx="4488180" cy="2187893"/>
+              <a:off x="4917988" y="2739593"/>
+              <a:ext cx="3358601" cy="1513454"/>
+              <a:chOff x="3352800" y="2972668"/>
+              <a:chExt cx="5325524" cy="2399792"/>
             </a:xfrm>
           </p:grpSpPr>
           <p:sp>
@@ -32499,8 +34824,8 @@
             </p:nvSpPr>
             <p:spPr>
               <a:xfrm>
-                <a:off x="3352800" y="2979420"/>
-                <a:ext cx="4488180" cy="1432560"/>
+                <a:off x="3514673" y="2972668"/>
+                <a:ext cx="5163651" cy="1432560"/>
               </a:xfrm>
               <a:prstGeom prst="rightArrowCallout">
                 <a:avLst/>
@@ -32533,7 +34858,7 @@
               <a:lstStyle/>
               <a:p>
                 <a:pPr algn="ctr"/>
-                <a:endParaRPr lang="en-US" dirty="0"/>
+                <a:endParaRPr lang="en-US" sz="1400" dirty="0"/>
               </a:p>
             </p:txBody>
           </p:sp>
@@ -32551,8 +34876,8 @@
             </p:nvSpPr>
             <p:spPr>
               <a:xfrm>
-                <a:off x="3352800" y="2979420"/>
-                <a:ext cx="2918459" cy="2187893"/>
+                <a:off x="3352800" y="2979421"/>
+                <a:ext cx="3495059" cy="2393039"/>
               </a:xfrm>
               <a:prstGeom prst="downArrowCallout">
                 <a:avLst>
@@ -32583,10 +34908,10 @@
               <a:p>
                 <a:pPr algn="ctr"/>
                 <a:r>
-                  <a:rPr lang="de-AT" sz="1600" dirty="0"/>
+                  <a:rPr lang="de-AT" sz="1200" dirty="0"/>
                   <a:t>Die Applikation darf Benutzerdaten bearbeiten</a:t>
                 </a:r>
-                <a:endParaRPr lang="en-US" sz="1600" dirty="0"/>
+                <a:endParaRPr lang="en-US" sz="1200" dirty="0"/>
               </a:p>
             </p:txBody>
           </p:sp>
@@ -32605,8 +34930,8 @@
           </p:nvSpPr>
           <p:spPr>
             <a:xfrm>
-              <a:off x="6981568" y="3010915"/>
-              <a:ext cx="369012" cy="369332"/>
+              <a:off x="7370451" y="2966934"/>
+              <a:ext cx="328936" cy="307776"/>
             </a:xfrm>
             <a:prstGeom prst="rect">
               <a:avLst/>
@@ -32620,14 +34945,14 @@
             <a:lstStyle/>
             <a:p>
               <a:r>
-                <a:rPr lang="de-AT" dirty="0">
+                <a:rPr lang="de-AT" sz="1400" dirty="0">
                   <a:solidFill>
                     <a:schemeClr val="bg1"/>
                   </a:solidFill>
                 </a:rPr>
                 <a:t>Ja</a:t>
               </a:r>
-              <a:endParaRPr lang="en-US" dirty="0">
+              <a:endParaRPr lang="en-US" sz="1400" dirty="0">
                 <a:solidFill>
                   <a:schemeClr val="bg1"/>
                 </a:solidFill>
@@ -32650,10 +34975,10 @@
         </p:nvGrpSpPr>
         <p:grpSpPr>
           <a:xfrm>
-            <a:off x="4917988" y="4133191"/>
-            <a:ext cx="2830521" cy="1379818"/>
-            <a:chOff x="4917988" y="2743852"/>
-            <a:chExt cx="2830521" cy="1379818"/>
+            <a:off x="4313684" y="4775707"/>
+            <a:ext cx="2513472" cy="1085642"/>
+            <a:chOff x="4917987" y="2743852"/>
+            <a:chExt cx="3408144" cy="1472077"/>
           </a:xfrm>
         </p:grpSpPr>
         <p:grpSp>
@@ -32670,10 +34995,10 @@
           </p:nvGrpSpPr>
           <p:grpSpPr>
             <a:xfrm>
-              <a:off x="4917988" y="2743852"/>
-              <a:ext cx="2830521" cy="1379818"/>
-              <a:chOff x="3352800" y="2979420"/>
-              <a:chExt cx="4488180" cy="2187893"/>
+              <a:off x="4917987" y="2743852"/>
+              <a:ext cx="3408144" cy="1472077"/>
+              <a:chOff x="3352798" y="2979420"/>
+              <a:chExt cx="5404080" cy="2334182"/>
             </a:xfrm>
           </p:grpSpPr>
           <p:sp>
@@ -32690,8 +35015,8 @@
             </p:nvSpPr>
             <p:spPr>
               <a:xfrm>
-                <a:off x="3352800" y="2979420"/>
-                <a:ext cx="4488180" cy="1432560"/>
+                <a:off x="3436117" y="2985410"/>
+                <a:ext cx="5320761" cy="1432559"/>
               </a:xfrm>
               <a:prstGeom prst="rightArrowCallout">
                 <a:avLst/>
@@ -32724,7 +35049,7 @@
               <a:lstStyle/>
               <a:p>
                 <a:pPr algn="ctr"/>
-                <a:endParaRPr lang="en-US" dirty="0"/>
+                <a:endParaRPr lang="en-US" sz="1400" dirty="0"/>
               </a:p>
             </p:txBody>
           </p:sp>
@@ -32742,8 +35067,8 @@
             </p:nvSpPr>
             <p:spPr>
               <a:xfrm>
-                <a:off x="3352800" y="2979420"/>
-                <a:ext cx="2918459" cy="2187893"/>
+                <a:off x="3352798" y="2979420"/>
+                <a:ext cx="3616345" cy="2334182"/>
               </a:xfrm>
               <a:prstGeom prst="downArrowCallout">
                 <a:avLst>
@@ -32774,10 +35099,10 @@
               <a:p>
                 <a:pPr algn="ctr"/>
                 <a:r>
-                  <a:rPr lang="de-AT" sz="1600" dirty="0"/>
+                  <a:rPr lang="de-AT" sz="1200" dirty="0"/>
                   <a:t>Ist es eine Web Anwendung die am Server läuft?</a:t>
                 </a:r>
-                <a:endParaRPr lang="en-US" sz="1600" dirty="0"/>
+                <a:endParaRPr lang="en-US" sz="1200" dirty="0"/>
               </a:p>
             </p:txBody>
           </p:sp>
@@ -32796,8 +35121,8 @@
           </p:nvSpPr>
           <p:spPr>
             <a:xfrm>
-              <a:off x="6981568" y="3010915"/>
-              <a:ext cx="369012" cy="369332"/>
+              <a:off x="7407055" y="2975269"/>
+              <a:ext cx="328936" cy="307778"/>
             </a:xfrm>
             <a:prstGeom prst="rect">
               <a:avLst/>
@@ -32811,14 +35136,14 @@
             <a:lstStyle/>
             <a:p>
               <a:r>
-                <a:rPr lang="de-AT" dirty="0">
+                <a:rPr lang="de-AT" sz="1400" dirty="0">
                   <a:solidFill>
                     <a:schemeClr val="bg1"/>
                   </a:solidFill>
                 </a:rPr>
                 <a:t>Ja</a:t>
               </a:r>
-              <a:endParaRPr lang="en-US" dirty="0">
+              <a:endParaRPr lang="en-US" sz="1400" dirty="0">
                 <a:solidFill>
                   <a:schemeClr val="bg1"/>
                 </a:solidFill>
@@ -32841,10 +35166,10 @@
         </p:nvGrpSpPr>
         <p:grpSpPr>
           <a:xfrm>
-            <a:off x="3928026" y="5522530"/>
-            <a:ext cx="3820483" cy="916295"/>
-            <a:chOff x="2512764" y="5487336"/>
-            <a:chExt cx="3820483" cy="916295"/>
+            <a:off x="3554183" y="5879783"/>
+            <a:ext cx="3235721" cy="767364"/>
+            <a:chOff x="2512764" y="5490651"/>
+            <a:chExt cx="4387478" cy="1040508"/>
           </a:xfrm>
         </p:grpSpPr>
         <p:sp>
@@ -32861,7 +35186,7 @@
           </p:nvSpPr>
           <p:spPr>
             <a:xfrm rot="10800000">
-              <a:off x="2512764" y="5500172"/>
+              <a:off x="2512764" y="5547529"/>
               <a:ext cx="2830521" cy="903459"/>
             </a:xfrm>
             <a:prstGeom prst="rightArrowCallout">
@@ -32895,7 +35220,7 @@
             <a:lstStyle/>
             <a:p>
               <a:pPr algn="ctr"/>
-              <a:endParaRPr lang="en-US" dirty="0"/>
+              <a:endParaRPr lang="en-US" sz="1400" dirty="0"/>
             </a:p>
           </p:txBody>
         </p:sp>
@@ -32913,8 +35238,8 @@
           </p:nvSpPr>
           <p:spPr>
             <a:xfrm>
-              <a:off x="3502726" y="5487336"/>
-              <a:ext cx="2830521" cy="903459"/>
+              <a:off x="3644699" y="5559723"/>
+              <a:ext cx="3255543" cy="903459"/>
             </a:xfrm>
             <a:prstGeom prst="rightArrowCallout">
               <a:avLst/>
@@ -32947,7 +35272,7 @@
             <a:lstStyle/>
             <a:p>
               <a:pPr algn="ctr"/>
-              <a:endParaRPr lang="en-US" dirty="0"/>
+              <a:endParaRPr lang="en-US" sz="1400" dirty="0"/>
             </a:p>
           </p:txBody>
         </p:sp>
@@ -32965,8 +35290,8 @@
           </p:nvSpPr>
           <p:spPr>
             <a:xfrm>
-              <a:off x="3502726" y="5490651"/>
-              <a:ext cx="1840559" cy="900144"/>
+              <a:off x="3502725" y="5490651"/>
+              <a:ext cx="2320572" cy="1040508"/>
             </a:xfrm>
             <a:prstGeom prst="rect">
               <a:avLst/>
@@ -32996,10 +35321,10 @@
             <a:p>
               <a:pPr algn="ctr"/>
               <a:r>
-                <a:rPr lang="de-AT" dirty="0"/>
+                <a:rPr lang="de-AT" sz="1400" dirty="0"/>
                 <a:t>SPA oder Native Applikation</a:t>
               </a:r>
-              <a:endParaRPr lang="en-US" dirty="0"/>
+              <a:endParaRPr lang="en-US" sz="1400" dirty="0"/>
             </a:p>
           </p:txBody>
         </p:sp>
@@ -33018,8 +35343,8 @@
         </p:nvSpPr>
         <p:spPr>
           <a:xfrm>
-            <a:off x="6771350" y="5789593"/>
-            <a:ext cx="789447" cy="369332"/>
+            <a:off x="6013004" y="6100986"/>
+            <a:ext cx="703870" cy="307777"/>
           </a:xfrm>
           <a:prstGeom prst="rect">
             <a:avLst/>
@@ -33027,20 +35352,20 @@
           <a:noFill/>
         </p:spPr>
         <p:txBody>
-          <a:bodyPr wrap="none" rtlCol="0">
+          <a:bodyPr wrap="square" rtlCol="0">
             <a:spAutoFit/>
           </a:bodyPr>
           <a:lstStyle/>
           <a:p>
             <a:r>
-              <a:rPr lang="de-AT" dirty="0">
+              <a:rPr lang="de-AT" sz="1400" dirty="0">
                 <a:solidFill>
                   <a:schemeClr val="bg1"/>
                 </a:solidFill>
               </a:rPr>
               <a:t>Native</a:t>
             </a:r>
-            <a:endParaRPr lang="en-US" dirty="0">
+            <a:endParaRPr lang="en-US" sz="1400" dirty="0">
               <a:solidFill>
                 <a:schemeClr val="bg1"/>
               </a:solidFill>
@@ -33062,8 +35387,8 @@
         </p:nvSpPr>
         <p:spPr>
           <a:xfrm>
-            <a:off x="4248381" y="5802430"/>
-            <a:ext cx="525144" cy="369332"/>
+            <a:off x="3760996" y="6100987"/>
+            <a:ext cx="461721" cy="307777"/>
           </a:xfrm>
           <a:prstGeom prst="rect">
             <a:avLst/>
@@ -33071,20 +35396,20 @@
           <a:noFill/>
         </p:spPr>
         <p:txBody>
-          <a:bodyPr wrap="none" rtlCol="0">
+          <a:bodyPr wrap="square" rtlCol="0">
             <a:spAutoFit/>
           </a:bodyPr>
           <a:lstStyle/>
           <a:p>
             <a:r>
-              <a:rPr lang="de-AT" dirty="0">
+              <a:rPr lang="de-AT" sz="1400" dirty="0">
                 <a:solidFill>
                   <a:schemeClr val="bg1"/>
                 </a:solidFill>
               </a:rPr>
               <a:t>SPA</a:t>
             </a:r>
-            <a:endParaRPr lang="en-US" dirty="0">
+            <a:endParaRPr lang="en-US" sz="1400" dirty="0">
               <a:solidFill>
                 <a:schemeClr val="bg1"/>
               </a:solidFill>
@@ -33106,10 +35431,10 @@
         </p:nvGrpSpPr>
         <p:grpSpPr>
           <a:xfrm>
-            <a:off x="4917989" y="1333668"/>
-            <a:ext cx="4671078" cy="1400663"/>
-            <a:chOff x="4917989" y="1333668"/>
-            <a:chExt cx="4671078" cy="1400663"/>
+            <a:off x="4314739" y="1425489"/>
+            <a:ext cx="3973497" cy="1053407"/>
+            <a:chOff x="4917989" y="1354513"/>
+            <a:chExt cx="3973497" cy="1053407"/>
           </a:xfrm>
         </p:grpSpPr>
         <p:grpSp>
@@ -33127,9 +35452,9 @@
           <p:grpSpPr>
             <a:xfrm>
               <a:off x="4917989" y="1354513"/>
-              <a:ext cx="2830521" cy="1379818"/>
+              <a:ext cx="2503891" cy="1053407"/>
               <a:chOff x="4917989" y="1354513"/>
-              <a:chExt cx="2830521" cy="1379818"/>
+              <a:chExt cx="2503891" cy="1053407"/>
             </a:xfrm>
           </p:grpSpPr>
           <p:grpSp>
@@ -33147,9 +35472,9 @@
             <p:grpSpPr>
               <a:xfrm>
                 <a:off x="4917989" y="1354513"/>
-                <a:ext cx="2830521" cy="1379818"/>
+                <a:ext cx="2503891" cy="1053407"/>
                 <a:chOff x="3352800" y="2979420"/>
-                <a:chExt cx="4488180" cy="2187893"/>
+                <a:chExt cx="3970263" cy="1670323"/>
               </a:xfrm>
             </p:grpSpPr>
             <p:sp>
@@ -33167,7 +35492,7 @@
               <p:spPr>
                 <a:xfrm>
                   <a:off x="3352800" y="2979420"/>
-                  <a:ext cx="4488180" cy="1432560"/>
+                  <a:ext cx="3970263" cy="1065719"/>
                 </a:xfrm>
                 <a:prstGeom prst="rightArrowCallout">
                   <a:avLst/>
@@ -33200,7 +35525,7 @@
                 <a:lstStyle/>
                 <a:p>
                   <a:pPr algn="ctr"/>
-                  <a:endParaRPr lang="en-US" dirty="0"/>
+                  <a:endParaRPr lang="en-US" sz="1400" dirty="0"/>
                 </a:p>
               </p:txBody>
             </p:sp>
@@ -33219,7 +35544,7 @@
               <p:spPr>
                 <a:xfrm>
                   <a:off x="3352800" y="2979420"/>
-                  <a:ext cx="2918459" cy="2187893"/>
+                  <a:ext cx="2577573" cy="1670323"/>
                 </a:xfrm>
                 <a:prstGeom prst="downArrowCallout">
                   <a:avLst>
@@ -33250,30 +35575,30 @@
                 <a:p>
                   <a:pPr algn="ctr"/>
                   <a:r>
-                    <a:rPr lang="de-AT" sz="1600" dirty="0"/>
+                    <a:rPr lang="de-AT" sz="1200" dirty="0"/>
                     <a:t>Ist </a:t>
                   </a:r>
                   <a:r>
-                    <a:rPr lang="de-AT" sz="1600" i="1" dirty="0"/>
+                    <a:rPr lang="de-AT" sz="1200" i="1" dirty="0"/>
                     <a:t>Client </a:t>
                   </a:r>
                   <a:r>
-                    <a:rPr lang="de-AT" sz="1600" dirty="0"/>
+                    <a:rPr lang="de-AT" sz="1200" dirty="0"/>
                     <a:t>der </a:t>
                   </a:r>
                   <a:r>
-                    <a:rPr lang="de-AT" sz="1600" i="1" dirty="0" err="1"/>
+                    <a:rPr lang="de-AT" sz="1200" i="1" dirty="0" err="1"/>
                     <a:t>Resource</a:t>
                   </a:r>
                   <a:r>
-                    <a:rPr lang="de-AT" sz="1600" dirty="0"/>
+                    <a:rPr lang="de-AT" sz="1200" dirty="0"/>
                     <a:t> </a:t>
                   </a:r>
                   <a:r>
-                    <a:rPr lang="de-AT" sz="1600" i="1" dirty="0" err="1"/>
+                    <a:rPr lang="de-AT" sz="1200" i="1" dirty="0" err="1"/>
                     <a:t>Owner</a:t>
                   </a:r>
-                  <a:endParaRPr lang="en-US" sz="1600" dirty="0"/>
+                  <a:endParaRPr lang="en-US" sz="1200" dirty="0"/>
                 </a:p>
               </p:txBody>
             </p:sp>
@@ -33292,8 +35617,8 @@
             </p:nvSpPr>
             <p:spPr>
               <a:xfrm>
-                <a:off x="6981568" y="1604998"/>
-                <a:ext cx="369012" cy="369332"/>
+                <a:off x="6773028" y="1536677"/>
+                <a:ext cx="328936" cy="307777"/>
               </a:xfrm>
               <a:prstGeom prst="rect">
                 <a:avLst/>
@@ -33307,14 +35632,14 @@
               <a:lstStyle/>
               <a:p>
                 <a:r>
-                  <a:rPr lang="de-AT" dirty="0">
+                  <a:rPr lang="de-AT" sz="1400" dirty="0">
                     <a:solidFill>
                       <a:schemeClr val="bg1"/>
                     </a:solidFill>
                   </a:rPr>
                   <a:t>Ja</a:t>
                 </a:r>
-                <a:endParaRPr lang="en-US" dirty="0">
+                <a:endParaRPr lang="en-US" sz="1400" dirty="0">
                   <a:solidFill>
                     <a:schemeClr val="bg1"/>
                   </a:solidFill>
@@ -33337,8 +35662,8 @@
           </p:nvSpPr>
           <p:spPr>
             <a:xfrm>
-              <a:off x="7748508" y="1333668"/>
-              <a:ext cx="1840559" cy="900144"/>
+              <a:off x="7421880" y="1362183"/>
+              <a:ext cx="1469606" cy="718726"/>
             </a:xfrm>
             <a:prstGeom prst="rect">
               <a:avLst/>
@@ -33370,14 +35695,14 @@
             <a:p>
               <a:pPr algn="ctr"/>
               <a:r>
-                <a:rPr lang="de-AT" i="1" dirty="0"/>
+                <a:rPr lang="de-AT" sz="1400" i="1" dirty="0"/>
                 <a:t>Client </a:t>
               </a:r>
               <a:r>
-                <a:rPr lang="de-AT" i="1" dirty="0" err="1"/>
+                <a:rPr lang="de-AT" sz="1400" i="1" dirty="0" err="1"/>
                 <a:t>Credentials</a:t>
               </a:r>
-              <a:endParaRPr lang="en-US" i="1" dirty="0"/>
+              <a:endParaRPr lang="en-US" sz="1400" i="1" dirty="0"/>
             </a:p>
           </p:txBody>
         </p:sp>
@@ -33396,8 +35721,8 @@
         </p:nvSpPr>
         <p:spPr>
           <a:xfrm>
-            <a:off x="7748506" y="5549495"/>
-            <a:ext cx="1840559" cy="900144"/>
+            <a:off x="6789904" y="5911533"/>
+            <a:ext cx="1506857" cy="666292"/>
           </a:xfrm>
           <a:prstGeom prst="rect">
             <a:avLst/>
@@ -33429,14 +35754,14 @@
           <a:p>
             <a:pPr algn="ctr"/>
             <a:r>
-              <a:rPr lang="de-AT" i="1" dirty="0" err="1"/>
+              <a:rPr lang="de-AT" sz="1400" i="1" dirty="0" err="1"/>
               <a:t>Authorization</a:t>
             </a:r>
             <a:r>
-              <a:rPr lang="de-AT" i="1" dirty="0"/>
+              <a:rPr lang="de-AT" sz="1400" i="1" dirty="0"/>
               <a:t> Code (PKCE)</a:t>
             </a:r>
-            <a:endParaRPr lang="en-US" i="1" dirty="0"/>
+            <a:endParaRPr lang="en-US" sz="1400" i="1" dirty="0"/>
           </a:p>
         </p:txBody>
       </p:sp>
@@ -33454,8 +35779,8 @@
         </p:nvSpPr>
         <p:spPr>
           <a:xfrm>
-            <a:off x="7748507" y="4163471"/>
-            <a:ext cx="1840559" cy="900144"/>
+            <a:off x="6827156" y="4779715"/>
+            <a:ext cx="1469606" cy="718726"/>
           </a:xfrm>
           <a:prstGeom prst="rect">
             <a:avLst/>
@@ -33487,14 +35812,14 @@
           <a:p>
             <a:pPr algn="ctr"/>
             <a:r>
-              <a:rPr lang="de-AT" i="1" dirty="0" err="1"/>
+              <a:rPr lang="de-AT" sz="1400" i="1" dirty="0" err="1"/>
               <a:t>Authorization</a:t>
             </a:r>
             <a:r>
-              <a:rPr lang="de-AT" i="1" dirty="0"/>
+              <a:rPr lang="de-AT" sz="1400" i="1" dirty="0"/>
               <a:t> Code</a:t>
             </a:r>
-            <a:endParaRPr lang="en-US" i="1" dirty="0"/>
+            <a:endParaRPr lang="en-US" sz="1400" i="1" dirty="0"/>
           </a:p>
         </p:txBody>
       </p:sp>
@@ -33512,8 +35837,8 @@
         </p:nvSpPr>
         <p:spPr>
           <a:xfrm>
-            <a:off x="7748508" y="2747167"/>
-            <a:ext cx="1840559" cy="900144"/>
+            <a:off x="6790620" y="3647897"/>
+            <a:ext cx="1469606" cy="718726"/>
           </a:xfrm>
           <a:prstGeom prst="rect">
             <a:avLst/>
@@ -33545,22 +35870,22 @@
           <a:p>
             <a:pPr algn="ctr"/>
             <a:r>
-              <a:rPr lang="de-AT" i="1" dirty="0" err="1"/>
+              <a:rPr lang="de-AT" sz="1400" i="1" dirty="0" err="1"/>
               <a:t>Resource</a:t>
             </a:r>
             <a:r>
-              <a:rPr lang="de-AT" i="1" dirty="0"/>
+              <a:rPr lang="de-AT" sz="1400" i="1" dirty="0"/>
               <a:t> </a:t>
             </a:r>
             <a:r>
-              <a:rPr lang="de-AT" i="1" dirty="0" err="1"/>
+              <a:rPr lang="de-AT" sz="1400" i="1" dirty="0" err="1"/>
               <a:t>Owner</a:t>
             </a:r>
             <a:r>
-              <a:rPr lang="de-AT" i="1" dirty="0"/>
+              <a:rPr lang="de-AT" sz="1400" i="1" dirty="0"/>
               <a:t> Password</a:t>
             </a:r>
-            <a:endParaRPr lang="en-US" i="1" dirty="0"/>
+            <a:endParaRPr lang="en-US" sz="1400" i="1" dirty="0"/>
           </a:p>
         </p:txBody>
       </p:sp>
@@ -33578,8 +35903,8 @@
         </p:nvSpPr>
         <p:spPr>
           <a:xfrm>
-            <a:off x="2087469" y="5549495"/>
-            <a:ext cx="1840559" cy="900144"/>
+            <a:off x="2216651" y="5911711"/>
+            <a:ext cx="1357394" cy="663847"/>
           </a:xfrm>
           <a:prstGeom prst="rect">
             <a:avLst/>
@@ -33611,10 +35936,10 @@
           <a:p>
             <a:pPr algn="ctr"/>
             <a:r>
-              <a:rPr lang="de-AT" dirty="0" err="1"/>
+              <a:rPr lang="de-AT" sz="1400" dirty="0" err="1"/>
               <a:t>Implicit</a:t>
             </a:r>
-            <a:endParaRPr lang="en-US" dirty="0"/>
+            <a:endParaRPr lang="en-US" sz="1400" dirty="0"/>
           </a:p>
         </p:txBody>
       </p:sp>
@@ -33646,14 +35971,185 @@
         </p:blipFill>
         <p:spPr>
           <a:xfrm>
-            <a:off x="1760409" y="5309658"/>
-            <a:ext cx="2494678" cy="1379818"/>
+            <a:off x="2028659" y="5840398"/>
+            <a:ext cx="1839800" cy="1017602"/>
           </a:xfrm>
           <a:prstGeom prst="rect">
             <a:avLst/>
           </a:prstGeom>
         </p:spPr>
       </p:pic>
+      <p:sp>
+        <p:nvSpPr>
+          <p:cNvPr id="38" name="Callout: Down Arrow 37">
+            <a:extLst>
+              <a:ext uri="{FF2B5EF4-FFF2-40B4-BE49-F238E27FC236}">
+                <a16:creationId xmlns:a16="http://schemas.microsoft.com/office/drawing/2014/main" id="{40E5A80C-05A2-4302-A970-562EEFF48348}"/>
+              </a:ext>
+            </a:extLst>
+          </p:cNvPr>
+          <p:cNvSpPr/>
+          <p:nvPr/>
+        </p:nvSpPr>
+        <p:spPr>
+          <a:xfrm>
+            <a:off x="4314739" y="2502656"/>
+            <a:ext cx="1625575" cy="1142100"/>
+          </a:xfrm>
+          <a:prstGeom prst="downArrowCallout">
+            <a:avLst>
+              <a:gd name="adj1" fmla="val 17836"/>
+              <a:gd name="adj2" fmla="val 17388"/>
+              <a:gd name="adj3" fmla="val 13806"/>
+              <a:gd name="adj4" fmla="val 64977"/>
+            </a:avLst>
+          </a:prstGeom>
+        </p:spPr>
+        <p:style>
+          <a:lnRef idx="2">
+            <a:schemeClr val="dk1"/>
+          </a:lnRef>
+          <a:fillRef idx="1">
+            <a:schemeClr val="lt1"/>
+          </a:fillRef>
+          <a:effectRef idx="0">
+            <a:schemeClr val="dk1"/>
+          </a:effectRef>
+          <a:fontRef idx="minor">
+            <a:schemeClr val="dk1"/>
+          </a:fontRef>
+        </p:style>
+        <p:txBody>
+          <a:bodyPr rtlCol="0" anchor="ctr"/>
+          <a:lstStyle/>
+          <a:p>
+            <a:pPr algn="ctr"/>
+            <a:r>
+              <a:rPr lang="de-AT" sz="1200" dirty="0"/>
+              <a:t>Ist der </a:t>
+            </a:r>
+            <a:r>
+              <a:rPr lang="de-AT" sz="1200" i="1" dirty="0"/>
+              <a:t>Client</a:t>
+            </a:r>
+            <a:r>
+              <a:rPr lang="sk-SK" sz="1200" i="1" dirty="0"/>
+              <a:t> </a:t>
+            </a:r>
+            <a:r>
+              <a:rPr lang="sk-SK" sz="1200" dirty="0" err="1"/>
+              <a:t>browserless</a:t>
+            </a:r>
+            <a:r>
+              <a:rPr lang="sk-SK" sz="1200" dirty="0"/>
+              <a:t> </a:t>
+            </a:r>
+            <a:r>
+              <a:rPr lang="de-AT" sz="1200" dirty="0"/>
+              <a:t>oder mit eingeschränkten Eingabemöglichkeiten</a:t>
+            </a:r>
+            <a:endParaRPr lang="en-US" sz="1200" dirty="0"/>
+          </a:p>
+        </p:txBody>
+      </p:sp>
+      <p:sp>
+        <p:nvSpPr>
+          <p:cNvPr id="40" name="TextBox 39">
+            <a:extLst>
+              <a:ext uri="{FF2B5EF4-FFF2-40B4-BE49-F238E27FC236}">
+                <a16:creationId xmlns:a16="http://schemas.microsoft.com/office/drawing/2014/main" id="{98822774-6A51-4192-BDAD-127B8B96DC07}"/>
+              </a:ext>
+            </a:extLst>
+          </p:cNvPr>
+          <p:cNvSpPr txBox="1"/>
+          <p:nvPr/>
+        </p:nvSpPr>
+        <p:spPr>
+          <a:xfrm>
+            <a:off x="6129164" y="2704985"/>
+            <a:ext cx="242587" cy="226982"/>
+          </a:xfrm>
+          <a:prstGeom prst="rect">
+            <a:avLst/>
+          </a:prstGeom>
+          <a:noFill/>
+        </p:spPr>
+        <p:txBody>
+          <a:bodyPr wrap="none" rtlCol="0">
+            <a:spAutoFit/>
+          </a:bodyPr>
+          <a:lstStyle/>
+          <a:p>
+            <a:r>
+              <a:rPr lang="de-AT" sz="1400" dirty="0">
+                <a:solidFill>
+                  <a:schemeClr val="bg1"/>
+                </a:solidFill>
+              </a:rPr>
+              <a:t>Ja</a:t>
+            </a:r>
+            <a:endParaRPr lang="en-US" sz="1400" dirty="0">
+              <a:solidFill>
+                <a:schemeClr val="bg1"/>
+              </a:solidFill>
+            </a:endParaRPr>
+          </a:p>
+        </p:txBody>
+      </p:sp>
+      <p:sp>
+        <p:nvSpPr>
+          <p:cNvPr id="41" name="Rectangle 40">
+            <a:extLst>
+              <a:ext uri="{FF2B5EF4-FFF2-40B4-BE49-F238E27FC236}">
+                <a16:creationId xmlns:a16="http://schemas.microsoft.com/office/drawing/2014/main" id="{9FD21026-BF8A-45C0-BD2A-C98990640813}"/>
+              </a:ext>
+            </a:extLst>
+          </p:cNvPr>
+          <p:cNvSpPr/>
+          <p:nvPr/>
+        </p:nvSpPr>
+        <p:spPr>
+          <a:xfrm>
+            <a:off x="6790621" y="2532623"/>
+            <a:ext cx="1469606" cy="718726"/>
+          </a:xfrm>
+          <a:prstGeom prst="rect">
+            <a:avLst/>
+          </a:prstGeom>
+          <a:solidFill>
+            <a:schemeClr val="accent6"/>
+          </a:solidFill>
+          <a:ln>
+            <a:noFill/>
+          </a:ln>
+        </p:spPr>
+        <p:style>
+          <a:lnRef idx="0">
+            <a:scrgbClr r="0" g="0" b="0"/>
+          </a:lnRef>
+          <a:fillRef idx="0">
+            <a:scrgbClr r="0" g="0" b="0"/>
+          </a:fillRef>
+          <a:effectRef idx="0">
+            <a:scrgbClr r="0" g="0" b="0"/>
+          </a:effectRef>
+          <a:fontRef idx="minor">
+            <a:schemeClr val="lt1"/>
+          </a:fontRef>
+        </p:style>
+        <p:txBody>
+          <a:bodyPr rtlCol="0" anchor="ctr"/>
+          <a:lstStyle/>
+          <a:p>
+            <a:pPr algn="ctr"/>
+            <a:r>
+              <a:rPr lang="de-AT" sz="1400" i="1" dirty="0"/>
+              <a:t>Device Flow</a:t>
+            </a:r>
+            <a:endParaRPr lang="en-US" sz="1400" i="1" dirty="0"/>
+          </a:p>
+        </p:txBody>
+      </p:sp>
     </p:spTree>
     <p:extLst>
       <p:ext uri="{BB962C8B-B14F-4D97-AF65-F5344CB8AC3E}">
@@ -33742,7 +36238,7 @@
 </p:sld>
 </file>
 
-<file path=ppt/slides/slide39.xml><?xml version="1.0" encoding="utf-8"?>
+<file path=ppt/slides/slide41.xml><?xml version="1.0" encoding="utf-8"?>
 <p:sld xmlns:a="http://schemas.openxmlformats.org/drawingml/2006/main" xmlns:r="http://schemas.openxmlformats.org/officeDocument/2006/relationships" xmlns:p="http://schemas.openxmlformats.org/presentationml/2006/main">
   <p:cSld>
     <p:spTree>
@@ -33761,426 +36257,10 @@
       </p:grpSpPr>
       <p:sp>
         <p:nvSpPr>
-          <p:cNvPr id="2" name="Title 1">
+          <p:cNvPr id="48" name="Callout: Right Arrow 47">
             <a:extLst>
               <a:ext uri="{FF2B5EF4-FFF2-40B4-BE49-F238E27FC236}">
-                <a16:creationId xmlns:a16="http://schemas.microsoft.com/office/drawing/2014/main" id="{BDFB37E6-367D-4BA3-9172-8750FA46A8FA}"/>
-              </a:ext>
-            </a:extLst>
-          </p:cNvPr>
-          <p:cNvSpPr>
-            <a:spLocks noGrp="1"/>
-          </p:cNvSpPr>
-          <p:nvPr>
-            <p:ph type="title"/>
-          </p:nvPr>
-        </p:nvSpPr>
-        <p:spPr>
-          <a:xfrm>
-            <a:off x="569259" y="-17953"/>
-            <a:ext cx="10357022" cy="1325563"/>
-          </a:xfrm>
-        </p:spPr>
-        <p:txBody>
-          <a:bodyPr/>
-          <a:lstStyle/>
-          <a:p>
-            <a:r>
-              <a:rPr lang="de-AT" dirty="0"/>
-              <a:t>Welche Flow soll man wann verwenden? </a:t>
-            </a:r>
-            <a:endParaRPr lang="en-US" dirty="0"/>
-          </a:p>
-        </p:txBody>
-      </p:sp>
-      <p:grpSp>
-        <p:nvGrpSpPr>
-          <p:cNvPr id="32" name="Group 31">
-            <a:extLst>
-              <a:ext uri="{FF2B5EF4-FFF2-40B4-BE49-F238E27FC236}">
-                <a16:creationId xmlns:a16="http://schemas.microsoft.com/office/drawing/2014/main" id="{D15F6E7B-ECF4-4158-94D8-31BF510F0B12}"/>
-              </a:ext>
-            </a:extLst>
-          </p:cNvPr>
-          <p:cNvGrpSpPr/>
-          <p:nvPr/>
-        </p:nvGrpSpPr>
-        <p:grpSpPr>
-          <a:xfrm>
-            <a:off x="4917988" y="2455985"/>
-            <a:ext cx="2830521" cy="1379818"/>
-            <a:chOff x="4917988" y="2743852"/>
-            <a:chExt cx="2830521" cy="1379818"/>
-          </a:xfrm>
-        </p:grpSpPr>
-        <p:grpSp>
-          <p:nvGrpSpPr>
-            <p:cNvPr id="27" name="Group 26">
-              <a:extLst>
-                <a:ext uri="{FF2B5EF4-FFF2-40B4-BE49-F238E27FC236}">
-                  <a16:creationId xmlns:a16="http://schemas.microsoft.com/office/drawing/2014/main" id="{F540527D-4CCA-4136-ABA4-2CCC73FBD4BA}"/>
-                </a:ext>
-              </a:extLst>
-            </p:cNvPr>
-            <p:cNvGrpSpPr/>
-            <p:nvPr/>
-          </p:nvGrpSpPr>
-          <p:grpSpPr>
-            <a:xfrm>
-              <a:off x="4917988" y="2743852"/>
-              <a:ext cx="2830521" cy="1379818"/>
-              <a:chOff x="3352800" y="2979420"/>
-              <a:chExt cx="4488180" cy="2187893"/>
-            </a:xfrm>
-          </p:grpSpPr>
-          <p:sp>
-            <p:nvSpPr>
-              <p:cNvPr id="28" name="Callout: Right Arrow 27">
-                <a:extLst>
-                  <a:ext uri="{FF2B5EF4-FFF2-40B4-BE49-F238E27FC236}">
-                    <a16:creationId xmlns:a16="http://schemas.microsoft.com/office/drawing/2014/main" id="{A6569297-4919-439F-8CFF-EDBA90055437}"/>
-                  </a:ext>
-                </a:extLst>
-              </p:cNvPr>
-              <p:cNvSpPr/>
-              <p:nvPr/>
-            </p:nvSpPr>
-            <p:spPr>
-              <a:xfrm>
-                <a:off x="3352800" y="2979420"/>
-                <a:ext cx="4488180" cy="1432560"/>
-              </a:xfrm>
-              <a:prstGeom prst="rightArrowCallout">
-                <a:avLst/>
-              </a:prstGeom>
-              <a:solidFill>
-                <a:schemeClr val="accent6"/>
-              </a:solidFill>
-              <a:ln>
-                <a:noFill/>
-              </a:ln>
-            </p:spPr>
-            <p:style>
-              <a:lnRef idx="2">
-                <a:schemeClr val="accent1">
-                  <a:shade val="50000"/>
-                </a:schemeClr>
-              </a:lnRef>
-              <a:fillRef idx="1">
-                <a:schemeClr val="accent1"/>
-              </a:fillRef>
-              <a:effectRef idx="0">
-                <a:schemeClr val="accent1"/>
-              </a:effectRef>
-              <a:fontRef idx="minor">
-                <a:schemeClr val="lt1"/>
-              </a:fontRef>
-            </p:style>
-            <p:txBody>
-              <a:bodyPr rtlCol="0" anchor="ctr"/>
-              <a:lstStyle/>
-              <a:p>
-                <a:pPr algn="ctr"/>
-                <a:endParaRPr lang="en-US" dirty="0"/>
-              </a:p>
-            </p:txBody>
-          </p:sp>
-          <p:sp>
-            <p:nvSpPr>
-              <p:cNvPr id="29" name="Callout: Down Arrow 28">
-                <a:extLst>
-                  <a:ext uri="{FF2B5EF4-FFF2-40B4-BE49-F238E27FC236}">
-                    <a16:creationId xmlns:a16="http://schemas.microsoft.com/office/drawing/2014/main" id="{675A00F7-2123-492B-A644-4A30E49310D9}"/>
-                  </a:ext>
-                </a:extLst>
-              </p:cNvPr>
-              <p:cNvSpPr/>
-              <p:nvPr/>
-            </p:nvSpPr>
-            <p:spPr>
-              <a:xfrm>
-                <a:off x="3352800" y="2979420"/>
-                <a:ext cx="2918459" cy="2187893"/>
-              </a:xfrm>
-              <a:prstGeom prst="downArrowCallout">
-                <a:avLst>
-                  <a:gd name="adj1" fmla="val 17836"/>
-                  <a:gd name="adj2" fmla="val 17388"/>
-                  <a:gd name="adj3" fmla="val 13806"/>
-                  <a:gd name="adj4" fmla="val 64977"/>
-                </a:avLst>
-              </a:prstGeom>
-            </p:spPr>
-            <p:style>
-              <a:lnRef idx="2">
-                <a:schemeClr val="dk1"/>
-              </a:lnRef>
-              <a:fillRef idx="1">
-                <a:schemeClr val="lt1"/>
-              </a:fillRef>
-              <a:effectRef idx="0">
-                <a:schemeClr val="dk1"/>
-              </a:effectRef>
-              <a:fontRef idx="minor">
-                <a:schemeClr val="dk1"/>
-              </a:fontRef>
-            </p:style>
-            <p:txBody>
-              <a:bodyPr rtlCol="0" anchor="ctr"/>
-              <a:lstStyle/>
-              <a:p>
-                <a:pPr algn="ctr"/>
-                <a:r>
-                  <a:rPr lang="de-AT" sz="1600" dirty="0"/>
-                  <a:t>Die Applikation darf Benutzerdaten bearbeiten</a:t>
-                </a:r>
-                <a:endParaRPr lang="en-US" sz="1600" dirty="0"/>
-              </a:p>
-            </p:txBody>
-          </p:sp>
-        </p:grpSp>
-        <p:sp>
-          <p:nvSpPr>
-            <p:cNvPr id="31" name="TextBox 30">
-              <a:extLst>
-                <a:ext uri="{FF2B5EF4-FFF2-40B4-BE49-F238E27FC236}">
-                  <a16:creationId xmlns:a16="http://schemas.microsoft.com/office/drawing/2014/main" id="{5DF368F5-BB3B-4DC4-A376-37F064E625B0}"/>
-                </a:ext>
-              </a:extLst>
-            </p:cNvPr>
-            <p:cNvSpPr txBox="1"/>
-            <p:nvPr/>
-          </p:nvSpPr>
-          <p:spPr>
-            <a:xfrm>
-              <a:off x="6981568" y="3010915"/>
-              <a:ext cx="369012" cy="369332"/>
-            </a:xfrm>
-            <a:prstGeom prst="rect">
-              <a:avLst/>
-            </a:prstGeom>
-            <a:noFill/>
-          </p:spPr>
-          <p:txBody>
-            <a:bodyPr wrap="none" rtlCol="0">
-              <a:spAutoFit/>
-            </a:bodyPr>
-            <a:lstStyle/>
-            <a:p>
-              <a:r>
-                <a:rPr lang="de-AT" dirty="0">
-                  <a:solidFill>
-                    <a:schemeClr val="bg1"/>
-                  </a:solidFill>
-                </a:rPr>
-                <a:t>Ja</a:t>
-              </a:r>
-              <a:endParaRPr lang="en-US" dirty="0">
-                <a:solidFill>
-                  <a:schemeClr val="bg1"/>
-                </a:solidFill>
-              </a:endParaRPr>
-            </a:p>
-          </p:txBody>
-        </p:sp>
-      </p:grpSp>
-      <p:grpSp>
-        <p:nvGrpSpPr>
-          <p:cNvPr id="33" name="Group 32">
-            <a:extLst>
-              <a:ext uri="{FF2B5EF4-FFF2-40B4-BE49-F238E27FC236}">
-                <a16:creationId xmlns:a16="http://schemas.microsoft.com/office/drawing/2014/main" id="{3AB5A1F2-F6B2-457A-9EE9-17AF556C99F0}"/>
-              </a:ext>
-            </a:extLst>
-          </p:cNvPr>
-          <p:cNvGrpSpPr/>
-          <p:nvPr/>
-        </p:nvGrpSpPr>
-        <p:grpSpPr>
-          <a:xfrm>
-            <a:off x="4917988" y="3845324"/>
-            <a:ext cx="2830521" cy="1379818"/>
-            <a:chOff x="4917988" y="2743852"/>
-            <a:chExt cx="2830521" cy="1379818"/>
-          </a:xfrm>
-        </p:grpSpPr>
-        <p:grpSp>
-          <p:nvGrpSpPr>
-            <p:cNvPr id="34" name="Group 33">
-              <a:extLst>
-                <a:ext uri="{FF2B5EF4-FFF2-40B4-BE49-F238E27FC236}">
-                  <a16:creationId xmlns:a16="http://schemas.microsoft.com/office/drawing/2014/main" id="{75BBFE81-DC8A-4D63-B9A1-FECF46033B79}"/>
-                </a:ext>
-              </a:extLst>
-            </p:cNvPr>
-            <p:cNvGrpSpPr/>
-            <p:nvPr/>
-          </p:nvGrpSpPr>
-          <p:grpSpPr>
-            <a:xfrm>
-              <a:off x="4917988" y="2743852"/>
-              <a:ext cx="2830521" cy="1379818"/>
-              <a:chOff x="3352800" y="2979420"/>
-              <a:chExt cx="4488180" cy="2187893"/>
-            </a:xfrm>
-          </p:grpSpPr>
-          <p:sp>
-            <p:nvSpPr>
-              <p:cNvPr id="36" name="Callout: Right Arrow 35">
-                <a:extLst>
-                  <a:ext uri="{FF2B5EF4-FFF2-40B4-BE49-F238E27FC236}">
-                    <a16:creationId xmlns:a16="http://schemas.microsoft.com/office/drawing/2014/main" id="{14BCBC5A-E3B0-4514-97EE-930D655156E4}"/>
-                  </a:ext>
-                </a:extLst>
-              </p:cNvPr>
-              <p:cNvSpPr/>
-              <p:nvPr/>
-            </p:nvSpPr>
-            <p:spPr>
-              <a:xfrm>
-                <a:off x="3352800" y="2979420"/>
-                <a:ext cx="4488180" cy="1432560"/>
-              </a:xfrm>
-              <a:prstGeom prst="rightArrowCallout">
-                <a:avLst/>
-              </a:prstGeom>
-              <a:solidFill>
-                <a:schemeClr val="accent6"/>
-              </a:solidFill>
-              <a:ln>
-                <a:noFill/>
-              </a:ln>
-            </p:spPr>
-            <p:style>
-              <a:lnRef idx="2">
-                <a:schemeClr val="accent1">
-                  <a:shade val="50000"/>
-                </a:schemeClr>
-              </a:lnRef>
-              <a:fillRef idx="1">
-                <a:schemeClr val="accent1"/>
-              </a:fillRef>
-              <a:effectRef idx="0">
-                <a:schemeClr val="accent1"/>
-              </a:effectRef>
-              <a:fontRef idx="minor">
-                <a:schemeClr val="lt1"/>
-              </a:fontRef>
-            </p:style>
-            <p:txBody>
-              <a:bodyPr rtlCol="0" anchor="ctr"/>
-              <a:lstStyle/>
-              <a:p>
-                <a:pPr algn="ctr"/>
-                <a:endParaRPr lang="en-US" dirty="0"/>
-              </a:p>
-            </p:txBody>
-          </p:sp>
-          <p:sp>
-            <p:nvSpPr>
-              <p:cNvPr id="37" name="Callout: Down Arrow 36">
-                <a:extLst>
-                  <a:ext uri="{FF2B5EF4-FFF2-40B4-BE49-F238E27FC236}">
-                    <a16:creationId xmlns:a16="http://schemas.microsoft.com/office/drawing/2014/main" id="{FD27B89B-4A2E-40ED-AC26-19BBEBC403E2}"/>
-                  </a:ext>
-                </a:extLst>
-              </p:cNvPr>
-              <p:cNvSpPr/>
-              <p:nvPr/>
-            </p:nvSpPr>
-            <p:spPr>
-              <a:xfrm>
-                <a:off x="3352800" y="2979420"/>
-                <a:ext cx="2918459" cy="2187893"/>
-              </a:xfrm>
-              <a:prstGeom prst="downArrowCallout">
-                <a:avLst>
-                  <a:gd name="adj1" fmla="val 17836"/>
-                  <a:gd name="adj2" fmla="val 17388"/>
-                  <a:gd name="adj3" fmla="val 13806"/>
-                  <a:gd name="adj4" fmla="val 64977"/>
-                </a:avLst>
-              </a:prstGeom>
-            </p:spPr>
-            <p:style>
-              <a:lnRef idx="2">
-                <a:schemeClr val="dk1"/>
-              </a:lnRef>
-              <a:fillRef idx="1">
-                <a:schemeClr val="lt1"/>
-              </a:fillRef>
-              <a:effectRef idx="0">
-                <a:schemeClr val="dk1"/>
-              </a:effectRef>
-              <a:fontRef idx="minor">
-                <a:schemeClr val="dk1"/>
-              </a:fontRef>
-            </p:style>
-            <p:txBody>
-              <a:bodyPr rtlCol="0" anchor="ctr"/>
-              <a:lstStyle/>
-              <a:p>
-                <a:pPr algn="ctr"/>
-                <a:r>
-                  <a:rPr lang="de-AT" sz="1600" dirty="0"/>
-                  <a:t>Ist es eine Web Anwendung die am Server läuft?</a:t>
-                </a:r>
-                <a:endParaRPr lang="en-US" sz="1600" dirty="0"/>
-              </a:p>
-            </p:txBody>
-          </p:sp>
-        </p:grpSp>
-        <p:sp>
-          <p:nvSpPr>
-            <p:cNvPr id="35" name="TextBox 34">
-              <a:extLst>
-                <a:ext uri="{FF2B5EF4-FFF2-40B4-BE49-F238E27FC236}">
-                  <a16:creationId xmlns:a16="http://schemas.microsoft.com/office/drawing/2014/main" id="{80195D04-3146-4C1E-9097-9D7C49B76291}"/>
-                </a:ext>
-              </a:extLst>
-            </p:cNvPr>
-            <p:cNvSpPr txBox="1"/>
-            <p:nvPr/>
-          </p:nvSpPr>
-          <p:spPr>
-            <a:xfrm>
-              <a:off x="6981568" y="3010915"/>
-              <a:ext cx="369012" cy="369332"/>
-            </a:xfrm>
-            <a:prstGeom prst="rect">
-              <a:avLst/>
-            </a:prstGeom>
-            <a:noFill/>
-          </p:spPr>
-          <p:txBody>
-            <a:bodyPr wrap="none" rtlCol="0">
-              <a:spAutoFit/>
-            </a:bodyPr>
-            <a:lstStyle/>
-            <a:p>
-              <a:r>
-                <a:rPr lang="de-AT" dirty="0">
-                  <a:solidFill>
-                    <a:schemeClr val="bg1"/>
-                  </a:solidFill>
-                </a:rPr>
-                <a:t>Ja</a:t>
-              </a:r>
-              <a:endParaRPr lang="en-US" dirty="0">
-                <a:solidFill>
-                  <a:schemeClr val="bg1"/>
-                </a:solidFill>
-              </a:endParaRPr>
-            </a:p>
-          </p:txBody>
-        </p:sp>
-      </p:grpSp>
-      <p:sp>
-        <p:nvSpPr>
-          <p:cNvPr id="44" name="Callout: Right Arrow 43">
-            <a:extLst>
-              <a:ext uri="{FF2B5EF4-FFF2-40B4-BE49-F238E27FC236}">
-                <a16:creationId xmlns:a16="http://schemas.microsoft.com/office/drawing/2014/main" id="{D2B38D15-A4DD-4966-AC92-3EDBF104D43F}"/>
+                <a16:creationId xmlns:a16="http://schemas.microsoft.com/office/drawing/2014/main" id="{785B1D0E-0317-426C-A33A-E094FFBF4E97}"/>
               </a:ext>
             </a:extLst>
           </p:cNvPr>
@@ -34189,8 +36269,8 @@
         </p:nvSpPr>
         <p:spPr>
           <a:xfrm>
-            <a:off x="4917985" y="5215620"/>
-            <a:ext cx="2830521" cy="903459"/>
+            <a:off x="4432117" y="5900041"/>
+            <a:ext cx="2429657" cy="523276"/>
           </a:xfrm>
           <a:prstGeom prst="rightArrowCallout">
             <a:avLst/>
@@ -34229,388 +36309,10 @@
       </p:sp>
       <p:sp>
         <p:nvSpPr>
-          <p:cNvPr id="49" name="TextBox 48">
+          <p:cNvPr id="58" name="Callout: Right Arrow 57">
             <a:extLst>
               <a:ext uri="{FF2B5EF4-FFF2-40B4-BE49-F238E27FC236}">
-                <a16:creationId xmlns:a16="http://schemas.microsoft.com/office/drawing/2014/main" id="{0A156DC5-A2BB-452D-804C-D104F92E0008}"/>
-              </a:ext>
-            </a:extLst>
-          </p:cNvPr>
-          <p:cNvSpPr txBox="1"/>
-          <p:nvPr/>
-        </p:nvSpPr>
-        <p:spPr>
-          <a:xfrm>
-            <a:off x="6764626" y="5473996"/>
-            <a:ext cx="789447" cy="369332"/>
-          </a:xfrm>
-          <a:prstGeom prst="rect">
-            <a:avLst/>
-          </a:prstGeom>
-          <a:noFill/>
-        </p:spPr>
-        <p:txBody>
-          <a:bodyPr wrap="none" rtlCol="0">
-            <a:spAutoFit/>
-          </a:bodyPr>
-          <a:lstStyle/>
-          <a:p>
-            <a:r>
-              <a:rPr lang="de-AT" dirty="0">
-                <a:solidFill>
-                  <a:schemeClr val="bg1"/>
-                </a:solidFill>
-              </a:rPr>
-              <a:t>Native</a:t>
-            </a:r>
-            <a:endParaRPr lang="en-US" dirty="0">
-              <a:solidFill>
-                <a:schemeClr val="bg1"/>
-              </a:solidFill>
-            </a:endParaRPr>
-          </a:p>
-        </p:txBody>
-      </p:sp>
-      <p:sp>
-        <p:nvSpPr>
-          <p:cNvPr id="50" name="TextBox 49">
-            <a:extLst>
-              <a:ext uri="{FF2B5EF4-FFF2-40B4-BE49-F238E27FC236}">
-                <a16:creationId xmlns:a16="http://schemas.microsoft.com/office/drawing/2014/main" id="{04E2A0E1-176C-47D7-9FEE-51AFCDBE05C6}"/>
-              </a:ext>
-            </a:extLst>
-          </p:cNvPr>
-          <p:cNvSpPr txBox="1"/>
-          <p:nvPr/>
-        </p:nvSpPr>
-        <p:spPr>
-          <a:xfrm>
-            <a:off x="4248381" y="5514563"/>
-            <a:ext cx="525144" cy="369332"/>
-          </a:xfrm>
-          <a:prstGeom prst="rect">
-            <a:avLst/>
-          </a:prstGeom>
-          <a:noFill/>
-        </p:spPr>
-        <p:txBody>
-          <a:bodyPr wrap="none" rtlCol="0">
-            <a:spAutoFit/>
-          </a:bodyPr>
-          <a:lstStyle/>
-          <a:p>
-            <a:r>
-              <a:rPr lang="de-AT" dirty="0">
-                <a:solidFill>
-                  <a:schemeClr val="bg1"/>
-                </a:solidFill>
-              </a:rPr>
-              <a:t>SPA</a:t>
-            </a:r>
-            <a:endParaRPr lang="en-US" dirty="0">
-              <a:solidFill>
-                <a:schemeClr val="bg1"/>
-              </a:solidFill>
-            </a:endParaRPr>
-          </a:p>
-        </p:txBody>
-      </p:sp>
-      <p:grpSp>
-        <p:nvGrpSpPr>
-          <p:cNvPr id="52" name="Group 51">
-            <a:extLst>
-              <a:ext uri="{FF2B5EF4-FFF2-40B4-BE49-F238E27FC236}">
-                <a16:creationId xmlns:a16="http://schemas.microsoft.com/office/drawing/2014/main" id="{21C31BAF-5993-4A6A-B23A-228CEA87306C}"/>
-              </a:ext>
-            </a:extLst>
-          </p:cNvPr>
-          <p:cNvGrpSpPr/>
-          <p:nvPr/>
-        </p:nvGrpSpPr>
-        <p:grpSpPr>
-          <a:xfrm>
-            <a:off x="4917989" y="1045801"/>
-            <a:ext cx="4671078" cy="1400663"/>
-            <a:chOff x="4917989" y="1333668"/>
-            <a:chExt cx="4671078" cy="1400663"/>
-          </a:xfrm>
-        </p:grpSpPr>
-        <p:grpSp>
-          <p:nvGrpSpPr>
-            <p:cNvPr id="30" name="Group 29">
-              <a:extLst>
-                <a:ext uri="{FF2B5EF4-FFF2-40B4-BE49-F238E27FC236}">
-                  <a16:creationId xmlns:a16="http://schemas.microsoft.com/office/drawing/2014/main" id="{2BBFF36A-D598-4DD0-8E09-770168354AAA}"/>
-                </a:ext>
-              </a:extLst>
-            </p:cNvPr>
-            <p:cNvGrpSpPr/>
-            <p:nvPr/>
-          </p:nvGrpSpPr>
-          <p:grpSpPr>
-            <a:xfrm>
-              <a:off x="4917989" y="1354513"/>
-              <a:ext cx="2830521" cy="1379818"/>
-              <a:chOff x="4917989" y="1354513"/>
-              <a:chExt cx="2830521" cy="1379818"/>
-            </a:xfrm>
-          </p:grpSpPr>
-          <p:grpSp>
-            <p:nvGrpSpPr>
-              <p:cNvPr id="7" name="Group 6">
-                <a:extLst>
-                  <a:ext uri="{FF2B5EF4-FFF2-40B4-BE49-F238E27FC236}">
-                    <a16:creationId xmlns:a16="http://schemas.microsoft.com/office/drawing/2014/main" id="{70524C3A-A77F-468B-9598-B3C7848395DC}"/>
-                  </a:ext>
-                </a:extLst>
-              </p:cNvPr>
-              <p:cNvGrpSpPr/>
-              <p:nvPr/>
-            </p:nvGrpSpPr>
-            <p:grpSpPr>
-              <a:xfrm>
-                <a:off x="4917989" y="1354513"/>
-                <a:ext cx="2830521" cy="1379818"/>
-                <a:chOff x="3352800" y="2979420"/>
-                <a:chExt cx="4488180" cy="2187893"/>
-              </a:xfrm>
-            </p:grpSpPr>
-            <p:sp>
-              <p:nvSpPr>
-                <p:cNvPr id="5" name="Callout: Right Arrow 4">
-                  <a:extLst>
-                    <a:ext uri="{FF2B5EF4-FFF2-40B4-BE49-F238E27FC236}">
-                      <a16:creationId xmlns:a16="http://schemas.microsoft.com/office/drawing/2014/main" id="{2B850AFE-A417-4A6C-B3F2-426421C036C4}"/>
-                    </a:ext>
-                  </a:extLst>
-                </p:cNvPr>
-                <p:cNvSpPr/>
-                <p:nvPr/>
-              </p:nvSpPr>
-              <p:spPr>
-                <a:xfrm>
-                  <a:off x="3352800" y="2979420"/>
-                  <a:ext cx="4488180" cy="1432560"/>
-                </a:xfrm>
-                <a:prstGeom prst="rightArrowCallout">
-                  <a:avLst/>
-                </a:prstGeom>
-                <a:solidFill>
-                  <a:schemeClr val="accent6"/>
-                </a:solidFill>
-                <a:ln>
-                  <a:noFill/>
-                </a:ln>
-              </p:spPr>
-              <p:style>
-                <a:lnRef idx="2">
-                  <a:schemeClr val="accent1">
-                    <a:shade val="50000"/>
-                  </a:schemeClr>
-                </a:lnRef>
-                <a:fillRef idx="1">
-                  <a:schemeClr val="accent1"/>
-                </a:fillRef>
-                <a:effectRef idx="0">
-                  <a:schemeClr val="accent1"/>
-                </a:effectRef>
-                <a:fontRef idx="minor">
-                  <a:schemeClr val="lt1"/>
-                </a:fontRef>
-              </p:style>
-              <p:txBody>
-                <a:bodyPr rtlCol="0" anchor="ctr"/>
-                <a:lstStyle/>
-                <a:p>
-                  <a:pPr algn="ctr"/>
-                  <a:endParaRPr lang="en-US" dirty="0"/>
-                </a:p>
-              </p:txBody>
-            </p:sp>
-            <p:sp>
-              <p:nvSpPr>
-                <p:cNvPr id="6" name="Callout: Down Arrow 5">
-                  <a:extLst>
-                    <a:ext uri="{FF2B5EF4-FFF2-40B4-BE49-F238E27FC236}">
-                      <a16:creationId xmlns:a16="http://schemas.microsoft.com/office/drawing/2014/main" id="{A5F81615-3D2A-48D8-A067-838F144CBD40}"/>
-                    </a:ext>
-                  </a:extLst>
-                </p:cNvPr>
-                <p:cNvSpPr/>
-                <p:nvPr/>
-              </p:nvSpPr>
-              <p:spPr>
-                <a:xfrm>
-                  <a:off x="3352800" y="2979420"/>
-                  <a:ext cx="2918459" cy="2187893"/>
-                </a:xfrm>
-                <a:prstGeom prst="downArrowCallout">
-                  <a:avLst>
-                    <a:gd name="adj1" fmla="val 17836"/>
-                    <a:gd name="adj2" fmla="val 17388"/>
-                    <a:gd name="adj3" fmla="val 13806"/>
-                    <a:gd name="adj4" fmla="val 64977"/>
-                  </a:avLst>
-                </a:prstGeom>
-              </p:spPr>
-              <p:style>
-                <a:lnRef idx="2">
-                  <a:schemeClr val="dk1"/>
-                </a:lnRef>
-                <a:fillRef idx="1">
-                  <a:schemeClr val="lt1"/>
-                </a:fillRef>
-                <a:effectRef idx="0">
-                  <a:schemeClr val="dk1"/>
-                </a:effectRef>
-                <a:fontRef idx="minor">
-                  <a:schemeClr val="dk1"/>
-                </a:fontRef>
-              </p:style>
-              <p:txBody>
-                <a:bodyPr rtlCol="0" anchor="ctr"/>
-                <a:lstStyle/>
-                <a:p>
-                  <a:pPr algn="ctr"/>
-                  <a:r>
-                    <a:rPr lang="de-AT" sz="1600" dirty="0"/>
-                    <a:t>Ist </a:t>
-                  </a:r>
-                  <a:r>
-                    <a:rPr lang="de-AT" sz="1600" i="1" dirty="0"/>
-                    <a:t>Client </a:t>
-                  </a:r>
-                  <a:r>
-                    <a:rPr lang="de-AT" sz="1600" dirty="0"/>
-                    <a:t>der </a:t>
-                  </a:r>
-                  <a:r>
-                    <a:rPr lang="de-AT" sz="1600" i="1" dirty="0" err="1"/>
-                    <a:t>Resource</a:t>
-                  </a:r>
-                  <a:r>
-                    <a:rPr lang="de-AT" sz="1600" dirty="0"/>
-                    <a:t> </a:t>
-                  </a:r>
-                  <a:r>
-                    <a:rPr lang="de-AT" sz="1600" i="1" dirty="0" err="1"/>
-                    <a:t>Owner</a:t>
-                  </a:r>
-                  <a:endParaRPr lang="en-US" sz="1600" dirty="0"/>
-                </a:p>
-              </p:txBody>
-            </p:sp>
-          </p:grpSp>
-          <p:sp>
-            <p:nvSpPr>
-              <p:cNvPr id="22" name="TextBox 21">
-                <a:extLst>
-                  <a:ext uri="{FF2B5EF4-FFF2-40B4-BE49-F238E27FC236}">
-                    <a16:creationId xmlns:a16="http://schemas.microsoft.com/office/drawing/2014/main" id="{66A4CCDF-0DC6-4954-9DFB-37FF552661C0}"/>
-                  </a:ext>
-                </a:extLst>
-              </p:cNvPr>
-              <p:cNvSpPr txBox="1"/>
-              <p:nvPr/>
-            </p:nvSpPr>
-            <p:spPr>
-              <a:xfrm>
-                <a:off x="6981568" y="1604998"/>
-                <a:ext cx="369012" cy="369332"/>
-              </a:xfrm>
-              <a:prstGeom prst="rect">
-                <a:avLst/>
-              </a:prstGeom>
-              <a:noFill/>
-            </p:spPr>
-            <p:txBody>
-              <a:bodyPr wrap="none" rtlCol="0">
-                <a:spAutoFit/>
-              </a:bodyPr>
-              <a:lstStyle/>
-              <a:p>
-                <a:r>
-                  <a:rPr lang="de-AT" dirty="0">
-                    <a:solidFill>
-                      <a:schemeClr val="bg1"/>
-                    </a:solidFill>
-                  </a:rPr>
-                  <a:t>Ja</a:t>
-                </a:r>
-                <a:endParaRPr lang="en-US" dirty="0">
-                  <a:solidFill>
-                    <a:schemeClr val="bg1"/>
-                  </a:solidFill>
-                </a:endParaRPr>
-              </a:p>
-            </p:txBody>
-          </p:sp>
-        </p:grpSp>
-        <p:sp>
-          <p:nvSpPr>
-            <p:cNvPr id="51" name="Rectangle 50">
-              <a:extLst>
-                <a:ext uri="{FF2B5EF4-FFF2-40B4-BE49-F238E27FC236}">
-                  <a16:creationId xmlns:a16="http://schemas.microsoft.com/office/drawing/2014/main" id="{84D355E1-A9B9-4EDF-B15D-BABF7FD9485E}"/>
-                </a:ext>
-              </a:extLst>
-            </p:cNvPr>
-            <p:cNvSpPr/>
-            <p:nvPr/>
-          </p:nvSpPr>
-          <p:spPr>
-            <a:xfrm>
-              <a:off x="7748508" y="1333668"/>
-              <a:ext cx="1840559" cy="900144"/>
-            </a:xfrm>
-            <a:prstGeom prst="rect">
-              <a:avLst/>
-            </a:prstGeom>
-            <a:solidFill>
-              <a:schemeClr val="accent6"/>
-            </a:solidFill>
-            <a:ln>
-              <a:noFill/>
-            </a:ln>
-          </p:spPr>
-          <p:style>
-            <a:lnRef idx="0">
-              <a:scrgbClr r="0" g="0" b="0"/>
-            </a:lnRef>
-            <a:fillRef idx="0">
-              <a:scrgbClr r="0" g="0" b="0"/>
-            </a:fillRef>
-            <a:effectRef idx="0">
-              <a:scrgbClr r="0" g="0" b="0"/>
-            </a:effectRef>
-            <a:fontRef idx="minor">
-              <a:schemeClr val="lt1"/>
-            </a:fontRef>
-          </p:style>
-          <p:txBody>
-            <a:bodyPr rtlCol="0" anchor="ctr"/>
-            <a:lstStyle/>
-            <a:p>
-              <a:pPr algn="ctr"/>
-              <a:r>
-                <a:rPr lang="de-AT" i="1" dirty="0"/>
-                <a:t>Client </a:t>
-              </a:r>
-              <a:r>
-                <a:rPr lang="de-AT" i="1" dirty="0" err="1"/>
-                <a:t>Credentials</a:t>
-              </a:r>
-              <a:endParaRPr lang="en-US" i="1" dirty="0"/>
-            </a:p>
-          </p:txBody>
-        </p:sp>
-      </p:grpSp>
-      <p:sp>
-        <p:nvSpPr>
-          <p:cNvPr id="53" name="Rectangle 52">
-            <a:extLst>
-              <a:ext uri="{FF2B5EF4-FFF2-40B4-BE49-F238E27FC236}">
-                <a16:creationId xmlns:a16="http://schemas.microsoft.com/office/drawing/2014/main" id="{78FE0A1C-5CA8-46C8-9CDA-2310E829786C}"/>
+                <a16:creationId xmlns:a16="http://schemas.microsoft.com/office/drawing/2014/main" id="{3C4ECB00-C356-4FCF-82D6-C85E1F65B379}"/>
               </a:ext>
             </a:extLst>
           </p:cNvPr>
@@ -34619,190 +36321,8 @@
         </p:nvSpPr>
         <p:spPr>
           <a:xfrm>
-            <a:off x="7748506" y="5264943"/>
-            <a:ext cx="1840559" cy="1227932"/>
-          </a:xfrm>
-          <a:prstGeom prst="rect">
-            <a:avLst/>
-          </a:prstGeom>
-          <a:solidFill>
-            <a:schemeClr val="accent6"/>
-          </a:solidFill>
-          <a:ln>
-            <a:noFill/>
-          </a:ln>
-        </p:spPr>
-        <p:style>
-          <a:lnRef idx="0">
-            <a:scrgbClr r="0" g="0" b="0"/>
-          </a:lnRef>
-          <a:fillRef idx="0">
-            <a:scrgbClr r="0" g="0" b="0"/>
-          </a:fillRef>
-          <a:effectRef idx="0">
-            <a:scrgbClr r="0" g="0" b="0"/>
-          </a:effectRef>
-          <a:fontRef idx="minor">
-            <a:schemeClr val="lt1"/>
-          </a:fontRef>
-        </p:style>
-        <p:txBody>
-          <a:bodyPr rtlCol="0" anchor="ctr"/>
-          <a:lstStyle/>
-          <a:p>
-            <a:pPr algn="ctr"/>
-            <a:r>
-              <a:rPr lang="de-AT" i="1" dirty="0" err="1"/>
-              <a:t>Authorization</a:t>
-            </a:r>
-            <a:r>
-              <a:rPr lang="de-AT" i="1" dirty="0"/>
-              <a:t> Code (PKCE)</a:t>
-            </a:r>
-            <a:endParaRPr lang="en-US" i="1" dirty="0"/>
-          </a:p>
-        </p:txBody>
-      </p:sp>
-      <p:sp>
-        <p:nvSpPr>
-          <p:cNvPr id="54" name="Rectangle 53">
-            <a:extLst>
-              <a:ext uri="{FF2B5EF4-FFF2-40B4-BE49-F238E27FC236}">
-                <a16:creationId xmlns:a16="http://schemas.microsoft.com/office/drawing/2014/main" id="{1A422EDF-D988-429B-A2A9-39C093C3C124}"/>
-              </a:ext>
-            </a:extLst>
-          </p:cNvPr>
-          <p:cNvSpPr/>
-          <p:nvPr/>
-        </p:nvSpPr>
-        <p:spPr>
-          <a:xfrm>
-            <a:off x="7748507" y="3875604"/>
-            <a:ext cx="1840559" cy="900144"/>
-          </a:xfrm>
-          <a:prstGeom prst="rect">
-            <a:avLst/>
-          </a:prstGeom>
-          <a:solidFill>
-            <a:schemeClr val="accent6"/>
-          </a:solidFill>
-          <a:ln>
-            <a:noFill/>
-          </a:ln>
-        </p:spPr>
-        <p:style>
-          <a:lnRef idx="0">
-            <a:scrgbClr r="0" g="0" b="0"/>
-          </a:lnRef>
-          <a:fillRef idx="0">
-            <a:scrgbClr r="0" g="0" b="0"/>
-          </a:fillRef>
-          <a:effectRef idx="0">
-            <a:scrgbClr r="0" g="0" b="0"/>
-          </a:effectRef>
-          <a:fontRef idx="minor">
-            <a:schemeClr val="lt1"/>
-          </a:fontRef>
-        </p:style>
-        <p:txBody>
-          <a:bodyPr rtlCol="0" anchor="ctr"/>
-          <a:lstStyle/>
-          <a:p>
-            <a:pPr algn="ctr"/>
-            <a:r>
-              <a:rPr lang="de-AT" i="1" dirty="0" err="1"/>
-              <a:t>Authorization</a:t>
-            </a:r>
-            <a:r>
-              <a:rPr lang="de-AT" i="1" dirty="0"/>
-              <a:t> Code</a:t>
-            </a:r>
-            <a:endParaRPr lang="en-US" i="1" dirty="0"/>
-          </a:p>
-        </p:txBody>
-      </p:sp>
-      <p:sp>
-        <p:nvSpPr>
-          <p:cNvPr id="55" name="Rectangle 54">
-            <a:extLst>
-              <a:ext uri="{FF2B5EF4-FFF2-40B4-BE49-F238E27FC236}">
-                <a16:creationId xmlns:a16="http://schemas.microsoft.com/office/drawing/2014/main" id="{01DF5194-C4D3-4469-B872-26E65546888B}"/>
-              </a:ext>
-            </a:extLst>
-          </p:cNvPr>
-          <p:cNvSpPr/>
-          <p:nvPr/>
-        </p:nvSpPr>
-        <p:spPr>
-          <a:xfrm>
-            <a:off x="7748508" y="2459300"/>
-            <a:ext cx="1840559" cy="900144"/>
-          </a:xfrm>
-          <a:prstGeom prst="rect">
-            <a:avLst/>
-          </a:prstGeom>
-          <a:solidFill>
-            <a:schemeClr val="accent6"/>
-          </a:solidFill>
-          <a:ln>
-            <a:noFill/>
-          </a:ln>
-        </p:spPr>
-        <p:style>
-          <a:lnRef idx="0">
-            <a:scrgbClr r="0" g="0" b="0"/>
-          </a:lnRef>
-          <a:fillRef idx="0">
-            <a:scrgbClr r="0" g="0" b="0"/>
-          </a:fillRef>
-          <a:effectRef idx="0">
-            <a:scrgbClr r="0" g="0" b="0"/>
-          </a:effectRef>
-          <a:fontRef idx="minor">
-            <a:schemeClr val="lt1"/>
-          </a:fontRef>
-        </p:style>
-        <p:txBody>
-          <a:bodyPr rtlCol="0" anchor="ctr"/>
-          <a:lstStyle/>
-          <a:p>
-            <a:pPr algn="ctr"/>
-            <a:r>
-              <a:rPr lang="de-AT" i="1" dirty="0" err="1"/>
-              <a:t>Resource</a:t>
-            </a:r>
-            <a:r>
-              <a:rPr lang="de-AT" i="1" dirty="0"/>
-              <a:t> </a:t>
-            </a:r>
-            <a:r>
-              <a:rPr lang="de-AT" i="1" dirty="0" err="1"/>
-              <a:t>Owner</a:t>
-            </a:r>
-            <a:r>
-              <a:rPr lang="de-AT" i="1" dirty="0"/>
-              <a:t> Password</a:t>
-            </a:r>
-            <a:endParaRPr lang="en-US" i="1" dirty="0"/>
-          </a:p>
-        </p:txBody>
-      </p:sp>
-      <p:sp>
-        <p:nvSpPr>
-          <p:cNvPr id="41" name="Callout: Right Arrow 40">
-            <a:extLst>
-              <a:ext uri="{FF2B5EF4-FFF2-40B4-BE49-F238E27FC236}">
-                <a16:creationId xmlns:a16="http://schemas.microsoft.com/office/drawing/2014/main" id="{FCEC9913-91D1-43C0-B839-3026BEDA6FC3}"/>
-              </a:ext>
-            </a:extLst>
-          </p:cNvPr>
-          <p:cNvSpPr/>
-          <p:nvPr/>
-        </p:nvSpPr>
-        <p:spPr>
-          <a:xfrm>
-            <a:off x="4922076" y="5680456"/>
-            <a:ext cx="2830521" cy="903459"/>
+            <a:off x="4432117" y="6161218"/>
+            <a:ext cx="2429657" cy="523276"/>
           </a:xfrm>
           <a:prstGeom prst="rightArrowCallout">
             <a:avLst/>
@@ -34841,6 +36361,482 @@
       </p:sp>
       <p:sp>
         <p:nvSpPr>
+          <p:cNvPr id="39" name="Callout: Right Arrow 38">
+            <a:extLst>
+              <a:ext uri="{FF2B5EF4-FFF2-40B4-BE49-F238E27FC236}">
+                <a16:creationId xmlns:a16="http://schemas.microsoft.com/office/drawing/2014/main" id="{01AFDE4B-4075-496E-ADB8-7CDFC7C5F0EF}"/>
+              </a:ext>
+            </a:extLst>
+          </p:cNvPr>
+          <p:cNvSpPr/>
+          <p:nvPr/>
+        </p:nvSpPr>
+        <p:spPr>
+          <a:xfrm>
+            <a:off x="4371889" y="2565505"/>
+            <a:ext cx="2503891" cy="666292"/>
+          </a:xfrm>
+          <a:prstGeom prst="rightArrowCallout">
+            <a:avLst/>
+          </a:prstGeom>
+          <a:solidFill>
+            <a:schemeClr val="accent6"/>
+          </a:solidFill>
+          <a:ln>
+            <a:noFill/>
+          </a:ln>
+        </p:spPr>
+        <p:style>
+          <a:lnRef idx="2">
+            <a:schemeClr val="accent1">
+              <a:shade val="50000"/>
+            </a:schemeClr>
+          </a:lnRef>
+          <a:fillRef idx="1">
+            <a:schemeClr val="accent1"/>
+          </a:fillRef>
+          <a:effectRef idx="0">
+            <a:schemeClr val="accent1"/>
+          </a:effectRef>
+          <a:fontRef idx="minor">
+            <a:schemeClr val="lt1"/>
+          </a:fontRef>
+        </p:style>
+        <p:txBody>
+          <a:bodyPr rtlCol="0" anchor="ctr"/>
+          <a:lstStyle/>
+          <a:p>
+            <a:pPr algn="ctr"/>
+            <a:endParaRPr lang="en-US" sz="1400" dirty="0"/>
+          </a:p>
+        </p:txBody>
+      </p:sp>
+      <p:sp>
+        <p:nvSpPr>
+          <p:cNvPr id="2" name="Title 1">
+            <a:extLst>
+              <a:ext uri="{FF2B5EF4-FFF2-40B4-BE49-F238E27FC236}">
+                <a16:creationId xmlns:a16="http://schemas.microsoft.com/office/drawing/2014/main" id="{BDFB37E6-367D-4BA3-9172-8750FA46A8FA}"/>
+              </a:ext>
+            </a:extLst>
+          </p:cNvPr>
+          <p:cNvSpPr>
+            <a:spLocks noGrp="1"/>
+          </p:cNvSpPr>
+          <p:nvPr>
+            <p:ph type="title"/>
+          </p:nvPr>
+        </p:nvSpPr>
+        <p:spPr>
+          <a:xfrm>
+            <a:off x="838200" y="365125"/>
+            <a:ext cx="10357022" cy="1325563"/>
+          </a:xfrm>
+        </p:spPr>
+        <p:txBody>
+          <a:bodyPr/>
+          <a:lstStyle/>
+          <a:p>
+            <a:r>
+              <a:rPr lang="de-AT" dirty="0"/>
+              <a:t>Welche </a:t>
+            </a:r>
+            <a:r>
+              <a:rPr lang="de-AT" dirty="0" err="1"/>
+              <a:t>Flows</a:t>
+            </a:r>
+            <a:r>
+              <a:rPr lang="de-AT" dirty="0"/>
+              <a:t> soll man wann verwenden? </a:t>
+            </a:r>
+            <a:endParaRPr lang="en-US" dirty="0"/>
+          </a:p>
+        </p:txBody>
+      </p:sp>
+      <p:grpSp>
+        <p:nvGrpSpPr>
+          <p:cNvPr id="32" name="Group 31">
+            <a:extLst>
+              <a:ext uri="{FF2B5EF4-FFF2-40B4-BE49-F238E27FC236}">
+                <a16:creationId xmlns:a16="http://schemas.microsoft.com/office/drawing/2014/main" id="{D15F6E7B-ECF4-4158-94D8-31BF510F0B12}"/>
+              </a:ext>
+            </a:extLst>
+          </p:cNvPr>
+          <p:cNvGrpSpPr/>
+          <p:nvPr/>
+        </p:nvGrpSpPr>
+        <p:grpSpPr>
+          <a:xfrm>
+            <a:off x="4370835" y="3675380"/>
+            <a:ext cx="2476935" cy="1116157"/>
+            <a:chOff x="4917988" y="2739593"/>
+            <a:chExt cx="3358601" cy="1513454"/>
+          </a:xfrm>
+        </p:grpSpPr>
+        <p:grpSp>
+          <p:nvGrpSpPr>
+            <p:cNvPr id="27" name="Group 26">
+              <a:extLst>
+                <a:ext uri="{FF2B5EF4-FFF2-40B4-BE49-F238E27FC236}">
+                  <a16:creationId xmlns:a16="http://schemas.microsoft.com/office/drawing/2014/main" id="{F540527D-4CCA-4136-ABA4-2CCC73FBD4BA}"/>
+                </a:ext>
+              </a:extLst>
+            </p:cNvPr>
+            <p:cNvGrpSpPr/>
+            <p:nvPr/>
+          </p:nvGrpSpPr>
+          <p:grpSpPr>
+            <a:xfrm>
+              <a:off x="4917988" y="2739593"/>
+              <a:ext cx="3358601" cy="1513454"/>
+              <a:chOff x="3352800" y="2972668"/>
+              <a:chExt cx="5325524" cy="2399792"/>
+            </a:xfrm>
+          </p:grpSpPr>
+          <p:sp>
+            <p:nvSpPr>
+              <p:cNvPr id="28" name="Callout: Right Arrow 27">
+                <a:extLst>
+                  <a:ext uri="{FF2B5EF4-FFF2-40B4-BE49-F238E27FC236}">
+                    <a16:creationId xmlns:a16="http://schemas.microsoft.com/office/drawing/2014/main" id="{A6569297-4919-439F-8CFF-EDBA90055437}"/>
+                  </a:ext>
+                </a:extLst>
+              </p:cNvPr>
+              <p:cNvSpPr/>
+              <p:nvPr/>
+            </p:nvSpPr>
+            <p:spPr>
+              <a:xfrm>
+                <a:off x="3514673" y="2972668"/>
+                <a:ext cx="5163651" cy="1432560"/>
+              </a:xfrm>
+              <a:prstGeom prst="rightArrowCallout">
+                <a:avLst/>
+              </a:prstGeom>
+              <a:solidFill>
+                <a:schemeClr val="accent6"/>
+              </a:solidFill>
+              <a:ln>
+                <a:noFill/>
+              </a:ln>
+            </p:spPr>
+            <p:style>
+              <a:lnRef idx="2">
+                <a:schemeClr val="accent1">
+                  <a:shade val="50000"/>
+                </a:schemeClr>
+              </a:lnRef>
+              <a:fillRef idx="1">
+                <a:schemeClr val="accent1"/>
+              </a:fillRef>
+              <a:effectRef idx="0">
+                <a:schemeClr val="accent1"/>
+              </a:effectRef>
+              <a:fontRef idx="minor">
+                <a:schemeClr val="lt1"/>
+              </a:fontRef>
+            </p:style>
+            <p:txBody>
+              <a:bodyPr rtlCol="0" anchor="ctr"/>
+              <a:lstStyle/>
+              <a:p>
+                <a:pPr algn="ctr"/>
+                <a:endParaRPr lang="en-US" sz="1400" dirty="0"/>
+              </a:p>
+            </p:txBody>
+          </p:sp>
+          <p:sp>
+            <p:nvSpPr>
+              <p:cNvPr id="29" name="Callout: Down Arrow 28">
+                <a:extLst>
+                  <a:ext uri="{FF2B5EF4-FFF2-40B4-BE49-F238E27FC236}">
+                    <a16:creationId xmlns:a16="http://schemas.microsoft.com/office/drawing/2014/main" id="{675A00F7-2123-492B-A644-4A30E49310D9}"/>
+                  </a:ext>
+                </a:extLst>
+              </p:cNvPr>
+              <p:cNvSpPr/>
+              <p:nvPr/>
+            </p:nvSpPr>
+            <p:spPr>
+              <a:xfrm>
+                <a:off x="3352800" y="2979421"/>
+                <a:ext cx="3495059" cy="2393039"/>
+              </a:xfrm>
+              <a:prstGeom prst="downArrowCallout">
+                <a:avLst>
+                  <a:gd name="adj1" fmla="val 17836"/>
+                  <a:gd name="adj2" fmla="val 17388"/>
+                  <a:gd name="adj3" fmla="val 13806"/>
+                  <a:gd name="adj4" fmla="val 64977"/>
+                </a:avLst>
+              </a:prstGeom>
+            </p:spPr>
+            <p:style>
+              <a:lnRef idx="2">
+                <a:schemeClr val="dk1"/>
+              </a:lnRef>
+              <a:fillRef idx="1">
+                <a:schemeClr val="lt1"/>
+              </a:fillRef>
+              <a:effectRef idx="0">
+                <a:schemeClr val="dk1"/>
+              </a:effectRef>
+              <a:fontRef idx="minor">
+                <a:schemeClr val="dk1"/>
+              </a:fontRef>
+            </p:style>
+            <p:txBody>
+              <a:bodyPr rtlCol="0" anchor="ctr"/>
+              <a:lstStyle/>
+              <a:p>
+                <a:pPr algn="ctr"/>
+                <a:r>
+                  <a:rPr lang="de-AT" sz="1200" dirty="0"/>
+                  <a:t>Die Applikation darf Benutzerdaten bearbeiten</a:t>
+                </a:r>
+                <a:endParaRPr lang="en-US" sz="1200" dirty="0"/>
+              </a:p>
+            </p:txBody>
+          </p:sp>
+        </p:grpSp>
+        <p:sp>
+          <p:nvSpPr>
+            <p:cNvPr id="31" name="TextBox 30">
+              <a:extLst>
+                <a:ext uri="{FF2B5EF4-FFF2-40B4-BE49-F238E27FC236}">
+                  <a16:creationId xmlns:a16="http://schemas.microsoft.com/office/drawing/2014/main" id="{5DF368F5-BB3B-4DC4-A376-37F064E625B0}"/>
+                </a:ext>
+              </a:extLst>
+            </p:cNvPr>
+            <p:cNvSpPr txBox="1"/>
+            <p:nvPr/>
+          </p:nvSpPr>
+          <p:spPr>
+            <a:xfrm>
+              <a:off x="7370451" y="2966934"/>
+              <a:ext cx="328936" cy="307776"/>
+            </a:xfrm>
+            <a:prstGeom prst="rect">
+              <a:avLst/>
+            </a:prstGeom>
+            <a:noFill/>
+          </p:spPr>
+          <p:txBody>
+            <a:bodyPr wrap="none" rtlCol="0">
+              <a:spAutoFit/>
+            </a:bodyPr>
+            <a:lstStyle/>
+            <a:p>
+              <a:r>
+                <a:rPr lang="de-AT" sz="1400" dirty="0">
+                  <a:solidFill>
+                    <a:schemeClr val="bg1"/>
+                  </a:solidFill>
+                </a:rPr>
+                <a:t>Ja</a:t>
+              </a:r>
+              <a:endParaRPr lang="en-US" sz="1400" dirty="0">
+                <a:solidFill>
+                  <a:schemeClr val="bg1"/>
+                </a:solidFill>
+              </a:endParaRPr>
+            </a:p>
+          </p:txBody>
+        </p:sp>
+      </p:grpSp>
+      <p:grpSp>
+        <p:nvGrpSpPr>
+          <p:cNvPr id="33" name="Group 32">
+            <a:extLst>
+              <a:ext uri="{FF2B5EF4-FFF2-40B4-BE49-F238E27FC236}">
+                <a16:creationId xmlns:a16="http://schemas.microsoft.com/office/drawing/2014/main" id="{3AB5A1F2-F6B2-457A-9EE9-17AF556C99F0}"/>
+              </a:ext>
+            </a:extLst>
+          </p:cNvPr>
+          <p:cNvGrpSpPr/>
+          <p:nvPr/>
+        </p:nvGrpSpPr>
+        <p:grpSpPr>
+          <a:xfrm>
+            <a:off x="4370834" y="4806331"/>
+            <a:ext cx="2513472" cy="1085642"/>
+            <a:chOff x="4917987" y="2743852"/>
+            <a:chExt cx="3408144" cy="1472077"/>
+          </a:xfrm>
+        </p:grpSpPr>
+        <p:grpSp>
+          <p:nvGrpSpPr>
+            <p:cNvPr id="34" name="Group 33">
+              <a:extLst>
+                <a:ext uri="{FF2B5EF4-FFF2-40B4-BE49-F238E27FC236}">
+                  <a16:creationId xmlns:a16="http://schemas.microsoft.com/office/drawing/2014/main" id="{75BBFE81-DC8A-4D63-B9A1-FECF46033B79}"/>
+                </a:ext>
+              </a:extLst>
+            </p:cNvPr>
+            <p:cNvGrpSpPr/>
+            <p:nvPr/>
+          </p:nvGrpSpPr>
+          <p:grpSpPr>
+            <a:xfrm>
+              <a:off x="4917987" y="2743852"/>
+              <a:ext cx="3408144" cy="1472077"/>
+              <a:chOff x="3352798" y="2979420"/>
+              <a:chExt cx="5404080" cy="2334182"/>
+            </a:xfrm>
+          </p:grpSpPr>
+          <p:sp>
+            <p:nvSpPr>
+              <p:cNvPr id="36" name="Callout: Right Arrow 35">
+                <a:extLst>
+                  <a:ext uri="{FF2B5EF4-FFF2-40B4-BE49-F238E27FC236}">
+                    <a16:creationId xmlns:a16="http://schemas.microsoft.com/office/drawing/2014/main" id="{14BCBC5A-E3B0-4514-97EE-930D655156E4}"/>
+                  </a:ext>
+                </a:extLst>
+              </p:cNvPr>
+              <p:cNvSpPr/>
+              <p:nvPr/>
+            </p:nvSpPr>
+            <p:spPr>
+              <a:xfrm>
+                <a:off x="3436117" y="2985410"/>
+                <a:ext cx="5320761" cy="1432559"/>
+              </a:xfrm>
+              <a:prstGeom prst="rightArrowCallout">
+                <a:avLst/>
+              </a:prstGeom>
+              <a:solidFill>
+                <a:schemeClr val="accent6"/>
+              </a:solidFill>
+              <a:ln>
+                <a:noFill/>
+              </a:ln>
+            </p:spPr>
+            <p:style>
+              <a:lnRef idx="2">
+                <a:schemeClr val="accent1">
+                  <a:shade val="50000"/>
+                </a:schemeClr>
+              </a:lnRef>
+              <a:fillRef idx="1">
+                <a:schemeClr val="accent1"/>
+              </a:fillRef>
+              <a:effectRef idx="0">
+                <a:schemeClr val="accent1"/>
+              </a:effectRef>
+              <a:fontRef idx="minor">
+                <a:schemeClr val="lt1"/>
+              </a:fontRef>
+            </p:style>
+            <p:txBody>
+              <a:bodyPr rtlCol="0" anchor="ctr"/>
+              <a:lstStyle/>
+              <a:p>
+                <a:pPr algn="ctr"/>
+                <a:endParaRPr lang="en-US" sz="1400" dirty="0"/>
+              </a:p>
+            </p:txBody>
+          </p:sp>
+          <p:sp>
+            <p:nvSpPr>
+              <p:cNvPr id="37" name="Callout: Down Arrow 36">
+                <a:extLst>
+                  <a:ext uri="{FF2B5EF4-FFF2-40B4-BE49-F238E27FC236}">
+                    <a16:creationId xmlns:a16="http://schemas.microsoft.com/office/drawing/2014/main" id="{FD27B89B-4A2E-40ED-AC26-19BBEBC403E2}"/>
+                  </a:ext>
+                </a:extLst>
+              </p:cNvPr>
+              <p:cNvSpPr/>
+              <p:nvPr/>
+            </p:nvSpPr>
+            <p:spPr>
+              <a:xfrm>
+                <a:off x="3352798" y="2979420"/>
+                <a:ext cx="3616345" cy="2334182"/>
+              </a:xfrm>
+              <a:prstGeom prst="downArrowCallout">
+                <a:avLst>
+                  <a:gd name="adj1" fmla="val 17836"/>
+                  <a:gd name="adj2" fmla="val 17388"/>
+                  <a:gd name="adj3" fmla="val 13806"/>
+                  <a:gd name="adj4" fmla="val 64977"/>
+                </a:avLst>
+              </a:prstGeom>
+            </p:spPr>
+            <p:style>
+              <a:lnRef idx="2">
+                <a:schemeClr val="dk1"/>
+              </a:lnRef>
+              <a:fillRef idx="1">
+                <a:schemeClr val="lt1"/>
+              </a:fillRef>
+              <a:effectRef idx="0">
+                <a:schemeClr val="dk1"/>
+              </a:effectRef>
+              <a:fontRef idx="minor">
+                <a:schemeClr val="dk1"/>
+              </a:fontRef>
+            </p:style>
+            <p:txBody>
+              <a:bodyPr rtlCol="0" anchor="ctr"/>
+              <a:lstStyle/>
+              <a:p>
+                <a:pPr algn="ctr"/>
+                <a:r>
+                  <a:rPr lang="de-AT" sz="1200" dirty="0"/>
+                  <a:t>Ist es eine Web Anwendung die am Server läuft?</a:t>
+                </a:r>
+                <a:endParaRPr lang="en-US" sz="1200" dirty="0"/>
+              </a:p>
+            </p:txBody>
+          </p:sp>
+        </p:grpSp>
+        <p:sp>
+          <p:nvSpPr>
+            <p:cNvPr id="35" name="TextBox 34">
+              <a:extLst>
+                <a:ext uri="{FF2B5EF4-FFF2-40B4-BE49-F238E27FC236}">
+                  <a16:creationId xmlns:a16="http://schemas.microsoft.com/office/drawing/2014/main" id="{80195D04-3146-4C1E-9097-9D7C49B76291}"/>
+                </a:ext>
+              </a:extLst>
+            </p:cNvPr>
+            <p:cNvSpPr txBox="1"/>
+            <p:nvPr/>
+          </p:nvSpPr>
+          <p:spPr>
+            <a:xfrm>
+              <a:off x="7407055" y="2975269"/>
+              <a:ext cx="328936" cy="307778"/>
+            </a:xfrm>
+            <a:prstGeom prst="rect">
+              <a:avLst/>
+            </a:prstGeom>
+            <a:noFill/>
+          </p:spPr>
+          <p:txBody>
+            <a:bodyPr wrap="none" rtlCol="0">
+              <a:spAutoFit/>
+            </a:bodyPr>
+            <a:lstStyle/>
+            <a:p>
+              <a:r>
+                <a:rPr lang="de-AT" sz="1400" dirty="0">
+                  <a:solidFill>
+                    <a:schemeClr val="bg1"/>
+                  </a:solidFill>
+                </a:rPr>
+                <a:t>Ja</a:t>
+              </a:r>
+              <a:endParaRPr lang="en-US" sz="1400" dirty="0">
+                <a:solidFill>
+                  <a:schemeClr val="bg1"/>
+                </a:solidFill>
+              </a:endParaRPr>
+            </a:p>
+          </p:txBody>
+        </p:sp>
+      </p:grpSp>
+      <p:sp>
+        <p:nvSpPr>
           <p:cNvPr id="43" name="Rectangle 42">
             <a:extLst>
               <a:ext uri="{FF2B5EF4-FFF2-40B4-BE49-F238E27FC236}">
@@ -34853,8 +36849,8 @@
         </p:nvSpPr>
         <p:spPr>
           <a:xfrm>
-            <a:off x="4917988" y="5215620"/>
-            <a:ext cx="1840559" cy="1368295"/>
+            <a:off x="4341420" y="5910407"/>
+            <a:ext cx="1711399" cy="767364"/>
           </a:xfrm>
           <a:prstGeom prst="rect">
             <a:avLst/>
@@ -34884,19 +36880,564 @@
           <a:p>
             <a:pPr algn="ctr"/>
             <a:r>
-              <a:rPr lang="de-AT" dirty="0"/>
+              <a:rPr lang="de-AT" sz="1400" dirty="0"/>
               <a:t>SPA oder Native Applikation</a:t>
             </a:r>
-            <a:endParaRPr lang="en-US" dirty="0"/>
+            <a:endParaRPr lang="en-US" sz="1400" dirty="0"/>
+          </a:p>
+        </p:txBody>
+      </p:sp>
+      <p:grpSp>
+        <p:nvGrpSpPr>
+          <p:cNvPr id="52" name="Group 51">
+            <a:extLst>
+              <a:ext uri="{FF2B5EF4-FFF2-40B4-BE49-F238E27FC236}">
+                <a16:creationId xmlns:a16="http://schemas.microsoft.com/office/drawing/2014/main" id="{21C31BAF-5993-4A6A-B23A-228CEA87306C}"/>
+              </a:ext>
+            </a:extLst>
+          </p:cNvPr>
+          <p:cNvGrpSpPr/>
+          <p:nvPr/>
+        </p:nvGrpSpPr>
+        <p:grpSpPr>
+          <a:xfrm>
+            <a:off x="4371889" y="1456113"/>
+            <a:ext cx="3973497" cy="1053407"/>
+            <a:chOff x="4917989" y="1354513"/>
+            <a:chExt cx="3973497" cy="1053407"/>
+          </a:xfrm>
+        </p:grpSpPr>
+        <p:grpSp>
+          <p:nvGrpSpPr>
+            <p:cNvPr id="30" name="Group 29">
+              <a:extLst>
+                <a:ext uri="{FF2B5EF4-FFF2-40B4-BE49-F238E27FC236}">
+                  <a16:creationId xmlns:a16="http://schemas.microsoft.com/office/drawing/2014/main" id="{2BBFF36A-D598-4DD0-8E09-770168354AAA}"/>
+                </a:ext>
+              </a:extLst>
+            </p:cNvPr>
+            <p:cNvGrpSpPr/>
+            <p:nvPr/>
+          </p:nvGrpSpPr>
+          <p:grpSpPr>
+            <a:xfrm>
+              <a:off x="4917989" y="1354513"/>
+              <a:ext cx="2503891" cy="1053407"/>
+              <a:chOff x="4917989" y="1354513"/>
+              <a:chExt cx="2503891" cy="1053407"/>
+            </a:xfrm>
+          </p:grpSpPr>
+          <p:grpSp>
+            <p:nvGrpSpPr>
+              <p:cNvPr id="7" name="Group 6">
+                <a:extLst>
+                  <a:ext uri="{FF2B5EF4-FFF2-40B4-BE49-F238E27FC236}">
+                    <a16:creationId xmlns:a16="http://schemas.microsoft.com/office/drawing/2014/main" id="{70524C3A-A77F-468B-9598-B3C7848395DC}"/>
+                  </a:ext>
+                </a:extLst>
+              </p:cNvPr>
+              <p:cNvGrpSpPr/>
+              <p:nvPr/>
+            </p:nvGrpSpPr>
+            <p:grpSpPr>
+              <a:xfrm>
+                <a:off x="4917989" y="1354513"/>
+                <a:ext cx="2503891" cy="1053407"/>
+                <a:chOff x="3352800" y="2979420"/>
+                <a:chExt cx="3970263" cy="1670323"/>
+              </a:xfrm>
+            </p:grpSpPr>
+            <p:sp>
+              <p:nvSpPr>
+                <p:cNvPr id="5" name="Callout: Right Arrow 4">
+                  <a:extLst>
+                    <a:ext uri="{FF2B5EF4-FFF2-40B4-BE49-F238E27FC236}">
+                      <a16:creationId xmlns:a16="http://schemas.microsoft.com/office/drawing/2014/main" id="{2B850AFE-A417-4A6C-B3F2-426421C036C4}"/>
+                    </a:ext>
+                  </a:extLst>
+                </p:cNvPr>
+                <p:cNvSpPr/>
+                <p:nvPr/>
+              </p:nvSpPr>
+              <p:spPr>
+                <a:xfrm>
+                  <a:off x="3352800" y="2979420"/>
+                  <a:ext cx="3970263" cy="1065719"/>
+                </a:xfrm>
+                <a:prstGeom prst="rightArrowCallout">
+                  <a:avLst/>
+                </a:prstGeom>
+                <a:solidFill>
+                  <a:schemeClr val="accent6"/>
+                </a:solidFill>
+                <a:ln>
+                  <a:noFill/>
+                </a:ln>
+              </p:spPr>
+              <p:style>
+                <a:lnRef idx="2">
+                  <a:schemeClr val="accent1">
+                    <a:shade val="50000"/>
+                  </a:schemeClr>
+                </a:lnRef>
+                <a:fillRef idx="1">
+                  <a:schemeClr val="accent1"/>
+                </a:fillRef>
+                <a:effectRef idx="0">
+                  <a:schemeClr val="accent1"/>
+                </a:effectRef>
+                <a:fontRef idx="minor">
+                  <a:schemeClr val="lt1"/>
+                </a:fontRef>
+              </p:style>
+              <p:txBody>
+                <a:bodyPr rtlCol="0" anchor="ctr"/>
+                <a:lstStyle/>
+                <a:p>
+                  <a:pPr algn="ctr"/>
+                  <a:endParaRPr lang="en-US" sz="1400" dirty="0"/>
+                </a:p>
+              </p:txBody>
+            </p:sp>
+            <p:sp>
+              <p:nvSpPr>
+                <p:cNvPr id="6" name="Callout: Down Arrow 5">
+                  <a:extLst>
+                    <a:ext uri="{FF2B5EF4-FFF2-40B4-BE49-F238E27FC236}">
+                      <a16:creationId xmlns:a16="http://schemas.microsoft.com/office/drawing/2014/main" id="{A5F81615-3D2A-48D8-A067-838F144CBD40}"/>
+                    </a:ext>
+                  </a:extLst>
+                </p:cNvPr>
+                <p:cNvSpPr/>
+                <p:nvPr/>
+              </p:nvSpPr>
+              <p:spPr>
+                <a:xfrm>
+                  <a:off x="3352800" y="2979420"/>
+                  <a:ext cx="2577573" cy="1670323"/>
+                </a:xfrm>
+                <a:prstGeom prst="downArrowCallout">
+                  <a:avLst>
+                    <a:gd name="adj1" fmla="val 17836"/>
+                    <a:gd name="adj2" fmla="val 17388"/>
+                    <a:gd name="adj3" fmla="val 13806"/>
+                    <a:gd name="adj4" fmla="val 64977"/>
+                  </a:avLst>
+                </a:prstGeom>
+              </p:spPr>
+              <p:style>
+                <a:lnRef idx="2">
+                  <a:schemeClr val="dk1"/>
+                </a:lnRef>
+                <a:fillRef idx="1">
+                  <a:schemeClr val="lt1"/>
+                </a:fillRef>
+                <a:effectRef idx="0">
+                  <a:schemeClr val="dk1"/>
+                </a:effectRef>
+                <a:fontRef idx="minor">
+                  <a:schemeClr val="dk1"/>
+                </a:fontRef>
+              </p:style>
+              <p:txBody>
+                <a:bodyPr rtlCol="0" anchor="ctr"/>
+                <a:lstStyle/>
+                <a:p>
+                  <a:pPr algn="ctr"/>
+                  <a:r>
+                    <a:rPr lang="de-AT" sz="1200" dirty="0"/>
+                    <a:t>Ist </a:t>
+                  </a:r>
+                  <a:r>
+                    <a:rPr lang="de-AT" sz="1200" i="1" dirty="0"/>
+                    <a:t>Client </a:t>
+                  </a:r>
+                  <a:r>
+                    <a:rPr lang="de-AT" sz="1200" dirty="0"/>
+                    <a:t>der </a:t>
+                  </a:r>
+                  <a:r>
+                    <a:rPr lang="de-AT" sz="1200" i="1" dirty="0" err="1"/>
+                    <a:t>Resource</a:t>
+                  </a:r>
+                  <a:r>
+                    <a:rPr lang="de-AT" sz="1200" dirty="0"/>
+                    <a:t> </a:t>
+                  </a:r>
+                  <a:r>
+                    <a:rPr lang="de-AT" sz="1200" i="1" dirty="0" err="1"/>
+                    <a:t>Owner</a:t>
+                  </a:r>
+                  <a:endParaRPr lang="en-US" sz="1200" dirty="0"/>
+                </a:p>
+              </p:txBody>
+            </p:sp>
+          </p:grpSp>
+          <p:sp>
+            <p:nvSpPr>
+              <p:cNvPr id="22" name="TextBox 21">
+                <a:extLst>
+                  <a:ext uri="{FF2B5EF4-FFF2-40B4-BE49-F238E27FC236}">
+                    <a16:creationId xmlns:a16="http://schemas.microsoft.com/office/drawing/2014/main" id="{66A4CCDF-0DC6-4954-9DFB-37FF552661C0}"/>
+                  </a:ext>
+                </a:extLst>
+              </p:cNvPr>
+              <p:cNvSpPr txBox="1"/>
+              <p:nvPr/>
+            </p:nvSpPr>
+            <p:spPr>
+              <a:xfrm>
+                <a:off x="6773028" y="1536677"/>
+                <a:ext cx="328936" cy="307777"/>
+              </a:xfrm>
+              <a:prstGeom prst="rect">
+                <a:avLst/>
+              </a:prstGeom>
+              <a:noFill/>
+            </p:spPr>
+            <p:txBody>
+              <a:bodyPr wrap="none" rtlCol="0">
+                <a:spAutoFit/>
+              </a:bodyPr>
+              <a:lstStyle/>
+              <a:p>
+                <a:r>
+                  <a:rPr lang="de-AT" sz="1400" dirty="0">
+                    <a:solidFill>
+                      <a:schemeClr val="bg1"/>
+                    </a:solidFill>
+                  </a:rPr>
+                  <a:t>Ja</a:t>
+                </a:r>
+                <a:endParaRPr lang="en-US" sz="1400" dirty="0">
+                  <a:solidFill>
+                    <a:schemeClr val="bg1"/>
+                  </a:solidFill>
+                </a:endParaRPr>
+              </a:p>
+            </p:txBody>
+          </p:sp>
+        </p:grpSp>
+        <p:sp>
+          <p:nvSpPr>
+            <p:cNvPr id="51" name="Rectangle 50">
+              <a:extLst>
+                <a:ext uri="{FF2B5EF4-FFF2-40B4-BE49-F238E27FC236}">
+                  <a16:creationId xmlns:a16="http://schemas.microsoft.com/office/drawing/2014/main" id="{84D355E1-A9B9-4EDF-B15D-BABF7FD9485E}"/>
+                </a:ext>
+              </a:extLst>
+            </p:cNvPr>
+            <p:cNvSpPr/>
+            <p:nvPr/>
+          </p:nvSpPr>
+          <p:spPr>
+            <a:xfrm>
+              <a:off x="7421880" y="1362183"/>
+              <a:ext cx="1469606" cy="718726"/>
+            </a:xfrm>
+            <a:prstGeom prst="rect">
+              <a:avLst/>
+            </a:prstGeom>
+            <a:solidFill>
+              <a:schemeClr val="accent6"/>
+            </a:solidFill>
+            <a:ln>
+              <a:noFill/>
+            </a:ln>
+          </p:spPr>
+          <p:style>
+            <a:lnRef idx="0">
+              <a:scrgbClr r="0" g="0" b="0"/>
+            </a:lnRef>
+            <a:fillRef idx="0">
+              <a:scrgbClr r="0" g="0" b="0"/>
+            </a:fillRef>
+            <a:effectRef idx="0">
+              <a:scrgbClr r="0" g="0" b="0"/>
+            </a:effectRef>
+            <a:fontRef idx="minor">
+              <a:schemeClr val="lt1"/>
+            </a:fontRef>
+          </p:style>
+          <p:txBody>
+            <a:bodyPr rtlCol="0" anchor="ctr"/>
+            <a:lstStyle/>
+            <a:p>
+              <a:pPr algn="ctr"/>
+              <a:r>
+                <a:rPr lang="de-AT" sz="1400" i="1" dirty="0"/>
+                <a:t>Client </a:t>
+              </a:r>
+              <a:r>
+                <a:rPr lang="de-AT" sz="1400" i="1" dirty="0" err="1"/>
+                <a:t>Credentials</a:t>
+              </a:r>
+              <a:endParaRPr lang="en-US" sz="1400" i="1" dirty="0"/>
+            </a:p>
+          </p:txBody>
+        </p:sp>
+      </p:grpSp>
+      <p:sp>
+        <p:nvSpPr>
+          <p:cNvPr id="53" name="Rectangle 52">
+            <a:extLst>
+              <a:ext uri="{FF2B5EF4-FFF2-40B4-BE49-F238E27FC236}">
+                <a16:creationId xmlns:a16="http://schemas.microsoft.com/office/drawing/2014/main" id="{78FE0A1C-5CA8-46C8-9CDA-2310E829786C}"/>
+              </a:ext>
+            </a:extLst>
+          </p:cNvPr>
+          <p:cNvSpPr/>
+          <p:nvPr/>
+        </p:nvSpPr>
+        <p:spPr>
+          <a:xfrm>
+            <a:off x="6847054" y="5942157"/>
+            <a:ext cx="1506857" cy="666292"/>
+          </a:xfrm>
+          <a:prstGeom prst="rect">
+            <a:avLst/>
+          </a:prstGeom>
+          <a:solidFill>
+            <a:schemeClr val="accent6"/>
+          </a:solidFill>
+          <a:ln>
+            <a:noFill/>
+          </a:ln>
+        </p:spPr>
+        <p:style>
+          <a:lnRef idx="0">
+            <a:scrgbClr r="0" g="0" b="0"/>
+          </a:lnRef>
+          <a:fillRef idx="0">
+            <a:scrgbClr r="0" g="0" b="0"/>
+          </a:fillRef>
+          <a:effectRef idx="0">
+            <a:scrgbClr r="0" g="0" b="0"/>
+          </a:effectRef>
+          <a:fontRef idx="minor">
+            <a:schemeClr val="lt1"/>
+          </a:fontRef>
+        </p:style>
+        <p:txBody>
+          <a:bodyPr rtlCol="0" anchor="ctr"/>
+          <a:lstStyle/>
+          <a:p>
+            <a:pPr algn="ctr"/>
+            <a:r>
+              <a:rPr lang="de-AT" sz="1400" i="1" dirty="0" err="1"/>
+              <a:t>Authorization</a:t>
+            </a:r>
+            <a:r>
+              <a:rPr lang="de-AT" sz="1400" i="1" dirty="0"/>
+              <a:t> Code (PKCE)</a:t>
+            </a:r>
+            <a:endParaRPr lang="en-US" sz="1400" i="1" dirty="0"/>
           </a:p>
         </p:txBody>
       </p:sp>
       <p:sp>
         <p:nvSpPr>
-          <p:cNvPr id="42" name="TextBox 41">
+          <p:cNvPr id="54" name="Rectangle 53">
             <a:extLst>
               <a:ext uri="{FF2B5EF4-FFF2-40B4-BE49-F238E27FC236}">
-                <a16:creationId xmlns:a16="http://schemas.microsoft.com/office/drawing/2014/main" id="{62950E09-E5A3-45B3-B072-9C38C5F6F94A}"/>
+                <a16:creationId xmlns:a16="http://schemas.microsoft.com/office/drawing/2014/main" id="{1A422EDF-D988-429B-A2A9-39C093C3C124}"/>
+              </a:ext>
+            </a:extLst>
+          </p:cNvPr>
+          <p:cNvSpPr/>
+          <p:nvPr/>
+        </p:nvSpPr>
+        <p:spPr>
+          <a:xfrm>
+            <a:off x="6884306" y="4810339"/>
+            <a:ext cx="1469606" cy="718726"/>
+          </a:xfrm>
+          <a:prstGeom prst="rect">
+            <a:avLst/>
+          </a:prstGeom>
+          <a:solidFill>
+            <a:schemeClr val="accent6"/>
+          </a:solidFill>
+          <a:ln>
+            <a:noFill/>
+          </a:ln>
+        </p:spPr>
+        <p:style>
+          <a:lnRef idx="0">
+            <a:scrgbClr r="0" g="0" b="0"/>
+          </a:lnRef>
+          <a:fillRef idx="0">
+            <a:scrgbClr r="0" g="0" b="0"/>
+          </a:fillRef>
+          <a:effectRef idx="0">
+            <a:scrgbClr r="0" g="0" b="0"/>
+          </a:effectRef>
+          <a:fontRef idx="minor">
+            <a:schemeClr val="lt1"/>
+          </a:fontRef>
+        </p:style>
+        <p:txBody>
+          <a:bodyPr rtlCol="0" anchor="ctr"/>
+          <a:lstStyle/>
+          <a:p>
+            <a:pPr algn="ctr"/>
+            <a:r>
+              <a:rPr lang="de-AT" sz="1400" i="1" dirty="0" err="1"/>
+              <a:t>Authorization</a:t>
+            </a:r>
+            <a:r>
+              <a:rPr lang="de-AT" sz="1400" i="1" dirty="0"/>
+              <a:t> Code</a:t>
+            </a:r>
+            <a:endParaRPr lang="en-US" sz="1400" i="1" dirty="0"/>
+          </a:p>
+        </p:txBody>
+      </p:sp>
+      <p:sp>
+        <p:nvSpPr>
+          <p:cNvPr id="55" name="Rectangle 54">
+            <a:extLst>
+              <a:ext uri="{FF2B5EF4-FFF2-40B4-BE49-F238E27FC236}">
+                <a16:creationId xmlns:a16="http://schemas.microsoft.com/office/drawing/2014/main" id="{01DF5194-C4D3-4469-B872-26E65546888B}"/>
+              </a:ext>
+            </a:extLst>
+          </p:cNvPr>
+          <p:cNvSpPr/>
+          <p:nvPr/>
+        </p:nvSpPr>
+        <p:spPr>
+          <a:xfrm>
+            <a:off x="6847770" y="3678521"/>
+            <a:ext cx="1469606" cy="718726"/>
+          </a:xfrm>
+          <a:prstGeom prst="rect">
+            <a:avLst/>
+          </a:prstGeom>
+          <a:solidFill>
+            <a:schemeClr val="accent6"/>
+          </a:solidFill>
+          <a:ln>
+            <a:noFill/>
+          </a:ln>
+        </p:spPr>
+        <p:style>
+          <a:lnRef idx="0">
+            <a:scrgbClr r="0" g="0" b="0"/>
+          </a:lnRef>
+          <a:fillRef idx="0">
+            <a:scrgbClr r="0" g="0" b="0"/>
+          </a:fillRef>
+          <a:effectRef idx="0">
+            <a:scrgbClr r="0" g="0" b="0"/>
+          </a:effectRef>
+          <a:fontRef idx="minor">
+            <a:schemeClr val="lt1"/>
+          </a:fontRef>
+        </p:style>
+        <p:txBody>
+          <a:bodyPr rtlCol="0" anchor="ctr"/>
+          <a:lstStyle/>
+          <a:p>
+            <a:pPr algn="ctr"/>
+            <a:r>
+              <a:rPr lang="de-AT" sz="1400" i="1" dirty="0" err="1"/>
+              <a:t>Resource</a:t>
+            </a:r>
+            <a:r>
+              <a:rPr lang="de-AT" sz="1400" i="1" dirty="0"/>
+              <a:t> </a:t>
+            </a:r>
+            <a:r>
+              <a:rPr lang="de-AT" sz="1400" i="1" dirty="0" err="1"/>
+              <a:t>Owner</a:t>
+            </a:r>
+            <a:r>
+              <a:rPr lang="de-AT" sz="1400" i="1" dirty="0"/>
+              <a:t> Password</a:t>
+            </a:r>
+            <a:endParaRPr lang="en-US" sz="1400" i="1" dirty="0"/>
+          </a:p>
+        </p:txBody>
+      </p:sp>
+      <p:sp>
+        <p:nvSpPr>
+          <p:cNvPr id="38" name="Callout: Down Arrow 37">
+            <a:extLst>
+              <a:ext uri="{FF2B5EF4-FFF2-40B4-BE49-F238E27FC236}">
+                <a16:creationId xmlns:a16="http://schemas.microsoft.com/office/drawing/2014/main" id="{40E5A80C-05A2-4302-A970-562EEFF48348}"/>
+              </a:ext>
+            </a:extLst>
+          </p:cNvPr>
+          <p:cNvSpPr/>
+          <p:nvPr/>
+        </p:nvSpPr>
+        <p:spPr>
+          <a:xfrm>
+            <a:off x="4371889" y="2533280"/>
+            <a:ext cx="1625575" cy="1142100"/>
+          </a:xfrm>
+          <a:prstGeom prst="downArrowCallout">
+            <a:avLst>
+              <a:gd name="adj1" fmla="val 17836"/>
+              <a:gd name="adj2" fmla="val 17388"/>
+              <a:gd name="adj3" fmla="val 13806"/>
+              <a:gd name="adj4" fmla="val 64977"/>
+            </a:avLst>
+          </a:prstGeom>
+        </p:spPr>
+        <p:style>
+          <a:lnRef idx="2">
+            <a:schemeClr val="dk1"/>
+          </a:lnRef>
+          <a:fillRef idx="1">
+            <a:schemeClr val="lt1"/>
+          </a:fillRef>
+          <a:effectRef idx="0">
+            <a:schemeClr val="dk1"/>
+          </a:effectRef>
+          <a:fontRef idx="minor">
+            <a:schemeClr val="dk1"/>
+          </a:fontRef>
+        </p:style>
+        <p:txBody>
+          <a:bodyPr rtlCol="0" anchor="ctr"/>
+          <a:lstStyle/>
+          <a:p>
+            <a:pPr algn="ctr"/>
+            <a:r>
+              <a:rPr lang="de-AT" sz="1200" dirty="0"/>
+              <a:t>Ist der </a:t>
+            </a:r>
+            <a:r>
+              <a:rPr lang="de-AT" sz="1200" i="1" dirty="0"/>
+              <a:t>Client</a:t>
+            </a:r>
+            <a:r>
+              <a:rPr lang="sk-SK" sz="1200" i="1" dirty="0"/>
+              <a:t> </a:t>
+            </a:r>
+            <a:r>
+              <a:rPr lang="sk-SK" sz="1200" dirty="0" err="1"/>
+              <a:t>browserless</a:t>
+            </a:r>
+            <a:r>
+              <a:rPr lang="sk-SK" sz="1200" dirty="0"/>
+              <a:t> </a:t>
+            </a:r>
+            <a:r>
+              <a:rPr lang="de-AT" sz="1200" dirty="0"/>
+              <a:t>oder mit eingeschränkten Eingabemöglichkeiten</a:t>
+            </a:r>
+            <a:endParaRPr lang="en-US" sz="1200" dirty="0"/>
+          </a:p>
+        </p:txBody>
+      </p:sp>
+      <p:sp>
+        <p:nvSpPr>
+          <p:cNvPr id="40" name="TextBox 39">
+            <a:extLst>
+              <a:ext uri="{FF2B5EF4-FFF2-40B4-BE49-F238E27FC236}">
+                <a16:creationId xmlns:a16="http://schemas.microsoft.com/office/drawing/2014/main" id="{98822774-6A51-4192-BDAD-127B8B96DC07}"/>
               </a:ext>
             </a:extLst>
           </p:cNvPr>
@@ -34905,8 +37446,8 @@
         </p:nvSpPr>
         <p:spPr>
           <a:xfrm>
-            <a:off x="6861143" y="5952456"/>
-            <a:ext cx="525144" cy="369332"/>
+            <a:off x="6186314" y="2735609"/>
+            <a:ext cx="242587" cy="226982"/>
           </a:xfrm>
           <a:prstGeom prst="rect">
             <a:avLst/>
@@ -34920,14 +37461,156 @@
           <a:lstStyle/>
           <a:p>
             <a:r>
-              <a:rPr lang="de-AT" dirty="0">
+              <a:rPr lang="de-AT" sz="1400" dirty="0">
+                <a:solidFill>
+                  <a:schemeClr val="bg1"/>
+                </a:solidFill>
+              </a:rPr>
+              <a:t>Ja</a:t>
+            </a:r>
+            <a:endParaRPr lang="en-US" sz="1400" dirty="0">
+              <a:solidFill>
+                <a:schemeClr val="bg1"/>
+              </a:solidFill>
+            </a:endParaRPr>
+          </a:p>
+        </p:txBody>
+      </p:sp>
+      <p:sp>
+        <p:nvSpPr>
+          <p:cNvPr id="41" name="Rectangle 40">
+            <a:extLst>
+              <a:ext uri="{FF2B5EF4-FFF2-40B4-BE49-F238E27FC236}">
+                <a16:creationId xmlns:a16="http://schemas.microsoft.com/office/drawing/2014/main" id="{9FD21026-BF8A-45C0-BD2A-C98990640813}"/>
+              </a:ext>
+            </a:extLst>
+          </p:cNvPr>
+          <p:cNvSpPr/>
+          <p:nvPr/>
+        </p:nvSpPr>
+        <p:spPr>
+          <a:xfrm>
+            <a:off x="6847771" y="2563247"/>
+            <a:ext cx="1469606" cy="718726"/>
+          </a:xfrm>
+          <a:prstGeom prst="rect">
+            <a:avLst/>
+          </a:prstGeom>
+          <a:solidFill>
+            <a:schemeClr val="accent6"/>
+          </a:solidFill>
+          <a:ln>
+            <a:noFill/>
+          </a:ln>
+        </p:spPr>
+        <p:style>
+          <a:lnRef idx="0">
+            <a:scrgbClr r="0" g="0" b="0"/>
+          </a:lnRef>
+          <a:fillRef idx="0">
+            <a:scrgbClr r="0" g="0" b="0"/>
+          </a:fillRef>
+          <a:effectRef idx="0">
+            <a:scrgbClr r="0" g="0" b="0"/>
+          </a:effectRef>
+          <a:fontRef idx="minor">
+            <a:schemeClr val="lt1"/>
+          </a:fontRef>
+        </p:style>
+        <p:txBody>
+          <a:bodyPr rtlCol="0" anchor="ctr"/>
+          <a:lstStyle/>
+          <a:p>
+            <a:pPr algn="ctr"/>
+            <a:r>
+              <a:rPr lang="de-AT" sz="1400" i="1" dirty="0"/>
+              <a:t>Device Flow</a:t>
+            </a:r>
+            <a:endParaRPr lang="en-US" sz="1400" i="1" dirty="0"/>
+          </a:p>
+        </p:txBody>
+      </p:sp>
+      <p:sp>
+        <p:nvSpPr>
+          <p:cNvPr id="60" name="TextBox 59">
+            <a:extLst>
+              <a:ext uri="{FF2B5EF4-FFF2-40B4-BE49-F238E27FC236}">
+                <a16:creationId xmlns:a16="http://schemas.microsoft.com/office/drawing/2014/main" id="{BAC6D6AC-DAF4-4DF5-8AE8-4CA7F2C0070B}"/>
+              </a:ext>
+            </a:extLst>
+          </p:cNvPr>
+          <p:cNvSpPr txBox="1"/>
+          <p:nvPr/>
+        </p:nvSpPr>
+        <p:spPr>
+          <a:xfrm>
+            <a:off x="6157292" y="6268967"/>
+            <a:ext cx="450380" cy="307777"/>
+          </a:xfrm>
+          <a:prstGeom prst="rect">
+            <a:avLst/>
+          </a:prstGeom>
+          <a:noFill/>
+        </p:spPr>
+        <p:txBody>
+          <a:bodyPr wrap="none" rtlCol="0">
+            <a:spAutoFit/>
+          </a:bodyPr>
+          <a:lstStyle/>
+          <a:p>
+            <a:r>
+              <a:rPr lang="de-AT" sz="1400" dirty="0">
                 <a:solidFill>
                   <a:schemeClr val="bg1"/>
                 </a:solidFill>
               </a:rPr>
               <a:t>SPA</a:t>
             </a:r>
-            <a:endParaRPr lang="en-US" dirty="0">
+            <a:endParaRPr lang="en-US" sz="1400" dirty="0">
+              <a:solidFill>
+                <a:schemeClr val="bg1"/>
+              </a:solidFill>
+            </a:endParaRPr>
+          </a:p>
+        </p:txBody>
+      </p:sp>
+      <p:sp>
+        <p:nvSpPr>
+          <p:cNvPr id="62" name="TextBox 61">
+            <a:extLst>
+              <a:ext uri="{FF2B5EF4-FFF2-40B4-BE49-F238E27FC236}">
+                <a16:creationId xmlns:a16="http://schemas.microsoft.com/office/drawing/2014/main" id="{D274F15C-038C-4D73-9524-DC47FE41E5B6}"/>
+              </a:ext>
+            </a:extLst>
+          </p:cNvPr>
+          <p:cNvSpPr txBox="1"/>
+          <p:nvPr/>
+        </p:nvSpPr>
+        <p:spPr>
+          <a:xfrm>
+            <a:off x="6070004" y="6007328"/>
+            <a:ext cx="657359" cy="307777"/>
+          </a:xfrm>
+          <a:prstGeom prst="rect">
+            <a:avLst/>
+          </a:prstGeom>
+          <a:noFill/>
+        </p:spPr>
+        <p:txBody>
+          <a:bodyPr wrap="none" rtlCol="0">
+            <a:spAutoFit/>
+          </a:bodyPr>
+          <a:lstStyle/>
+          <a:p>
+            <a:r>
+              <a:rPr lang="de-AT" sz="1400" dirty="0">
+                <a:solidFill>
+                  <a:schemeClr val="bg1"/>
+                </a:solidFill>
+              </a:rPr>
+              <a:t>Native</a:t>
+            </a:r>
+            <a:endParaRPr lang="en-US" sz="1400" dirty="0">
               <a:solidFill>
                 <a:schemeClr val="bg1"/>
               </a:solidFill>
@@ -34938,7 +37621,7 @@
     </p:spTree>
     <p:extLst>
       <p:ext uri="{BB962C8B-B14F-4D97-AF65-F5344CB8AC3E}">
-        <p14:creationId xmlns:p14="http://schemas.microsoft.com/office/powerpoint/2010/main" val="1812590846"/>
+        <p14:creationId xmlns:p14="http://schemas.microsoft.com/office/powerpoint/2010/main" val="1380728821"/>
       </p:ext>
     </p:extLst>
   </p:cSld>
@@ -34948,94 +37631,7 @@
 </p:sld>
 </file>
 
-<file path=ppt/slides/slide4.xml><?xml version="1.0" encoding="utf-8"?>
-<p:sld xmlns:a="http://schemas.openxmlformats.org/drawingml/2006/main" xmlns:r="http://schemas.openxmlformats.org/officeDocument/2006/relationships" xmlns:p="http://schemas.openxmlformats.org/presentationml/2006/main">
-  <p:cSld>
-    <p:spTree>
-      <p:nvGrpSpPr>
-        <p:cNvPr id="1" name=""/>
-        <p:cNvGrpSpPr/>
-        <p:nvPr/>
-      </p:nvGrpSpPr>
-      <p:grpSpPr>
-        <a:xfrm>
-          <a:off x="0" y="0"/>
-          <a:ext cx="0" cy="0"/>
-          <a:chOff x="0" y="0"/>
-          <a:chExt cx="0" cy="0"/>
-        </a:xfrm>
-      </p:grpSpPr>
-      <p:graphicFrame>
-        <p:nvGraphicFramePr>
-          <p:cNvPr id="5" name="Diagram 4">
-            <a:extLst>
-              <a:ext uri="{FF2B5EF4-FFF2-40B4-BE49-F238E27FC236}">
-                <a16:creationId xmlns:a16="http://schemas.microsoft.com/office/drawing/2014/main" id="{9E369BEC-59AA-4582-92B9-5CF2F9BFAFA1}"/>
-              </a:ext>
-            </a:extLst>
-          </p:cNvPr>
-          <p:cNvGraphicFramePr/>
-          <p:nvPr>
-            <p:extLst>
-              <p:ext uri="{D42A27DB-BD31-4B8C-83A1-F6EECF244321}">
-                <p14:modId xmlns:p14="http://schemas.microsoft.com/office/powerpoint/2010/main" val="2641184598"/>
-              </p:ext>
-            </p:extLst>
-          </p:nvPr>
-        </p:nvGraphicFramePr>
-        <p:xfrm>
-          <a:off x="81280" y="-537985"/>
-          <a:ext cx="12015893" cy="7785452"/>
-        </p:xfrm>
-        <a:graphic>
-          <a:graphicData uri="http://schemas.openxmlformats.org/drawingml/2006/diagram">
-            <dgm:relIds xmlns:dgm="http://schemas.openxmlformats.org/drawingml/2006/diagram" xmlns:r="http://schemas.openxmlformats.org/officeDocument/2006/relationships" r:dm="rId3" r:lo="rId4" r:qs="rId5" r:cs="rId6"/>
-          </a:graphicData>
-        </a:graphic>
-      </p:graphicFrame>
-      <p:sp>
-        <p:nvSpPr>
-          <p:cNvPr id="2" name="Title 1">
-            <a:extLst>
-              <a:ext uri="{FF2B5EF4-FFF2-40B4-BE49-F238E27FC236}">
-                <a16:creationId xmlns:a16="http://schemas.microsoft.com/office/drawing/2014/main" id="{8FD8EA44-8851-43CE-A947-4D15E970AE54}"/>
-              </a:ext>
-            </a:extLst>
-          </p:cNvPr>
-          <p:cNvSpPr>
-            <a:spLocks noGrp="1"/>
-          </p:cNvSpPr>
-          <p:nvPr>
-            <p:ph type="title"/>
-          </p:nvPr>
-        </p:nvSpPr>
-        <p:spPr/>
-        <p:txBody>
-          <a:bodyPr/>
-          <a:lstStyle/>
-          <a:p>
-            <a:r>
-              <a:rPr lang="de-AT" dirty="0"/>
-              <a:t>Historie</a:t>
-            </a:r>
-            <a:endParaRPr lang="en-US" dirty="0"/>
-          </a:p>
-        </p:txBody>
-      </p:sp>
-    </p:spTree>
-    <p:extLst>
-      <p:ext uri="{BB962C8B-B14F-4D97-AF65-F5344CB8AC3E}">
-        <p14:creationId xmlns:p14="http://schemas.microsoft.com/office/powerpoint/2010/main" val="2658804329"/>
-      </p:ext>
-    </p:extLst>
-  </p:cSld>
-  <p:clrMapOvr>
-    <a:masterClrMapping/>
-  </p:clrMapOvr>
-</p:sld>
-</file>
-
-<file path=ppt/slides/slide40.xml><?xml version="1.0" encoding="utf-8"?>
+<file path=ppt/slides/slide42.xml><?xml version="1.0" encoding="utf-8"?>
 <p:sld xmlns:a="http://schemas.openxmlformats.org/drawingml/2006/main" xmlns:r="http://schemas.openxmlformats.org/officeDocument/2006/relationships" xmlns:p="http://schemas.openxmlformats.org/presentationml/2006/main">
   <p:cSld>
     <p:spTree>
@@ -36880,7 +39476,7 @@
 </p:sld>
 </file>
 
-<file path=ppt/slides/slide41.xml><?xml version="1.0" encoding="utf-8"?>
+<file path=ppt/slides/slide43.xml><?xml version="1.0" encoding="utf-8"?>
 <p:sld xmlns:a="http://schemas.openxmlformats.org/drawingml/2006/main" xmlns:r="http://schemas.openxmlformats.org/officeDocument/2006/relationships" xmlns:p="http://schemas.openxmlformats.org/presentationml/2006/main">
   <p:cSld>
     <p:spTree>
@@ -37314,7 +39910,7 @@
 </p:sld>
 </file>
 
-<file path=ppt/slides/slide42.xml><?xml version="1.0" encoding="utf-8"?>
+<file path=ppt/slides/slide44.xml><?xml version="1.0" encoding="utf-8"?>
 <p:sld xmlns:a="http://schemas.openxmlformats.org/drawingml/2006/main" xmlns:r="http://schemas.openxmlformats.org/officeDocument/2006/relationships" xmlns:p="http://schemas.openxmlformats.org/presentationml/2006/main">
   <p:cSld>
     <p:spTree>
@@ -37375,14 +39971,14 @@
           <p:nvPr>
             <p:extLst>
               <p:ext uri="{D42A27DB-BD31-4B8C-83A1-F6EECF244321}">
-                <p14:modId xmlns:p14="http://schemas.microsoft.com/office/powerpoint/2010/main" val="2416532710"/>
+                <p14:modId xmlns:p14="http://schemas.microsoft.com/office/powerpoint/2010/main" val="463507651"/>
               </p:ext>
             </p:extLst>
           </p:nvPr>
         </p:nvGraphicFramePr>
         <p:xfrm>
-          <a:off x="838200" y="1526129"/>
-          <a:ext cx="10440000" cy="4963982"/>
+          <a:off x="838200" y="1350869"/>
+          <a:ext cx="10440003" cy="5414284"/>
         </p:xfrm>
         <a:graphic>
           <a:graphicData uri="http://schemas.openxmlformats.org/drawingml/2006/table">
@@ -37391,45 +39987,52 @@
                 <a:tableStyleId>{5940675A-B579-460E-94D1-54222C63F5DA}</a:tableStyleId>
               </a:tblPr>
               <a:tblGrid>
-                <a:gridCol w="1740000">
+                <a:gridCol w="1491429">
                   <a:extLst>
                     <a:ext uri="{9D8B030D-6E8A-4147-A177-3AD203B41FA5}">
                       <a16:colId xmlns:a16="http://schemas.microsoft.com/office/drawing/2014/main" val="1929636500"/>
                     </a:ext>
                   </a:extLst>
                 </a:gridCol>
-                <a:gridCol w="1740000">
+                <a:gridCol w="1491429">
                   <a:extLst>
                     <a:ext uri="{9D8B030D-6E8A-4147-A177-3AD203B41FA5}">
                       <a16:colId xmlns:a16="http://schemas.microsoft.com/office/drawing/2014/main" val="395898648"/>
                     </a:ext>
                   </a:extLst>
                 </a:gridCol>
-                <a:gridCol w="1740000">
+                <a:gridCol w="1491429">
                   <a:extLst>
                     <a:ext uri="{9D8B030D-6E8A-4147-A177-3AD203B41FA5}">
                       <a16:colId xmlns:a16="http://schemas.microsoft.com/office/drawing/2014/main" val="1690800767"/>
                     </a:ext>
                   </a:extLst>
                 </a:gridCol>
-                <a:gridCol w="1740000">
+                <a:gridCol w="1491429">
                   <a:extLst>
                     <a:ext uri="{9D8B030D-6E8A-4147-A177-3AD203B41FA5}">
                       <a16:colId xmlns:a16="http://schemas.microsoft.com/office/drawing/2014/main" val="3240070001"/>
                     </a:ext>
                   </a:extLst>
                 </a:gridCol>
-                <a:gridCol w="1740000">
+                <a:gridCol w="1491429">
                   <a:extLst>
                     <a:ext uri="{9D8B030D-6E8A-4147-A177-3AD203B41FA5}">
                       <a16:colId xmlns:a16="http://schemas.microsoft.com/office/drawing/2014/main" val="116783287"/>
                     </a:ext>
                   </a:extLst>
                 </a:gridCol>
-                <a:gridCol w="1740000">
+                <a:gridCol w="1491429">
                   <a:extLst>
                     <a:ext uri="{9D8B030D-6E8A-4147-A177-3AD203B41FA5}">
                       <a16:colId xmlns:a16="http://schemas.microsoft.com/office/drawing/2014/main" val="492657174"/>
+                    </a:ext>
+                  </a:extLst>
+                </a:gridCol>
+                <a:gridCol w="1491429">
+                  <a:extLst>
+                    <a:ext uri="{9D8B030D-6E8A-4147-A177-3AD203B41FA5}">
+                      <a16:colId xmlns:a16="http://schemas.microsoft.com/office/drawing/2014/main" val="847277139"/>
                     </a:ext>
                   </a:extLst>
                 </a:gridCol>
@@ -37645,6 +40248,33 @@
                     </a:solidFill>
                   </a:tcPr>
                 </a:tc>
+                <a:tc>
+                  <a:txBody>
+                    <a:bodyPr/>
+                    <a:lstStyle/>
+                    <a:p>
+                      <a:pPr algn="ctr"/>
+                      <a:r>
+                        <a:rPr lang="de-AT" dirty="0">
+                          <a:solidFill>
+                            <a:schemeClr val="bg1"/>
+                          </a:solidFill>
+                        </a:rPr>
+                        <a:t>Device Flow</a:t>
+                      </a:r>
+                      <a:endParaRPr lang="en-US" dirty="0">
+                        <a:solidFill>
+                          <a:schemeClr val="bg1"/>
+                        </a:solidFill>
+                      </a:endParaRPr>
+                    </a:p>
+                  </a:txBody>
+                  <a:tcPr anchor="ctr">
+                    <a:solidFill>
+                      <a:schemeClr val="tx1"/>
+                    </a:solidFill>
+                  </a:tcPr>
+                </a:tc>
                 <a:extLst>
                   <a:ext uri="{0D108BD9-81ED-4DB2-BD59-A6C34878D82A}">
                     <a16:rowId xmlns:a16="http://schemas.microsoft.com/office/drawing/2014/main" val="1928875511"/>
@@ -37724,6 +40354,17 @@
                         <a:rPr lang="de-AT" dirty="0"/>
                         <a:t>X</a:t>
                       </a:r>
+                      <a:endParaRPr lang="en-US" dirty="0"/>
+                    </a:p>
+                  </a:txBody>
+                  <a:tcPr anchor="ctr"/>
+                </a:tc>
+                <a:tc>
+                  <a:txBody>
+                    <a:bodyPr/>
+                    <a:lstStyle/>
+                    <a:p>
+                      <a:pPr algn="ctr"/>
                       <a:endParaRPr lang="en-US" dirty="0"/>
                     </a:p>
                   </a:txBody>
@@ -37855,6 +40496,21 @@
                   </a:txBody>
                   <a:tcPr anchor="ctr"/>
                 </a:tc>
+                <a:tc>
+                  <a:txBody>
+                    <a:bodyPr/>
+                    <a:lstStyle/>
+                    <a:p>
+                      <a:pPr algn="ctr"/>
+                      <a:r>
+                        <a:rPr lang="de-AT" dirty="0"/>
+                        <a:t>X</a:t>
+                      </a:r>
+                      <a:endParaRPr lang="en-US" dirty="0"/>
+                    </a:p>
+                  </a:txBody>
+                  <a:tcPr anchor="ctr"/>
+                </a:tc>
                 <a:extLst>
                   <a:ext uri="{0D108BD9-81ED-4DB2-BD59-A6C34878D82A}">
                     <a16:rowId xmlns:a16="http://schemas.microsoft.com/office/drawing/2014/main" val="685321953"/>
@@ -37957,6 +40613,17 @@
                         <a:rPr lang="de-AT" dirty="0"/>
                         <a:t>X</a:t>
                       </a:r>
+                      <a:endParaRPr lang="en-US" dirty="0"/>
+                    </a:p>
+                  </a:txBody>
+                  <a:tcPr anchor="ctr"/>
+                </a:tc>
+                <a:tc>
+                  <a:txBody>
+                    <a:bodyPr/>
+                    <a:lstStyle/>
+                    <a:p>
+                      <a:pPr algn="ctr"/>
                       <a:endParaRPr lang="en-US" dirty="0"/>
                     </a:p>
                   </a:txBody>
@@ -38076,6 +40743,20 @@
                   </a:txBody>
                   <a:tcPr anchor="ctr"/>
                 </a:tc>
+                <a:tc>
+                  <a:txBody>
+                    <a:bodyPr/>
+                    <a:lstStyle/>
+                    <a:p>
+                      <a:pPr algn="ctr"/>
+                      <a:r>
+                        <a:rPr lang="de-AT" dirty="0"/>
+                        <a:t>X</a:t>
+                      </a:r>
+                    </a:p>
+                  </a:txBody>
+                  <a:tcPr anchor="ctr"/>
+                </a:tc>
                 <a:extLst>
                   <a:ext uri="{0D108BD9-81ED-4DB2-BD59-A6C34878D82A}">
                     <a16:rowId xmlns:a16="http://schemas.microsoft.com/office/drawing/2014/main" val="1447987830"/>
@@ -38107,7 +40788,7 @@
                       </a:pPr>
                       <a:r>
                         <a:rPr lang="de-AT" i="0" dirty="0"/>
-                        <a:t>Ein </a:t>
+                        <a:t>Token via ein  </a:t>
                       </a:r>
                       <a:r>
                         <a:rPr lang="de-AT" i="0" dirty="0" err="1"/>
@@ -38190,6 +40871,17 @@
                   </a:txBody>
                   <a:tcPr anchor="ctr"/>
                 </a:tc>
+                <a:tc>
+                  <a:txBody>
+                    <a:bodyPr/>
+                    <a:lstStyle/>
+                    <a:p>
+                      <a:pPr algn="ctr"/>
+                      <a:endParaRPr lang="de-AT" dirty="0"/>
+                    </a:p>
+                  </a:txBody>
+                  <a:tcPr anchor="ctr"/>
+                </a:tc>
                 <a:extLst>
                   <a:ext uri="{0D108BD9-81ED-4DB2-BD59-A6C34878D82A}">
                     <a16:rowId xmlns:a16="http://schemas.microsoft.com/office/drawing/2014/main" val="757970485"/>
@@ -38213,7 +40905,7 @@
 </p:sld>
 </file>
 
-<file path=ppt/slides/slide43.xml><?xml version="1.0" encoding="utf-8"?>
+<file path=ppt/slides/slide45.xml><?xml version="1.0" encoding="utf-8"?>
 <p:sld xmlns:a="http://schemas.openxmlformats.org/drawingml/2006/main" xmlns:r="http://schemas.openxmlformats.org/officeDocument/2006/relationships" xmlns:p="http://schemas.openxmlformats.org/presentationml/2006/main">
   <p:cSld>
     <p:spTree>
@@ -38288,14 +40980,14 @@
           <p:nvPr>
             <p:extLst>
               <p:ext uri="{D42A27DB-BD31-4B8C-83A1-F6EECF244321}">
-                <p14:modId xmlns:p14="http://schemas.microsoft.com/office/powerpoint/2010/main" val="3630336877"/>
+                <p14:modId xmlns:p14="http://schemas.microsoft.com/office/powerpoint/2010/main" val="201966135"/>
               </p:ext>
             </p:extLst>
           </p:nvPr>
         </p:nvGraphicFramePr>
         <p:xfrm>
-          <a:off x="3431188" y="1485549"/>
-          <a:ext cx="5329624" cy="4961218"/>
+          <a:off x="3897834" y="1690688"/>
+          <a:ext cx="4396332" cy="4710784"/>
         </p:xfrm>
         <a:graphic>
           <a:graphicData uri="http://schemas.openxmlformats.org/drawingml/2006/table">
@@ -38304,14 +40996,14 @@
                 <a:tableStyleId>{5940675A-B579-460E-94D1-54222C63F5DA}</a:tableStyleId>
               </a:tblPr>
               <a:tblGrid>
-                <a:gridCol w="2664812">
+                <a:gridCol w="2198166">
                   <a:extLst>
                     <a:ext uri="{9D8B030D-6E8A-4147-A177-3AD203B41FA5}">
                       <a16:colId xmlns:a16="http://schemas.microsoft.com/office/drawing/2014/main" val="1929636500"/>
                     </a:ext>
                   </a:extLst>
                 </a:gridCol>
-                <a:gridCol w="2664812">
+                <a:gridCol w="2198166">
                   <a:extLst>
                     <a:ext uri="{9D8B030D-6E8A-4147-A177-3AD203B41FA5}">
                       <a16:colId xmlns:a16="http://schemas.microsoft.com/office/drawing/2014/main" val="395898648"/>
@@ -38319,21 +41011,21 @@
                   </a:extLst>
                 </a:gridCol>
               </a:tblGrid>
-              <a:tr h="741182">
+              <a:tr h="611391">
                 <a:tc>
                   <a:txBody>
                     <a:bodyPr/>
                     <a:lstStyle/>
                     <a:p>
                       <a:pPr algn="ctr"/>
-                      <a:endParaRPr lang="en-US" dirty="0">
+                      <a:endParaRPr lang="en-US" sz="1500" dirty="0">
                         <a:solidFill>
                           <a:schemeClr val="bg1"/>
                         </a:solidFill>
                       </a:endParaRPr>
                     </a:p>
                   </a:txBody>
-                  <a:tcPr anchor="ctr">
+                  <a:tcPr marL="75428" marR="75428" marT="37714" marB="37714" anchor="ctr">
                     <a:solidFill>
                       <a:schemeClr val="tx1"/>
                     </a:solidFill>
@@ -38346,21 +41038,21 @@
                     <a:p>
                       <a:pPr algn="ctr"/>
                       <a:r>
-                        <a:rPr lang="de-AT" dirty="0" err="1">
+                        <a:rPr lang="de-AT" sz="1500" dirty="0" err="1">
                           <a:solidFill>
                             <a:schemeClr val="bg1"/>
                           </a:solidFill>
                         </a:rPr>
                         <a:t>grant_type</a:t>
                       </a:r>
-                      <a:endParaRPr lang="en-US" dirty="0">
+                      <a:endParaRPr lang="en-US" sz="1500" dirty="0">
                         <a:solidFill>
                           <a:schemeClr val="bg1"/>
                         </a:solidFill>
                       </a:endParaRPr>
                     </a:p>
                   </a:txBody>
-                  <a:tcPr anchor="ctr">
+                  <a:tcPr marL="75428" marR="75428" marT="37714" marB="37714" anchor="ctr">
                     <a:solidFill>
                       <a:schemeClr val="tx1"/>
                     </a:solidFill>
@@ -38372,7 +41064,7 @@
                   </a:ext>
                 </a:extLst>
               </a:tr>
-              <a:tr h="911636">
+              <a:tr h="751996">
                 <a:tc>
                   <a:txBody>
                     <a:bodyPr/>
@@ -38380,21 +41072,21 @@
                     <a:p>
                       <a:pPr algn="ctr"/>
                       <a:r>
-                        <a:rPr lang="de-AT" i="0" dirty="0"/>
+                        <a:rPr lang="de-AT" sz="1500" i="0" dirty="0"/>
                         <a:t>Client </a:t>
                       </a:r>
                       <a:r>
-                        <a:rPr lang="de-AT" i="0" dirty="0" err="1"/>
+                        <a:rPr lang="de-AT" sz="1500" i="0" dirty="0" err="1"/>
                         <a:t>Credential</a:t>
                       </a:r>
                       <a:r>
-                        <a:rPr lang="de-AT" i="0" dirty="0"/>
+                        <a:rPr lang="de-AT" sz="1500" i="0" dirty="0"/>
                         <a:t> Flow</a:t>
                       </a:r>
-                      <a:endParaRPr lang="en-US" i="0" dirty="0"/>
+                      <a:endParaRPr lang="en-US" sz="1500" i="0" dirty="0"/>
                     </a:p>
                   </a:txBody>
-                  <a:tcPr anchor="ctr">
+                  <a:tcPr marL="75428" marR="75428" marT="37714" marB="37714" anchor="ctr">
                     <a:solidFill>
                       <a:schemeClr val="bg1">
                         <a:lumMod val="85000"/>
@@ -38409,17 +41101,17 @@
                     <a:p>
                       <a:pPr algn="l"/>
                       <a:r>
-                        <a:rPr lang="de-AT" dirty="0" err="1">
+                        <a:rPr lang="de-AT" sz="1500" dirty="0" err="1">
                           <a:latin typeface="Consolas" panose="020B0609020204030204" pitchFamily="49" charset="0"/>
                         </a:rPr>
                         <a:t>client_credential</a:t>
                       </a:r>
-                      <a:endParaRPr lang="en-US" dirty="0">
+                      <a:endParaRPr lang="en-US" sz="1500" dirty="0">
                         <a:latin typeface="Consolas" panose="020B0609020204030204" pitchFamily="49" charset="0"/>
                       </a:endParaRPr>
                     </a:p>
                   </a:txBody>
-                  <a:tcPr anchor="ctr"/>
+                  <a:tcPr marL="75428" marR="75428" marT="37714" marB="37714" anchor="ctr"/>
                 </a:tc>
                 <a:extLst>
                   <a:ext uri="{0D108BD9-81ED-4DB2-BD59-A6C34878D82A}">
@@ -38427,7 +41119,7 @@
                   </a:ext>
                 </a:extLst>
               </a:tr>
-              <a:tr h="911636">
+              <a:tr h="751996">
                 <a:tc>
                   <a:txBody>
                     <a:bodyPr/>
@@ -38451,25 +41143,25 @@
                         <a:defRPr/>
                       </a:pPr>
                       <a:r>
-                        <a:rPr lang="de-AT" i="0" dirty="0" err="1"/>
+                        <a:rPr lang="de-AT" sz="1500" i="0" dirty="0" err="1"/>
                         <a:t>Resource</a:t>
                       </a:r>
                       <a:r>
-                        <a:rPr lang="de-AT" i="0" dirty="0"/>
+                        <a:rPr lang="de-AT" sz="1500" i="0" dirty="0"/>
                         <a:t> </a:t>
                       </a:r>
                       <a:r>
-                        <a:rPr lang="de-AT" i="0" dirty="0" err="1"/>
+                        <a:rPr lang="de-AT" sz="1500" i="0" dirty="0" err="1"/>
                         <a:t>Owner</a:t>
                       </a:r>
                       <a:r>
-                        <a:rPr lang="de-AT" i="0" dirty="0"/>
+                        <a:rPr lang="de-AT" sz="1500" i="0" dirty="0"/>
                         <a:t> Flow</a:t>
                       </a:r>
-                      <a:endParaRPr lang="en-US" i="0" dirty="0"/>
+                      <a:endParaRPr lang="en-US" sz="1500" i="0" dirty="0"/>
                     </a:p>
                   </a:txBody>
-                  <a:tcPr anchor="ctr">
+                  <a:tcPr marL="75428" marR="75428" marT="37714" marB="37714" anchor="ctr">
                     <a:solidFill>
                       <a:schemeClr val="bg1">
                         <a:lumMod val="85000"/>
@@ -38484,17 +41176,17 @@
                     <a:p>
                       <a:pPr algn="l"/>
                       <a:r>
-                        <a:rPr lang="de-AT" dirty="0" err="1">
+                        <a:rPr lang="de-AT" sz="1500" dirty="0" err="1">
                           <a:latin typeface="Consolas" panose="020B0609020204030204" pitchFamily="49" charset="0"/>
                         </a:rPr>
                         <a:t>password</a:t>
                       </a:r>
-                      <a:endParaRPr lang="en-US" dirty="0">
+                      <a:endParaRPr lang="en-US" sz="1500" dirty="0">
                         <a:latin typeface="Consolas" panose="020B0609020204030204" pitchFamily="49" charset="0"/>
                       </a:endParaRPr>
                     </a:p>
                   </a:txBody>
-                  <a:tcPr anchor="ctr"/>
+                  <a:tcPr marL="75428" marR="75428" marT="37714" marB="37714" anchor="ctr"/>
                 </a:tc>
                 <a:extLst>
                   <a:ext uri="{0D108BD9-81ED-4DB2-BD59-A6C34878D82A}">
@@ -38502,7 +41194,7 @@
                   </a:ext>
                 </a:extLst>
               </a:tr>
-              <a:tr h="741182">
+              <a:tr h="611391">
                 <a:tc>
                   <a:txBody>
                     <a:bodyPr/>
@@ -38526,17 +41218,17 @@
                         <a:defRPr/>
                       </a:pPr>
                       <a:r>
-                        <a:rPr lang="de-AT" i="0" dirty="0" err="1"/>
+                        <a:rPr lang="de-AT" sz="1500" i="0" dirty="0" err="1"/>
                         <a:t>Authorization</a:t>
                       </a:r>
                       <a:r>
-                        <a:rPr lang="de-AT" i="0" dirty="0"/>
+                        <a:rPr lang="de-AT" sz="1500" i="0" dirty="0"/>
                         <a:t> Code Flow</a:t>
                       </a:r>
-                      <a:endParaRPr lang="en-US" i="0" dirty="0"/>
+                      <a:endParaRPr lang="en-US" sz="1500" i="0" dirty="0"/>
                     </a:p>
                   </a:txBody>
-                  <a:tcPr anchor="ctr">
+                  <a:tcPr marL="75428" marR="75428" marT="37714" marB="37714" anchor="ctr">
                     <a:solidFill>
                       <a:schemeClr val="bg1">
                         <a:lumMod val="85000"/>
@@ -38551,14 +41243,14 @@
                     <a:p>
                       <a:pPr algn="l"/>
                       <a:r>
-                        <a:rPr lang="de-AT" dirty="0">
+                        <a:rPr lang="de-AT" sz="1500" dirty="0">
                           <a:latin typeface="Consolas" panose="020B0609020204030204" pitchFamily="49" charset="0"/>
                         </a:rPr>
                         <a:t>code</a:t>
                       </a:r>
                     </a:p>
                   </a:txBody>
-                  <a:tcPr anchor="ctr"/>
+                  <a:tcPr marL="75428" marR="75428" marT="37714" marB="37714" anchor="ctr"/>
                 </a:tc>
                 <a:extLst>
                   <a:ext uri="{0D108BD9-81ED-4DB2-BD59-A6C34878D82A}">
@@ -38566,7 +41258,7 @@
                   </a:ext>
                 </a:extLst>
               </a:tr>
-              <a:tr h="741182">
+              <a:tr h="611391">
                 <a:tc>
                   <a:txBody>
                     <a:bodyPr/>
@@ -38590,21 +41282,21 @@
                         <a:defRPr/>
                       </a:pPr>
                       <a:r>
-                        <a:rPr lang="de-AT" i="0" dirty="0" err="1"/>
+                        <a:rPr lang="de-AT" sz="1500" i="0" dirty="0" err="1"/>
                         <a:t>Implicit</a:t>
                       </a:r>
                       <a:r>
-                        <a:rPr lang="de-AT" i="0" dirty="0"/>
+                        <a:rPr lang="de-AT" sz="1500" i="0" dirty="0"/>
                         <a:t> </a:t>
                       </a:r>
                       <a:r>
-                        <a:rPr lang="de-AT" i="0"/>
+                        <a:rPr lang="de-AT" sz="1500" i="0"/>
                         <a:t>Code Flow</a:t>
                       </a:r>
-                      <a:endParaRPr lang="en-US" i="0" dirty="0"/>
+                      <a:endParaRPr lang="en-US" sz="1500" i="0" dirty="0"/>
                     </a:p>
                   </a:txBody>
-                  <a:tcPr anchor="ctr">
+                  <a:tcPr marL="75428" marR="75428" marT="37714" marB="37714" anchor="ctr">
                     <a:solidFill>
                       <a:schemeClr val="bg1">
                         <a:lumMod val="85000"/>
@@ -38619,41 +41311,41 @@
                     <a:p>
                       <a:pPr algn="l"/>
                       <a:r>
-                        <a:rPr lang="de-AT" dirty="0" err="1">
+                        <a:rPr lang="de-AT" sz="1500" dirty="0" err="1">
                           <a:latin typeface="Consolas" panose="020B0609020204030204" pitchFamily="49" charset="0"/>
                         </a:rPr>
                         <a:t>id_token</a:t>
                       </a:r>
-                      <a:endParaRPr lang="de-AT" dirty="0">
+                      <a:endParaRPr lang="de-AT" sz="1500" dirty="0">
                         <a:latin typeface="Consolas" panose="020B0609020204030204" pitchFamily="49" charset="0"/>
                       </a:endParaRPr>
                     </a:p>
                     <a:p>
                       <a:pPr algn="l"/>
                       <a:r>
-                        <a:rPr lang="de-AT" dirty="0" err="1">
+                        <a:rPr lang="de-AT" sz="1500" dirty="0" err="1">
                           <a:latin typeface="Consolas" panose="020B0609020204030204" pitchFamily="49" charset="0"/>
                         </a:rPr>
                         <a:t>id_token</a:t>
                       </a:r>
                       <a:r>
-                        <a:rPr lang="de-AT" dirty="0">
+                        <a:rPr lang="de-AT" sz="1500" dirty="0">
                           <a:latin typeface="Consolas" panose="020B0609020204030204" pitchFamily="49" charset="0"/>
                         </a:rPr>
                         <a:t> </a:t>
                       </a:r>
                       <a:r>
-                        <a:rPr lang="de-AT" dirty="0" err="1">
+                        <a:rPr lang="de-AT" sz="1500" dirty="0" err="1">
                           <a:latin typeface="Consolas" panose="020B0609020204030204" pitchFamily="49" charset="0"/>
                         </a:rPr>
                         <a:t>token</a:t>
                       </a:r>
-                      <a:endParaRPr lang="de-AT" dirty="0">
+                      <a:endParaRPr lang="de-AT" sz="1500" dirty="0">
                         <a:latin typeface="Consolas" panose="020B0609020204030204" pitchFamily="49" charset="0"/>
                       </a:endParaRPr>
                     </a:p>
                   </a:txBody>
-                  <a:tcPr anchor="ctr"/>
+                  <a:tcPr marL="75428" marR="75428" marT="37714" marB="37714" anchor="ctr"/>
                 </a:tc>
                 <a:extLst>
                   <a:ext uri="{0D108BD9-81ED-4DB2-BD59-A6C34878D82A}">
@@ -38661,7 +41353,7 @@
                   </a:ext>
                 </a:extLst>
               </a:tr>
-              <a:tr h="741182">
+              <a:tr h="754276">
                 <a:tc>
                   <a:txBody>
                     <a:bodyPr/>
@@ -38685,13 +41377,13 @@
                         <a:defRPr/>
                       </a:pPr>
                       <a:r>
-                        <a:rPr lang="de-AT" i="0" dirty="0"/>
+                        <a:rPr lang="de-AT" sz="1500" i="0" dirty="0"/>
                         <a:t>Hybrid Flow</a:t>
                       </a:r>
-                      <a:endParaRPr lang="en-US" i="0" dirty="0"/>
+                      <a:endParaRPr lang="en-US" sz="1500" i="0" dirty="0"/>
                     </a:p>
                   </a:txBody>
-                  <a:tcPr anchor="ctr">
+                  <a:tcPr marL="75428" marR="75428" marT="37714" marB="37714" anchor="ctr">
                     <a:solidFill>
                       <a:schemeClr val="bg1">
                         <a:lumMod val="85000"/>
@@ -38706,81 +41398,150 @@
                     <a:p>
                       <a:pPr algn="l"/>
                       <a:r>
-                        <a:rPr lang="de-AT" dirty="0">
+                        <a:rPr lang="de-AT" sz="1500" dirty="0">
                           <a:latin typeface="Consolas" panose="020B0609020204030204" pitchFamily="49" charset="0"/>
                         </a:rPr>
                         <a:t>code </a:t>
                       </a:r>
                       <a:r>
-                        <a:rPr lang="de-AT" dirty="0" err="1">
+                        <a:rPr lang="de-AT" sz="1500" dirty="0" err="1">
                           <a:latin typeface="Consolas" panose="020B0609020204030204" pitchFamily="49" charset="0"/>
                         </a:rPr>
                         <a:t>id_token</a:t>
                       </a:r>
-                      <a:endParaRPr lang="de-AT" dirty="0">
+                      <a:endParaRPr lang="de-AT" sz="1500" dirty="0">
                         <a:latin typeface="Consolas" panose="020B0609020204030204" pitchFamily="49" charset="0"/>
                       </a:endParaRPr>
                     </a:p>
                     <a:p>
                       <a:pPr algn="l"/>
                       <a:r>
-                        <a:rPr lang="de-AT" dirty="0">
+                        <a:rPr lang="de-AT" sz="1500" dirty="0">
                           <a:latin typeface="Consolas" panose="020B0609020204030204" pitchFamily="49" charset="0"/>
                         </a:rPr>
                         <a:t>code </a:t>
                       </a:r>
                       <a:r>
-                        <a:rPr lang="de-AT" dirty="0" err="1">
+                        <a:rPr lang="de-AT" sz="1500" dirty="0" err="1">
                           <a:latin typeface="Consolas" panose="020B0609020204030204" pitchFamily="49" charset="0"/>
                         </a:rPr>
                         <a:t>token</a:t>
                       </a:r>
-                      <a:endParaRPr lang="de-AT" dirty="0">
+                      <a:endParaRPr lang="de-AT" sz="1500" dirty="0">
                         <a:latin typeface="Consolas" panose="020B0609020204030204" pitchFamily="49" charset="0"/>
                       </a:endParaRPr>
                     </a:p>
                     <a:p>
                       <a:pPr algn="l"/>
                       <a:r>
-                        <a:rPr lang="de-AT" dirty="0" err="1">
+                        <a:rPr lang="de-AT" sz="1500" dirty="0" err="1">
                           <a:latin typeface="Consolas" panose="020B0609020204030204" pitchFamily="49" charset="0"/>
                         </a:rPr>
                         <a:t>code</a:t>
                       </a:r>
                       <a:r>
-                        <a:rPr lang="de-AT" dirty="0">
+                        <a:rPr lang="de-AT" sz="1500" dirty="0">
                           <a:latin typeface="Consolas" panose="020B0609020204030204" pitchFamily="49" charset="0"/>
                         </a:rPr>
                         <a:t> </a:t>
                       </a:r>
                       <a:r>
-                        <a:rPr lang="de-AT" dirty="0" err="1">
+                        <a:rPr lang="de-AT" sz="1500" dirty="0" err="1">
                           <a:latin typeface="Consolas" panose="020B0609020204030204" pitchFamily="49" charset="0"/>
                         </a:rPr>
                         <a:t>id_token</a:t>
                       </a:r>
                       <a:r>
-                        <a:rPr lang="de-AT" dirty="0">
+                        <a:rPr lang="de-AT" sz="1500" dirty="0">
                           <a:latin typeface="Consolas" panose="020B0609020204030204" pitchFamily="49" charset="0"/>
                         </a:rPr>
                         <a:t> </a:t>
                       </a:r>
                       <a:r>
-                        <a:rPr lang="de-AT" dirty="0" err="1">
+                        <a:rPr lang="de-AT" sz="1500" dirty="0" err="1">
                           <a:latin typeface="Consolas" panose="020B0609020204030204" pitchFamily="49" charset="0"/>
                         </a:rPr>
                         <a:t>token</a:t>
                       </a:r>
-                      <a:endParaRPr lang="de-AT" dirty="0">
+                      <a:endParaRPr lang="de-AT" sz="1500" dirty="0">
                         <a:latin typeface="Consolas" panose="020B0609020204030204" pitchFamily="49" charset="0"/>
                       </a:endParaRPr>
                     </a:p>
                   </a:txBody>
-                  <a:tcPr anchor="ctr"/>
+                  <a:tcPr marL="75428" marR="75428" marT="37714" marB="37714" anchor="ctr"/>
                 </a:tc>
                 <a:extLst>
                   <a:ext uri="{0D108BD9-81ED-4DB2-BD59-A6C34878D82A}">
                     <a16:rowId xmlns:a16="http://schemas.microsoft.com/office/drawing/2014/main" val="757970485"/>
+                  </a:ext>
+                </a:extLst>
+              </a:tr>
+              <a:tr h="611391">
+                <a:tc>
+                  <a:txBody>
+                    <a:bodyPr/>
+                    <a:lstStyle/>
+                    <a:p>
+                      <a:pPr marL="0" marR="0" lvl="0" indent="0" algn="ctr" defTabSz="914400" rtl="0" eaLnBrk="1" fontAlgn="auto" latinLnBrk="0" hangingPunct="1">
+                        <a:lnSpc>
+                          <a:spcPct val="100000"/>
+                        </a:lnSpc>
+                        <a:spcBef>
+                          <a:spcPts val="0"/>
+                        </a:spcBef>
+                        <a:spcAft>
+                          <a:spcPts val="0"/>
+                        </a:spcAft>
+                        <a:buClrTx/>
+                        <a:buSzTx/>
+                        <a:buFontTx/>
+                        <a:buNone/>
+                        <a:tabLst/>
+                        <a:defRPr/>
+                      </a:pPr>
+                      <a:r>
+                        <a:rPr lang="de-AT" sz="1500" i="0" dirty="0"/>
+                        <a:t>Device Flow</a:t>
+                      </a:r>
+                      <a:endParaRPr lang="en-US" sz="1500" i="0" dirty="0"/>
+                    </a:p>
+                  </a:txBody>
+                  <a:tcPr marL="75428" marR="75428" marT="37714" marB="37714" anchor="ctr">
+                    <a:solidFill>
+                      <a:schemeClr val="bg1">
+                        <a:lumMod val="85000"/>
+                      </a:schemeClr>
+                    </a:solidFill>
+                  </a:tcPr>
+                </a:tc>
+                <a:tc>
+                  <a:txBody>
+                    <a:bodyPr/>
+                    <a:lstStyle/>
+                    <a:p>
+                      <a:pPr algn="l"/>
+                      <a:r>
+                        <a:rPr lang="en-US" sz="1500" b="0" i="0" kern="1200" dirty="0" err="1">
+                          <a:solidFill>
+                            <a:schemeClr val="tx1"/>
+                          </a:solidFill>
+                          <a:effectLst/>
+                          <a:latin typeface="+mn-lt"/>
+                          <a:ea typeface="+mn-ea"/>
+                          <a:cs typeface="+mn-cs"/>
+                        </a:rPr>
+                        <a:t>device_code</a:t>
+                      </a:r>
+                      <a:endParaRPr lang="de-AT" sz="1500" dirty="0">
+                        <a:latin typeface="Consolas" panose="020B0609020204030204" pitchFamily="49" charset="0"/>
+                      </a:endParaRPr>
+                    </a:p>
+                  </a:txBody>
+                  <a:tcPr marL="75428" marR="75428" marT="37714" marB="37714" anchor="ctr"/>
+                </a:tc>
+                <a:extLst>
+                  <a:ext uri="{0D108BD9-81ED-4DB2-BD59-A6C34878D82A}">
+                    <a16:rowId xmlns:a16="http://schemas.microsoft.com/office/drawing/2014/main" val="3088025262"/>
                   </a:ext>
                 </a:extLst>
               </a:tr>
@@ -38801,7 +41562,7 @@
 </p:sld>
 </file>
 
-<file path=ppt/slides/slide44.xml><?xml version="1.0" encoding="utf-8"?>
+<file path=ppt/slides/slide46.xml><?xml version="1.0" encoding="utf-8"?>
 <p:sld xmlns:a="http://schemas.openxmlformats.org/drawingml/2006/main" xmlns:r="http://schemas.openxmlformats.org/officeDocument/2006/relationships" xmlns:p="http://schemas.openxmlformats.org/presentationml/2006/main" show="0">
   <p:cSld>
     <p:spTree>

--- a/oidc-oauth/OpenIDConnect & OAuth.pptx
+++ b/oidc-oauth/OpenIDConnect & OAuth.pptx
@@ -10696,7 +10696,7 @@
           <a:p>
             <a:fld id="{FF084CBC-36E0-4CC0-918D-767D7E309F2F}" type="datetimeFigureOut">
               <a:rPr lang="en-US" smtClean="0"/>
-              <a:t>4/24/2019</a:t>
+              <a:t>6/16/2019</a:t>
             </a:fld>
             <a:endParaRPr lang="en-US"/>
           </a:p>
@@ -11446,7 +11446,7 @@
           <a:p>
             <a:fld id="{8272ECE3-2878-47BE-B879-BFDD2207B1DF}" type="datetimeFigureOut">
               <a:rPr lang="en-US" smtClean="0"/>
-              <a:t>4/24/2019</a:t>
+              <a:t>6/16/2019</a:t>
             </a:fld>
             <a:endParaRPr lang="en-US"/>
           </a:p>
@@ -11644,7 +11644,7 @@
           <a:p>
             <a:fld id="{8272ECE3-2878-47BE-B879-BFDD2207B1DF}" type="datetimeFigureOut">
               <a:rPr lang="en-US" smtClean="0"/>
-              <a:t>4/24/2019</a:t>
+              <a:t>6/16/2019</a:t>
             </a:fld>
             <a:endParaRPr lang="en-US"/>
           </a:p>
@@ -11852,7 +11852,7 @@
           <a:p>
             <a:fld id="{8272ECE3-2878-47BE-B879-BFDD2207B1DF}" type="datetimeFigureOut">
               <a:rPr lang="en-US" smtClean="0"/>
-              <a:t>4/24/2019</a:t>
+              <a:t>6/16/2019</a:t>
             </a:fld>
             <a:endParaRPr lang="en-US"/>
           </a:p>
@@ -12050,7 +12050,7 @@
           <a:p>
             <a:fld id="{8272ECE3-2878-47BE-B879-BFDD2207B1DF}" type="datetimeFigureOut">
               <a:rPr lang="en-US" smtClean="0"/>
-              <a:t>4/24/2019</a:t>
+              <a:t>6/16/2019</a:t>
             </a:fld>
             <a:endParaRPr lang="en-US"/>
           </a:p>
@@ -12325,7 +12325,7 @@
           <a:p>
             <a:fld id="{8272ECE3-2878-47BE-B879-BFDD2207B1DF}" type="datetimeFigureOut">
               <a:rPr lang="en-US" smtClean="0"/>
-              <a:t>4/24/2019</a:t>
+              <a:t>6/16/2019</a:t>
             </a:fld>
             <a:endParaRPr lang="en-US"/>
           </a:p>
@@ -12590,7 +12590,7 @@
           <a:p>
             <a:fld id="{8272ECE3-2878-47BE-B879-BFDD2207B1DF}" type="datetimeFigureOut">
               <a:rPr lang="en-US" smtClean="0"/>
-              <a:t>4/24/2019</a:t>
+              <a:t>6/16/2019</a:t>
             </a:fld>
             <a:endParaRPr lang="en-US"/>
           </a:p>
@@ -13002,7 +13002,7 @@
           <a:p>
             <a:fld id="{8272ECE3-2878-47BE-B879-BFDD2207B1DF}" type="datetimeFigureOut">
               <a:rPr lang="en-US" smtClean="0"/>
-              <a:t>4/24/2019</a:t>
+              <a:t>6/16/2019</a:t>
             </a:fld>
             <a:endParaRPr lang="en-US"/>
           </a:p>
@@ -13143,7 +13143,7 @@
           <a:p>
             <a:fld id="{8272ECE3-2878-47BE-B879-BFDD2207B1DF}" type="datetimeFigureOut">
               <a:rPr lang="en-US" smtClean="0"/>
-              <a:t>4/24/2019</a:t>
+              <a:t>6/16/2019</a:t>
             </a:fld>
             <a:endParaRPr lang="en-US"/>
           </a:p>
@@ -13256,7 +13256,7 @@
           <a:p>
             <a:fld id="{8272ECE3-2878-47BE-B879-BFDD2207B1DF}" type="datetimeFigureOut">
               <a:rPr lang="en-US" smtClean="0"/>
-              <a:t>4/24/2019</a:t>
+              <a:t>6/16/2019</a:t>
             </a:fld>
             <a:endParaRPr lang="en-US"/>
           </a:p>
@@ -13567,7 +13567,7 @@
           <a:p>
             <a:fld id="{8272ECE3-2878-47BE-B879-BFDD2207B1DF}" type="datetimeFigureOut">
               <a:rPr lang="en-US" smtClean="0"/>
-              <a:t>4/24/2019</a:t>
+              <a:t>6/16/2019</a:t>
             </a:fld>
             <a:endParaRPr lang="en-US"/>
           </a:p>
@@ -13855,7 +13855,7 @@
           <a:p>
             <a:fld id="{8272ECE3-2878-47BE-B879-BFDD2207B1DF}" type="datetimeFigureOut">
               <a:rPr lang="en-US" smtClean="0"/>
-              <a:t>4/24/2019</a:t>
+              <a:t>6/16/2019</a:t>
             </a:fld>
             <a:endParaRPr lang="en-US"/>
           </a:p>
@@ -14096,7 +14096,7 @@
           <a:p>
             <a:fld id="{8272ECE3-2878-47BE-B879-BFDD2207B1DF}" type="datetimeFigureOut">
               <a:rPr lang="en-US" smtClean="0"/>
-              <a:t>4/24/2019</a:t>
+              <a:t>6/16/2019</a:t>
             </a:fld>
             <a:endParaRPr lang="en-US"/>
           </a:p>
@@ -14693,31 +14693,6 @@
       </p:grpSpPr>
       <p:sp>
         <p:nvSpPr>
-          <p:cNvPr id="2" name="Title 1">
-            <a:extLst>
-              <a:ext uri="{FF2B5EF4-FFF2-40B4-BE49-F238E27FC236}">
-                <a16:creationId xmlns:a16="http://schemas.microsoft.com/office/drawing/2014/main" id="{01DFB969-2FFC-4147-A334-4C8746DAB608}"/>
-              </a:ext>
-            </a:extLst>
-          </p:cNvPr>
-          <p:cNvSpPr>
-            <a:spLocks noGrp="1"/>
-          </p:cNvSpPr>
-          <p:nvPr>
-            <p:ph type="title"/>
-          </p:nvPr>
-        </p:nvSpPr>
-        <p:spPr/>
-        <p:txBody>
-          <a:bodyPr/>
-          <a:lstStyle/>
-          <a:p>
-            <a:endParaRPr lang="en-US" dirty="0"/>
-          </a:p>
-        </p:txBody>
-      </p:sp>
-      <p:sp>
-        <p:nvSpPr>
           <p:cNvPr id="62" name="Content Placeholder 61">
             <a:extLst>
               <a:ext uri="{FF2B5EF4-FFF2-40B4-BE49-F238E27FC236}">
@@ -14764,31 +14739,6 @@
               <a:rPr lang="de-DE" dirty="0"/>
               <a:t> zugreifen möchte.</a:t>
             </a:r>
-            <a:endParaRPr lang="en-US" dirty="0"/>
-          </a:p>
-        </p:txBody>
-      </p:sp>
-      <p:sp>
-        <p:nvSpPr>
-          <p:cNvPr id="63" name="Text Placeholder 62">
-            <a:extLst>
-              <a:ext uri="{FF2B5EF4-FFF2-40B4-BE49-F238E27FC236}">
-                <a16:creationId xmlns:a16="http://schemas.microsoft.com/office/drawing/2014/main" id="{5C446250-258F-410B-B2CC-AD884A1E7480}"/>
-              </a:ext>
-            </a:extLst>
-          </p:cNvPr>
-          <p:cNvSpPr>
-            <a:spLocks noGrp="1"/>
-          </p:cNvSpPr>
-          <p:nvPr>
-            <p:ph type="body" sz="half" idx="2"/>
-          </p:nvPr>
-        </p:nvSpPr>
-        <p:spPr/>
-        <p:txBody>
-          <a:bodyPr/>
-          <a:lstStyle/>
-          <a:p>
             <a:endParaRPr lang="en-US" dirty="0"/>
           </a:p>
         </p:txBody>
@@ -14932,31 +14882,6 @@
       </p:grpSpPr>
       <p:sp>
         <p:nvSpPr>
-          <p:cNvPr id="2" name="Title 1">
-            <a:extLst>
-              <a:ext uri="{FF2B5EF4-FFF2-40B4-BE49-F238E27FC236}">
-                <a16:creationId xmlns:a16="http://schemas.microsoft.com/office/drawing/2014/main" id="{01DFB969-2FFC-4147-A334-4C8746DAB608}"/>
-              </a:ext>
-            </a:extLst>
-          </p:cNvPr>
-          <p:cNvSpPr>
-            <a:spLocks noGrp="1"/>
-          </p:cNvSpPr>
-          <p:nvPr>
-            <p:ph type="title"/>
-          </p:nvPr>
-        </p:nvSpPr>
-        <p:spPr/>
-        <p:txBody>
-          <a:bodyPr/>
-          <a:lstStyle/>
-          <a:p>
-            <a:endParaRPr lang="en-US" dirty="0"/>
-          </a:p>
-        </p:txBody>
-      </p:sp>
-      <p:sp>
-        <p:nvSpPr>
           <p:cNvPr id="62" name="Content Placeholder 61">
             <a:extLst>
               <a:ext uri="{FF2B5EF4-FFF2-40B4-BE49-F238E27FC236}">
@@ -15003,31 +14928,6 @@
               <a:rPr lang="de-DE" dirty="0"/>
               <a:t>hinterlegt.</a:t>
             </a:r>
-            <a:endParaRPr lang="en-US" dirty="0"/>
-          </a:p>
-        </p:txBody>
-      </p:sp>
-      <p:sp>
-        <p:nvSpPr>
-          <p:cNvPr id="63" name="Text Placeholder 62">
-            <a:extLst>
-              <a:ext uri="{FF2B5EF4-FFF2-40B4-BE49-F238E27FC236}">
-                <a16:creationId xmlns:a16="http://schemas.microsoft.com/office/drawing/2014/main" id="{5C446250-258F-410B-B2CC-AD884A1E7480}"/>
-              </a:ext>
-            </a:extLst>
-          </p:cNvPr>
-          <p:cNvSpPr>
-            <a:spLocks noGrp="1"/>
-          </p:cNvSpPr>
-          <p:nvPr>
-            <p:ph type="body" sz="half" idx="2"/>
-          </p:nvPr>
-        </p:nvSpPr>
-        <p:spPr/>
-        <p:txBody>
-          <a:bodyPr/>
-          <a:lstStyle/>
-          <a:p>
             <a:endParaRPr lang="en-US" dirty="0"/>
           </a:p>
         </p:txBody>
@@ -15227,31 +15127,6 @@
       </p:grpSpPr>
       <p:sp>
         <p:nvSpPr>
-          <p:cNvPr id="2" name="Title 1">
-            <a:extLst>
-              <a:ext uri="{FF2B5EF4-FFF2-40B4-BE49-F238E27FC236}">
-                <a16:creationId xmlns:a16="http://schemas.microsoft.com/office/drawing/2014/main" id="{01DFB969-2FFC-4147-A334-4C8746DAB608}"/>
-              </a:ext>
-            </a:extLst>
-          </p:cNvPr>
-          <p:cNvSpPr>
-            <a:spLocks noGrp="1"/>
-          </p:cNvSpPr>
-          <p:nvPr>
-            <p:ph type="title"/>
-          </p:nvPr>
-        </p:nvSpPr>
-        <p:spPr/>
-        <p:txBody>
-          <a:bodyPr/>
-          <a:lstStyle/>
-          <a:p>
-            <a:endParaRPr lang="en-US" dirty="0"/>
-          </a:p>
-        </p:txBody>
-      </p:sp>
-      <p:sp>
-        <p:nvSpPr>
           <p:cNvPr id="62" name="Content Placeholder 61">
             <a:extLst>
               <a:ext uri="{FF2B5EF4-FFF2-40B4-BE49-F238E27FC236}">
@@ -15310,31 +15185,6 @@
               <a:rPr lang="de-DE" dirty="0"/>
               <a:t> ausstellt.</a:t>
             </a:r>
-            <a:endParaRPr lang="en-US" dirty="0"/>
-          </a:p>
-        </p:txBody>
-      </p:sp>
-      <p:sp>
-        <p:nvSpPr>
-          <p:cNvPr id="63" name="Text Placeholder 62">
-            <a:extLst>
-              <a:ext uri="{FF2B5EF4-FFF2-40B4-BE49-F238E27FC236}">
-                <a16:creationId xmlns:a16="http://schemas.microsoft.com/office/drawing/2014/main" id="{5C446250-258F-410B-B2CC-AD884A1E7480}"/>
-              </a:ext>
-            </a:extLst>
-          </p:cNvPr>
-          <p:cNvSpPr>
-            <a:spLocks noGrp="1"/>
-          </p:cNvSpPr>
-          <p:nvPr>
-            <p:ph type="body" sz="half" idx="2"/>
-          </p:nvPr>
-        </p:nvSpPr>
-        <p:spPr/>
-        <p:txBody>
-          <a:bodyPr/>
-          <a:lstStyle/>
-          <a:p>
             <a:endParaRPr lang="en-US" dirty="0"/>
           </a:p>
         </p:txBody>
@@ -15534,31 +15384,6 @@
       </p:grpSpPr>
       <p:sp>
         <p:nvSpPr>
-          <p:cNvPr id="2" name="Title 1">
-            <a:extLst>
-              <a:ext uri="{FF2B5EF4-FFF2-40B4-BE49-F238E27FC236}">
-                <a16:creationId xmlns:a16="http://schemas.microsoft.com/office/drawing/2014/main" id="{01DFB969-2FFC-4147-A334-4C8746DAB608}"/>
-              </a:ext>
-            </a:extLst>
-          </p:cNvPr>
-          <p:cNvSpPr>
-            <a:spLocks noGrp="1"/>
-          </p:cNvSpPr>
-          <p:nvPr>
-            <p:ph type="title"/>
-          </p:nvPr>
-        </p:nvSpPr>
-        <p:spPr/>
-        <p:txBody>
-          <a:bodyPr/>
-          <a:lstStyle/>
-          <a:p>
-            <a:endParaRPr lang="en-US" dirty="0"/>
-          </a:p>
-        </p:txBody>
-      </p:sp>
-      <p:sp>
-        <p:nvSpPr>
           <p:cNvPr id="62" name="Content Placeholder 61">
             <a:extLst>
               <a:ext uri="{FF2B5EF4-FFF2-40B4-BE49-F238E27FC236}">
@@ -15678,31 +15503,6 @@
               <a:t> vertraulich zu behalten. Typischerweise eine Serverseitige Anwendung.</a:t>
             </a:r>
             <a:endParaRPr lang="en-US" sz="2000" dirty="0"/>
-          </a:p>
-        </p:txBody>
-      </p:sp>
-      <p:sp>
-        <p:nvSpPr>
-          <p:cNvPr id="63" name="Text Placeholder 62">
-            <a:extLst>
-              <a:ext uri="{FF2B5EF4-FFF2-40B4-BE49-F238E27FC236}">
-                <a16:creationId xmlns:a16="http://schemas.microsoft.com/office/drawing/2014/main" id="{5C446250-258F-410B-B2CC-AD884A1E7480}"/>
-              </a:ext>
-            </a:extLst>
-          </p:cNvPr>
-          <p:cNvSpPr>
-            <a:spLocks noGrp="1"/>
-          </p:cNvSpPr>
-          <p:nvPr>
-            <p:ph type="body" sz="half" idx="2"/>
-          </p:nvPr>
-        </p:nvSpPr>
-        <p:spPr/>
-        <p:txBody>
-          <a:bodyPr/>
-          <a:lstStyle/>
-          <a:p>
-            <a:endParaRPr lang="en-US" dirty="0"/>
           </a:p>
         </p:txBody>
       </p:sp>
@@ -15845,31 +15645,6 @@
       </p:grpSpPr>
       <p:sp>
         <p:nvSpPr>
-          <p:cNvPr id="2" name="Title 1">
-            <a:extLst>
-              <a:ext uri="{FF2B5EF4-FFF2-40B4-BE49-F238E27FC236}">
-                <a16:creationId xmlns:a16="http://schemas.microsoft.com/office/drawing/2014/main" id="{01DFB969-2FFC-4147-A334-4C8746DAB608}"/>
-              </a:ext>
-            </a:extLst>
-          </p:cNvPr>
-          <p:cNvSpPr>
-            <a:spLocks noGrp="1"/>
-          </p:cNvSpPr>
-          <p:nvPr>
-            <p:ph type="title"/>
-          </p:nvPr>
-        </p:nvSpPr>
-        <p:spPr/>
-        <p:txBody>
-          <a:bodyPr/>
-          <a:lstStyle/>
-          <a:p>
-            <a:endParaRPr lang="en-US" dirty="0"/>
-          </a:p>
-        </p:txBody>
-      </p:sp>
-      <p:sp>
-        <p:nvSpPr>
           <p:cNvPr id="62" name="Content Placeholder 61">
             <a:extLst>
               <a:ext uri="{FF2B5EF4-FFF2-40B4-BE49-F238E27FC236}">
@@ -15998,31 +15773,6 @@
               <a:t>.</a:t>
             </a:r>
             <a:endParaRPr lang="en-US" sz="2000" dirty="0"/>
-          </a:p>
-        </p:txBody>
-      </p:sp>
-      <p:sp>
-        <p:nvSpPr>
-          <p:cNvPr id="63" name="Text Placeholder 62">
-            <a:extLst>
-              <a:ext uri="{FF2B5EF4-FFF2-40B4-BE49-F238E27FC236}">
-                <a16:creationId xmlns:a16="http://schemas.microsoft.com/office/drawing/2014/main" id="{5C446250-258F-410B-B2CC-AD884A1E7480}"/>
-              </a:ext>
-            </a:extLst>
-          </p:cNvPr>
-          <p:cNvSpPr>
-            <a:spLocks noGrp="1"/>
-          </p:cNvSpPr>
-          <p:nvPr>
-            <p:ph type="body" sz="half" idx="2"/>
-          </p:nvPr>
-        </p:nvSpPr>
-        <p:spPr/>
-        <p:txBody>
-          <a:bodyPr/>
-          <a:lstStyle/>
-          <a:p>
-            <a:endParaRPr lang="en-US" dirty="0"/>
           </a:p>
         </p:txBody>
       </p:sp>
@@ -16165,31 +15915,6 @@
       </p:grpSpPr>
       <p:sp>
         <p:nvSpPr>
-          <p:cNvPr id="2" name="Title 1">
-            <a:extLst>
-              <a:ext uri="{FF2B5EF4-FFF2-40B4-BE49-F238E27FC236}">
-                <a16:creationId xmlns:a16="http://schemas.microsoft.com/office/drawing/2014/main" id="{01DFB969-2FFC-4147-A334-4C8746DAB608}"/>
-              </a:ext>
-            </a:extLst>
-          </p:cNvPr>
-          <p:cNvSpPr>
-            <a:spLocks noGrp="1"/>
-          </p:cNvSpPr>
-          <p:nvPr>
-            <p:ph type="title"/>
-          </p:nvPr>
-        </p:nvSpPr>
-        <p:spPr/>
-        <p:txBody>
-          <a:bodyPr/>
-          <a:lstStyle/>
-          <a:p>
-            <a:endParaRPr lang="en-US" dirty="0"/>
-          </a:p>
-        </p:txBody>
-      </p:sp>
-      <p:sp>
-        <p:nvSpPr>
           <p:cNvPr id="62" name="Content Placeholder 61">
             <a:extLst>
               <a:ext uri="{FF2B5EF4-FFF2-40B4-BE49-F238E27FC236}">
@@ -16231,31 +15956,6 @@
               <a:t>.</a:t>
             </a:r>
             <a:endParaRPr lang="de-DE" i="1" dirty="0"/>
-          </a:p>
-        </p:txBody>
-      </p:sp>
-      <p:sp>
-        <p:nvSpPr>
-          <p:cNvPr id="63" name="Text Placeholder 62">
-            <a:extLst>
-              <a:ext uri="{FF2B5EF4-FFF2-40B4-BE49-F238E27FC236}">
-                <a16:creationId xmlns:a16="http://schemas.microsoft.com/office/drawing/2014/main" id="{5C446250-258F-410B-B2CC-AD884A1E7480}"/>
-              </a:ext>
-            </a:extLst>
-          </p:cNvPr>
-          <p:cNvSpPr>
-            <a:spLocks noGrp="1"/>
-          </p:cNvSpPr>
-          <p:nvPr>
-            <p:ph type="body" sz="half" idx="2"/>
-          </p:nvPr>
-        </p:nvSpPr>
-        <p:spPr/>
-        <p:txBody>
-          <a:bodyPr/>
-          <a:lstStyle/>
-          <a:p>
-            <a:endParaRPr lang="en-US" dirty="0"/>
           </a:p>
         </p:txBody>
       </p:sp>
@@ -17334,31 +17034,6 @@
       </p:grpSpPr>
       <p:sp>
         <p:nvSpPr>
-          <p:cNvPr id="2" name="Title 1">
-            <a:extLst>
-              <a:ext uri="{FF2B5EF4-FFF2-40B4-BE49-F238E27FC236}">
-                <a16:creationId xmlns:a16="http://schemas.microsoft.com/office/drawing/2014/main" id="{01DFB969-2FFC-4147-A334-4C8746DAB608}"/>
-              </a:ext>
-            </a:extLst>
-          </p:cNvPr>
-          <p:cNvSpPr>
-            <a:spLocks noGrp="1"/>
-          </p:cNvSpPr>
-          <p:nvPr>
-            <p:ph type="title"/>
-          </p:nvPr>
-        </p:nvSpPr>
-        <p:spPr/>
-        <p:txBody>
-          <a:bodyPr/>
-          <a:lstStyle/>
-          <a:p>
-            <a:endParaRPr lang="en-US" dirty="0"/>
-          </a:p>
-        </p:txBody>
-      </p:sp>
-      <p:sp>
-        <p:nvSpPr>
           <p:cNvPr id="62" name="Content Placeholder 61">
             <a:extLst>
               <a:ext uri="{FF2B5EF4-FFF2-40B4-BE49-F238E27FC236}">
@@ -17429,33 +17104,8 @@
             </a:r>
             <a:r>
               <a:rPr lang="de-AT" dirty="0"/>
-              <a:t>gespeichert sind zugreifen zu dürfen</a:t>
-            </a:r>
-            <a:endParaRPr lang="en-US" dirty="0"/>
-          </a:p>
-        </p:txBody>
-      </p:sp>
-      <p:sp>
-        <p:nvSpPr>
-          <p:cNvPr id="63" name="Text Placeholder 62">
-            <a:extLst>
-              <a:ext uri="{FF2B5EF4-FFF2-40B4-BE49-F238E27FC236}">
-                <a16:creationId xmlns:a16="http://schemas.microsoft.com/office/drawing/2014/main" id="{5C446250-258F-410B-B2CC-AD884A1E7480}"/>
-              </a:ext>
-            </a:extLst>
-          </p:cNvPr>
-          <p:cNvSpPr>
-            <a:spLocks noGrp="1"/>
-          </p:cNvSpPr>
-          <p:nvPr>
-            <p:ph type="body" sz="half" idx="2"/>
-          </p:nvPr>
-        </p:nvSpPr>
-        <p:spPr/>
-        <p:txBody>
-          <a:bodyPr/>
-          <a:lstStyle/>
-          <a:p>
+              <a:t>gespeichert sind zugreifen zu dürfen.</a:t>
+            </a:r>
             <a:endParaRPr lang="en-US" dirty="0"/>
           </a:p>
         </p:txBody>
@@ -17785,7 +17435,7 @@
         <p:spPr>
           <a:xfrm>
             <a:off x="3753691" y="4029164"/>
-            <a:ext cx="6003567" cy="461665"/>
+            <a:ext cx="5833648" cy="461665"/>
           </a:xfrm>
           <a:prstGeom prst="rect">
             <a:avLst/>
@@ -17858,7 +17508,7 @@
                 </a:solidFill>
                 <a:latin typeface="Bradley Hand ITC" panose="03070402050302030203" pitchFamily="66" charset="0"/>
               </a:rPr>
-              <a:t>möchte</a:t>
+              <a:t>kann</a:t>
             </a:r>
             <a:endParaRPr lang="en-US" sz="2400" b="1" dirty="0">
               <a:solidFill>
@@ -18235,31 +17885,6 @@
       </p:grpSpPr>
       <p:sp>
         <p:nvSpPr>
-          <p:cNvPr id="2" name="Title 1">
-            <a:extLst>
-              <a:ext uri="{FF2B5EF4-FFF2-40B4-BE49-F238E27FC236}">
-                <a16:creationId xmlns:a16="http://schemas.microsoft.com/office/drawing/2014/main" id="{01DFB969-2FFC-4147-A334-4C8746DAB608}"/>
-              </a:ext>
-            </a:extLst>
-          </p:cNvPr>
-          <p:cNvSpPr>
-            <a:spLocks noGrp="1"/>
-          </p:cNvSpPr>
-          <p:nvPr>
-            <p:ph type="title"/>
-          </p:nvPr>
-        </p:nvSpPr>
-        <p:spPr/>
-        <p:txBody>
-          <a:bodyPr/>
-          <a:lstStyle/>
-          <a:p>
-            <a:endParaRPr lang="en-US" dirty="0"/>
-          </a:p>
-        </p:txBody>
-      </p:sp>
-      <p:sp>
-        <p:nvSpPr>
           <p:cNvPr id="62" name="Content Placeholder 61">
             <a:extLst>
               <a:ext uri="{FF2B5EF4-FFF2-40B4-BE49-F238E27FC236}">
@@ -18289,38 +17914,17 @@
               <a:t>Ein Refresh Token kann dazu verwendet werden beim </a:t>
             </a:r>
             <a:r>
-              <a:rPr lang="de-DE" dirty="0" err="1"/>
+              <a:rPr lang="de-DE" i="1" dirty="0" err="1"/>
               <a:t>Authorization</a:t>
             </a:r>
             <a:r>
+              <a:rPr lang="de-DE" i="1" dirty="0"/>
+              <a:t> Server </a:t>
+            </a:r>
+            <a:r>
               <a:rPr lang="de-DE" dirty="0"/>
-              <a:t> Server einen neuen Access Token anzufragen, falls der alte Access Token beispielsweise abgelaufen oder ungültig geworden ist.</a:t>
-            </a:r>
-          </a:p>
-        </p:txBody>
-      </p:sp>
-      <p:sp>
-        <p:nvSpPr>
-          <p:cNvPr id="63" name="Text Placeholder 62">
-            <a:extLst>
-              <a:ext uri="{FF2B5EF4-FFF2-40B4-BE49-F238E27FC236}">
-                <a16:creationId xmlns:a16="http://schemas.microsoft.com/office/drawing/2014/main" id="{5C446250-258F-410B-B2CC-AD884A1E7480}"/>
-              </a:ext>
-            </a:extLst>
-          </p:cNvPr>
-          <p:cNvSpPr>
-            <a:spLocks noGrp="1"/>
-          </p:cNvSpPr>
-          <p:nvPr>
-            <p:ph type="body" sz="half" idx="2"/>
-          </p:nvPr>
-        </p:nvSpPr>
-        <p:spPr/>
-        <p:txBody>
-          <a:bodyPr/>
-          <a:lstStyle/>
-          <a:p>
-            <a:endParaRPr lang="en-US" dirty="0"/>
+              <a:t>einen neuen Access Token anzufragen, falls der alte Access Token beispielsweise abgelaufen oder ungültig geworden ist.</a:t>
+            </a:r>
           </a:p>
         </p:txBody>
       </p:sp>
@@ -18515,31 +18119,6 @@
       </p:grpSpPr>
       <p:sp>
         <p:nvSpPr>
-          <p:cNvPr id="2" name="Title 1">
-            <a:extLst>
-              <a:ext uri="{FF2B5EF4-FFF2-40B4-BE49-F238E27FC236}">
-                <a16:creationId xmlns:a16="http://schemas.microsoft.com/office/drawing/2014/main" id="{E9752F85-1570-4849-B4ED-9BF089619CDF}"/>
-              </a:ext>
-            </a:extLst>
-          </p:cNvPr>
-          <p:cNvSpPr>
-            <a:spLocks noGrp="1"/>
-          </p:cNvSpPr>
-          <p:nvPr>
-            <p:ph type="title"/>
-          </p:nvPr>
-        </p:nvSpPr>
-        <p:spPr/>
-        <p:txBody>
-          <a:bodyPr/>
-          <a:lstStyle/>
-          <a:p>
-            <a:endParaRPr lang="en-US"/>
-          </a:p>
-        </p:txBody>
-      </p:sp>
-      <p:sp>
-        <p:nvSpPr>
           <p:cNvPr id="3" name="Content Placeholder 2">
             <a:extLst>
               <a:ext uri="{FF2B5EF4-FFF2-40B4-BE49-F238E27FC236}">
@@ -18567,20 +18146,32 @@
               <a:t>Endpunkt wo sich der </a:t>
             </a:r>
             <a:r>
-              <a:rPr lang="de-AT" dirty="0" err="1"/>
+              <a:rPr lang="de-AT" i="1" dirty="0" err="1"/>
               <a:t>Resource</a:t>
             </a:r>
             <a:r>
+              <a:rPr lang="de-AT" i="1" dirty="0"/>
+              <a:t> </a:t>
+            </a:r>
+            <a:r>
+              <a:rPr lang="de-AT" i="1" dirty="0" err="1"/>
+              <a:t>Owner</a:t>
+            </a:r>
+            <a:r>
+              <a:rPr lang="de-AT" i="1" dirty="0"/>
+              <a:t> </a:t>
+            </a:r>
+            <a:r>
               <a:rPr lang="de-AT" dirty="0"/>
-              <a:t> </a:t>
-            </a:r>
-            <a:r>
-              <a:rPr lang="de-AT" dirty="0" err="1"/>
-              <a:t>Owner</a:t>
+              <a:t>authentifiziert und </a:t>
+            </a:r>
+            <a:r>
+              <a:rPr lang="de-AT" i="1" dirty="0"/>
+              <a:t>Client</a:t>
             </a:r>
             <a:r>
               <a:rPr lang="de-AT" dirty="0"/>
-              <a:t> authentifiziert und Client  </a:t>
+              <a:t>  </a:t>
             </a:r>
             <a:r>
               <a:rPr lang="de-AT" dirty="0" err="1"/>
@@ -18610,7 +18201,12 @@
             <p:ph type="body" sz="half" idx="2"/>
           </p:nvPr>
         </p:nvSpPr>
-        <p:spPr/>
+        <p:spPr>
+          <a:xfrm>
+            <a:off x="839788" y="457200"/>
+            <a:ext cx="3932237" cy="5411788"/>
+          </a:xfrm>
+        </p:spPr>
         <p:txBody>
           <a:bodyPr anchor="ctr">
             <a:normAutofit/>
@@ -18711,7 +18307,15 @@
             </a:pPr>
             <a:r>
               <a:rPr lang="de-AT" dirty="0"/>
-              <a:t>Am Token Endpunkt wird Access Token erstellt</a:t>
+              <a:t>Am Token Endpunkt wird </a:t>
+            </a:r>
+            <a:r>
+              <a:rPr lang="de-AT" i="1" dirty="0"/>
+              <a:t>Access Token</a:t>
+            </a:r>
+            <a:r>
+              <a:rPr lang="de-AT" dirty="0"/>
+              <a:t> erstellt.</a:t>
             </a:r>
             <a:endParaRPr lang="en-US" dirty="0"/>
           </a:p>
@@ -18733,7 +18337,12 @@
             <p:ph type="body" sz="half" idx="2"/>
           </p:nvPr>
         </p:nvSpPr>
-        <p:spPr/>
+        <p:spPr>
+          <a:xfrm>
+            <a:off x="839788" y="457200"/>
+            <a:ext cx="3932237" cy="5411788"/>
+          </a:xfrm>
+        </p:spPr>
         <p:txBody>
           <a:bodyPr anchor="ctr">
             <a:normAutofit/>
@@ -20445,7 +20054,7 @@
             </a:r>
             <a:r>
               <a:rPr lang="en-US" dirty="0" err="1"/>
-              <a:t>eine</a:t>
+              <a:t>auch</a:t>
             </a:r>
             <a:r>
               <a:rPr lang="en-US" dirty="0"/>
@@ -20453,7 +20062,15 @@
             </a:r>
             <a:r>
               <a:rPr lang="en-US" dirty="0" err="1"/>
-              <a:t>Authentifizierung</a:t>
+              <a:t>Informationen</a:t>
+            </a:r>
+            <a:r>
+              <a:rPr lang="en-US" dirty="0"/>
+              <a:t> über </a:t>
+            </a:r>
+            <a:r>
+              <a:rPr lang="en-US" dirty="0" err="1"/>
+              <a:t>authentifzierten</a:t>
             </a:r>
             <a:r>
               <a:rPr lang="en-US" dirty="0"/>
@@ -20461,9 +20078,12 @@
             </a:r>
             <a:r>
               <a:rPr lang="en-US" dirty="0" err="1"/>
-              <a:t>ein</a:t>
-            </a:r>
-            <a:endParaRPr lang="en-US" dirty="0"/>
+              <a:t>Benutzer</a:t>
+            </a:r>
+            <a:r>
+              <a:rPr lang="en-US" dirty="0"/>
+              <a:t> </a:t>
+            </a:r>
           </a:p>
           <a:p>
             <a:pPr>
@@ -20481,7 +20101,7 @@
             </a:r>
             <a:r>
               <a:rPr lang="de-AT" dirty="0"/>
-              <a:t> und  </a:t>
+              <a:t> und </a:t>
             </a:r>
             <a:r>
               <a:rPr lang="de-AT" dirty="0" err="1"/>
@@ -20709,6 +20329,13 @@
             <a:r>
               <a:rPr lang="de-AT" dirty="0"/>
               <a:t>Hybrid</a:t>
+            </a:r>
+          </a:p>
+          <a:p>
+            <a:pPr lvl="1"/>
+            <a:r>
+              <a:rPr lang="de-AT" dirty="0"/>
+              <a:t>Device</a:t>
             </a:r>
           </a:p>
           <a:p>
@@ -24257,6 +23884,292 @@
   <p:clrMapOvr>
     <a:masterClrMapping/>
   </p:clrMapOvr>
+  <p:timing>
+    <p:tnLst>
+      <p:par>
+        <p:cTn id="1" dur="indefinite" restart="never" nodeType="tmRoot">
+          <p:childTnLst>
+            <p:seq concurrent="1" nextAc="seek">
+              <p:cTn id="2" dur="indefinite" nodeType="mainSeq">
+                <p:childTnLst>
+                  <p:par>
+                    <p:cTn id="3" fill="hold">
+                      <p:stCondLst>
+                        <p:cond delay="indefinite"/>
+                      </p:stCondLst>
+                      <p:childTnLst>
+                        <p:par>
+                          <p:cTn id="4" fill="hold">
+                            <p:stCondLst>
+                              <p:cond delay="0"/>
+                            </p:stCondLst>
+                            <p:childTnLst>
+                              <p:par>
+                                <p:cTn id="5" presetID="1" presetClass="entr" presetSubtype="0" fill="hold" nodeType="clickEffect">
+                                  <p:stCondLst>
+                                    <p:cond delay="0"/>
+                                  </p:stCondLst>
+                                  <p:childTnLst>
+                                    <p:set>
+                                      <p:cBhvr>
+                                        <p:cTn id="6" dur="1" fill="hold">
+                                          <p:stCondLst>
+                                            <p:cond delay="0"/>
+                                          </p:stCondLst>
+                                        </p:cTn>
+                                        <p:tgtEl>
+                                          <p:spTgt spid="29"/>
+                                        </p:tgtEl>
+                                        <p:attrNameLst>
+                                          <p:attrName>style.visibility</p:attrName>
+                                        </p:attrNameLst>
+                                      </p:cBhvr>
+                                      <p:to>
+                                        <p:strVal val="visible"/>
+                                      </p:to>
+                                    </p:set>
+                                  </p:childTnLst>
+                                </p:cTn>
+                              </p:par>
+                              <p:par>
+                                <p:cTn id="7" presetID="1" presetClass="entr" presetSubtype="0" fill="hold" nodeType="withEffect">
+                                  <p:stCondLst>
+                                    <p:cond delay="0"/>
+                                  </p:stCondLst>
+                                  <p:childTnLst>
+                                    <p:set>
+                                      <p:cBhvr>
+                                        <p:cTn id="8" dur="1" fill="hold">
+                                          <p:stCondLst>
+                                            <p:cond delay="0"/>
+                                          </p:stCondLst>
+                                        </p:cTn>
+                                        <p:tgtEl>
+                                          <p:spTgt spid="5"/>
+                                        </p:tgtEl>
+                                        <p:attrNameLst>
+                                          <p:attrName>style.visibility</p:attrName>
+                                        </p:attrNameLst>
+                                      </p:cBhvr>
+                                      <p:to>
+                                        <p:strVal val="visible"/>
+                                      </p:to>
+                                    </p:set>
+                                  </p:childTnLst>
+                                </p:cTn>
+                              </p:par>
+                              <p:par>
+                                <p:cTn id="9" presetID="1" presetClass="entr" presetSubtype="0" fill="hold" nodeType="withEffect">
+                                  <p:stCondLst>
+                                    <p:cond delay="0"/>
+                                  </p:stCondLst>
+                                  <p:childTnLst>
+                                    <p:set>
+                                      <p:cBhvr>
+                                        <p:cTn id="10" dur="1" fill="hold">
+                                          <p:stCondLst>
+                                            <p:cond delay="0"/>
+                                          </p:stCondLst>
+                                        </p:cTn>
+                                        <p:tgtEl>
+                                          <p:spTgt spid="38"/>
+                                        </p:tgtEl>
+                                        <p:attrNameLst>
+                                          <p:attrName>style.visibility</p:attrName>
+                                        </p:attrNameLst>
+                                      </p:cBhvr>
+                                      <p:to>
+                                        <p:strVal val="visible"/>
+                                      </p:to>
+                                    </p:set>
+                                  </p:childTnLst>
+                                </p:cTn>
+                              </p:par>
+                              <p:par>
+                                <p:cTn id="11" presetID="1" presetClass="entr" presetSubtype="0" fill="hold" nodeType="withEffect">
+                                  <p:stCondLst>
+                                    <p:cond delay="0"/>
+                                  </p:stCondLst>
+                                  <p:childTnLst>
+                                    <p:set>
+                                      <p:cBhvr>
+                                        <p:cTn id="12" dur="1" fill="hold">
+                                          <p:stCondLst>
+                                            <p:cond delay="0"/>
+                                          </p:stCondLst>
+                                        </p:cTn>
+                                        <p:tgtEl>
+                                          <p:spTgt spid="33"/>
+                                        </p:tgtEl>
+                                        <p:attrNameLst>
+                                          <p:attrName>style.visibility</p:attrName>
+                                        </p:attrNameLst>
+                                      </p:cBhvr>
+                                      <p:to>
+                                        <p:strVal val="visible"/>
+                                      </p:to>
+                                    </p:set>
+                                  </p:childTnLst>
+                                </p:cTn>
+                              </p:par>
+                            </p:childTnLst>
+                          </p:cTn>
+                        </p:par>
+                      </p:childTnLst>
+                    </p:cTn>
+                  </p:par>
+                  <p:par>
+                    <p:cTn id="13" fill="hold">
+                      <p:stCondLst>
+                        <p:cond delay="indefinite"/>
+                      </p:stCondLst>
+                      <p:childTnLst>
+                        <p:par>
+                          <p:cTn id="14" fill="hold">
+                            <p:stCondLst>
+                              <p:cond delay="0"/>
+                            </p:stCondLst>
+                            <p:childTnLst>
+                              <p:par>
+                                <p:cTn id="15" presetID="1" presetClass="entr" presetSubtype="0" fill="hold" grpId="0" nodeType="clickEffect">
+                                  <p:stCondLst>
+                                    <p:cond delay="0"/>
+                                  </p:stCondLst>
+                                  <p:childTnLst>
+                                    <p:set>
+                                      <p:cBhvr>
+                                        <p:cTn id="16" dur="1" fill="hold">
+                                          <p:stCondLst>
+                                            <p:cond delay="0"/>
+                                          </p:stCondLst>
+                                        </p:cTn>
+                                        <p:tgtEl>
+                                          <p:spTgt spid="64"/>
+                                        </p:tgtEl>
+                                        <p:attrNameLst>
+                                          <p:attrName>style.visibility</p:attrName>
+                                        </p:attrNameLst>
+                                      </p:cBhvr>
+                                      <p:to>
+                                        <p:strVal val="visible"/>
+                                      </p:to>
+                                    </p:set>
+                                  </p:childTnLst>
+                                </p:cTn>
+                              </p:par>
+                              <p:par>
+                                <p:cTn id="17" presetID="1" presetClass="entr" presetSubtype="0" fill="hold" nodeType="withEffect">
+                                  <p:stCondLst>
+                                    <p:cond delay="0"/>
+                                  </p:stCondLst>
+                                  <p:childTnLst>
+                                    <p:set>
+                                      <p:cBhvr>
+                                        <p:cTn id="18" dur="1" fill="hold">
+                                          <p:stCondLst>
+                                            <p:cond delay="0"/>
+                                          </p:stCondLst>
+                                        </p:cTn>
+                                        <p:tgtEl>
+                                          <p:spTgt spid="66"/>
+                                        </p:tgtEl>
+                                        <p:attrNameLst>
+                                          <p:attrName>style.visibility</p:attrName>
+                                        </p:attrNameLst>
+                                      </p:cBhvr>
+                                      <p:to>
+                                        <p:strVal val="visible"/>
+                                      </p:to>
+                                    </p:set>
+                                  </p:childTnLst>
+                                </p:cTn>
+                              </p:par>
+                              <p:par>
+                                <p:cTn id="19" presetID="1" presetClass="entr" presetSubtype="0" fill="hold" grpId="0" nodeType="withEffect">
+                                  <p:stCondLst>
+                                    <p:cond delay="0"/>
+                                  </p:stCondLst>
+                                  <p:childTnLst>
+                                    <p:set>
+                                      <p:cBhvr>
+                                        <p:cTn id="20" dur="1" fill="hold">
+                                          <p:stCondLst>
+                                            <p:cond delay="0"/>
+                                          </p:stCondLst>
+                                        </p:cTn>
+                                        <p:tgtEl>
+                                          <p:spTgt spid="85"/>
+                                        </p:tgtEl>
+                                        <p:attrNameLst>
+                                          <p:attrName>style.visibility</p:attrName>
+                                        </p:attrNameLst>
+                                      </p:cBhvr>
+                                      <p:to>
+                                        <p:strVal val="visible"/>
+                                      </p:to>
+                                    </p:set>
+                                  </p:childTnLst>
+                                </p:cTn>
+                              </p:par>
+                              <p:par>
+                                <p:cTn id="21" presetID="1" presetClass="entr" presetSubtype="0" fill="hold" nodeType="withEffect">
+                                  <p:stCondLst>
+                                    <p:cond delay="0"/>
+                                  </p:stCondLst>
+                                  <p:childTnLst>
+                                    <p:set>
+                                      <p:cBhvr>
+                                        <p:cTn id="22" dur="1" fill="hold">
+                                          <p:stCondLst>
+                                            <p:cond delay="0"/>
+                                          </p:stCondLst>
+                                        </p:cTn>
+                                        <p:tgtEl>
+                                          <p:spTgt spid="86"/>
+                                        </p:tgtEl>
+                                        <p:attrNameLst>
+                                          <p:attrName>style.visibility</p:attrName>
+                                        </p:attrNameLst>
+                                      </p:cBhvr>
+                                      <p:to>
+                                        <p:strVal val="visible"/>
+                                      </p:to>
+                                    </p:set>
+                                  </p:childTnLst>
+                                </p:cTn>
+                              </p:par>
+                            </p:childTnLst>
+                          </p:cTn>
+                        </p:par>
+                      </p:childTnLst>
+                    </p:cTn>
+                  </p:par>
+                </p:childTnLst>
+              </p:cTn>
+              <p:prevCondLst>
+                <p:cond evt="onPrev" delay="0">
+                  <p:tgtEl>
+                    <p:sldTgt/>
+                  </p:tgtEl>
+                </p:cond>
+              </p:prevCondLst>
+              <p:nextCondLst>
+                <p:cond evt="onNext" delay="0">
+                  <p:tgtEl>
+                    <p:sldTgt/>
+                  </p:tgtEl>
+                </p:cond>
+              </p:nextCondLst>
+            </p:seq>
+          </p:childTnLst>
+        </p:cTn>
+      </p:par>
+    </p:tnLst>
+    <p:bldLst>
+      <p:bldP spid="64" grpId="0"/>
+      <p:bldP spid="85" grpId="0"/>
+    </p:bldLst>
+  </p:timing>
 </p:sld>
 </file>
 
@@ -39971,14 +39884,14 @@
           <p:nvPr>
             <p:extLst>
               <p:ext uri="{D42A27DB-BD31-4B8C-83A1-F6EECF244321}">
-                <p14:modId xmlns:p14="http://schemas.microsoft.com/office/powerpoint/2010/main" val="463507651"/>
+                <p14:modId xmlns:p14="http://schemas.microsoft.com/office/powerpoint/2010/main" val="773320367"/>
               </p:ext>
             </p:extLst>
           </p:nvPr>
         </p:nvGraphicFramePr>
         <p:xfrm>
           <a:off x="838200" y="1350869"/>
-          <a:ext cx="10440003" cy="5414284"/>
+          <a:ext cx="10440003" cy="5245549"/>
         </p:xfrm>
         <a:graphic>
           <a:graphicData uri="http://schemas.openxmlformats.org/drawingml/2006/table">
@@ -39987,14 +39900,14 @@
                 <a:tableStyleId>{5940675A-B579-460E-94D1-54222C63F5DA}</a:tableStyleId>
               </a:tblPr>
               <a:tblGrid>
-                <a:gridCol w="1491429">
+                <a:gridCol w="1664855">
                   <a:extLst>
                     <a:ext uri="{9D8B030D-6E8A-4147-A177-3AD203B41FA5}">
                       <a16:colId xmlns:a16="http://schemas.microsoft.com/office/drawing/2014/main" val="1929636500"/>
                     </a:ext>
                   </a:extLst>
                 </a:gridCol>
-                <a:gridCol w="1491429">
+                <a:gridCol w="1318003">
                   <a:extLst>
                     <a:ext uri="{9D8B030D-6E8A-4147-A177-3AD203B41FA5}">
                       <a16:colId xmlns:a16="http://schemas.microsoft.com/office/drawing/2014/main" val="395898648"/>
@@ -40037,7 +39950,7 @@
                   </a:extLst>
                 </a:gridCol>
               </a:tblGrid>
-              <a:tr h="741182">
+              <a:tr h="652650">
                 <a:tc>
                   <a:txBody>
                     <a:bodyPr/>
@@ -40281,7 +40194,7 @@
                   </a:ext>
                 </a:extLst>
               </a:tr>
-              <a:tr h="911636">
+              <a:tr h="825139">
                 <a:tc>
                   <a:txBody>
                     <a:bodyPr/>
@@ -40387,7 +40300,7 @@
                   </a:ext>
                 </a:extLst>
               </a:tr>
-              <a:tr h="911636">
+              <a:tr h="904392">
                 <a:tc>
                   <a:txBody>
                     <a:bodyPr/>
@@ -40517,7 +40430,7 @@
                   </a:ext>
                 </a:extLst>
               </a:tr>
-              <a:tr h="741182">
+              <a:tr h="904392">
                 <a:tc>
                   <a:txBody>
                     <a:bodyPr/>
@@ -40635,7 +40548,7 @@
                   </a:ext>
                 </a:extLst>
               </a:tr>
-              <a:tr h="741182">
+              <a:tr h="683557">
                 <a:tc>
                   <a:txBody>
                     <a:bodyPr/>
@@ -40763,7 +40676,7 @@
                   </a:ext>
                 </a:extLst>
               </a:tr>
-              <a:tr h="741182">
+              <a:tr h="683557">
                 <a:tc>
                   <a:txBody>
                     <a:bodyPr/>
@@ -40788,7 +40701,7 @@
                       </a:pPr>
                       <a:r>
                         <a:rPr lang="de-AT" i="0" dirty="0"/>
-                        <a:t>Token via ein  </a:t>
+                        <a:t>Token via ein einziges </a:t>
                       </a:r>
                       <a:r>
                         <a:rPr lang="de-AT" i="0" dirty="0" err="1"/>
@@ -40980,7 +40893,7 @@
           <p:nvPr>
             <p:extLst>
               <p:ext uri="{D42A27DB-BD31-4B8C-83A1-F6EECF244321}">
-                <p14:modId xmlns:p14="http://schemas.microsoft.com/office/powerpoint/2010/main" val="201966135"/>
+                <p14:modId xmlns:p14="http://schemas.microsoft.com/office/powerpoint/2010/main" val="2312844704"/>
               </p:ext>
             </p:extLst>
           </p:nvPr>
@@ -41526,13 +41439,13 @@
                             <a:schemeClr val="tx1"/>
                           </a:solidFill>
                           <a:effectLst/>
-                          <a:latin typeface="+mn-lt"/>
+                          <a:latin typeface="Consolas" panose="020B0609020204030204" pitchFamily="49" charset="0"/>
                           <a:ea typeface="+mn-ea"/>
                           <a:cs typeface="+mn-cs"/>
                         </a:rPr>
                         <a:t>device_code</a:t>
                       </a:r>
-                      <a:endParaRPr lang="de-AT" sz="1500" dirty="0">
+                      <a:endParaRPr lang="de-AT" sz="1500" b="0" dirty="0">
                         <a:latin typeface="Consolas" panose="020B0609020204030204" pitchFamily="49" charset="0"/>
                       </a:endParaRPr>
                     </a:p>

--- a/oidc-oauth/OpenIDConnect & OAuth.pptx
+++ b/oidc-oauth/OpenIDConnect & OAuth.pptx
@@ -10696,7 +10696,7 @@
           <a:p>
             <a:fld id="{FF084CBC-36E0-4CC0-918D-767D7E309F2F}" type="datetimeFigureOut">
               <a:rPr lang="en-US" smtClean="0"/>
-              <a:t>6/16/2019</a:t>
+              <a:t>6/17/2019</a:t>
             </a:fld>
             <a:endParaRPr lang="en-US"/>
           </a:p>
@@ -11446,7 +11446,7 @@
           <a:p>
             <a:fld id="{8272ECE3-2878-47BE-B879-BFDD2207B1DF}" type="datetimeFigureOut">
               <a:rPr lang="en-US" smtClean="0"/>
-              <a:t>6/16/2019</a:t>
+              <a:t>6/17/2019</a:t>
             </a:fld>
             <a:endParaRPr lang="en-US"/>
           </a:p>
@@ -11644,7 +11644,7 @@
           <a:p>
             <a:fld id="{8272ECE3-2878-47BE-B879-BFDD2207B1DF}" type="datetimeFigureOut">
               <a:rPr lang="en-US" smtClean="0"/>
-              <a:t>6/16/2019</a:t>
+              <a:t>6/17/2019</a:t>
             </a:fld>
             <a:endParaRPr lang="en-US"/>
           </a:p>
@@ -11852,7 +11852,7 @@
           <a:p>
             <a:fld id="{8272ECE3-2878-47BE-B879-BFDD2207B1DF}" type="datetimeFigureOut">
               <a:rPr lang="en-US" smtClean="0"/>
-              <a:t>6/16/2019</a:t>
+              <a:t>6/17/2019</a:t>
             </a:fld>
             <a:endParaRPr lang="en-US"/>
           </a:p>
@@ -12050,7 +12050,7 @@
           <a:p>
             <a:fld id="{8272ECE3-2878-47BE-B879-BFDD2207B1DF}" type="datetimeFigureOut">
               <a:rPr lang="en-US" smtClean="0"/>
-              <a:t>6/16/2019</a:t>
+              <a:t>6/17/2019</a:t>
             </a:fld>
             <a:endParaRPr lang="en-US"/>
           </a:p>
@@ -12325,7 +12325,7 @@
           <a:p>
             <a:fld id="{8272ECE3-2878-47BE-B879-BFDD2207B1DF}" type="datetimeFigureOut">
               <a:rPr lang="en-US" smtClean="0"/>
-              <a:t>6/16/2019</a:t>
+              <a:t>6/17/2019</a:t>
             </a:fld>
             <a:endParaRPr lang="en-US"/>
           </a:p>
@@ -12590,7 +12590,7 @@
           <a:p>
             <a:fld id="{8272ECE3-2878-47BE-B879-BFDD2207B1DF}" type="datetimeFigureOut">
               <a:rPr lang="en-US" smtClean="0"/>
-              <a:t>6/16/2019</a:t>
+              <a:t>6/17/2019</a:t>
             </a:fld>
             <a:endParaRPr lang="en-US"/>
           </a:p>
@@ -13002,7 +13002,7 @@
           <a:p>
             <a:fld id="{8272ECE3-2878-47BE-B879-BFDD2207B1DF}" type="datetimeFigureOut">
               <a:rPr lang="en-US" smtClean="0"/>
-              <a:t>6/16/2019</a:t>
+              <a:t>6/17/2019</a:t>
             </a:fld>
             <a:endParaRPr lang="en-US"/>
           </a:p>
@@ -13143,7 +13143,7 @@
           <a:p>
             <a:fld id="{8272ECE3-2878-47BE-B879-BFDD2207B1DF}" type="datetimeFigureOut">
               <a:rPr lang="en-US" smtClean="0"/>
-              <a:t>6/16/2019</a:t>
+              <a:t>6/17/2019</a:t>
             </a:fld>
             <a:endParaRPr lang="en-US"/>
           </a:p>
@@ -13256,7 +13256,7 @@
           <a:p>
             <a:fld id="{8272ECE3-2878-47BE-B879-BFDD2207B1DF}" type="datetimeFigureOut">
               <a:rPr lang="en-US" smtClean="0"/>
-              <a:t>6/16/2019</a:t>
+              <a:t>6/17/2019</a:t>
             </a:fld>
             <a:endParaRPr lang="en-US"/>
           </a:p>
@@ -13567,7 +13567,7 @@
           <a:p>
             <a:fld id="{8272ECE3-2878-47BE-B879-BFDD2207B1DF}" type="datetimeFigureOut">
               <a:rPr lang="en-US" smtClean="0"/>
-              <a:t>6/16/2019</a:t>
+              <a:t>6/17/2019</a:t>
             </a:fld>
             <a:endParaRPr lang="en-US"/>
           </a:p>
@@ -13855,7 +13855,7 @@
           <a:p>
             <a:fld id="{8272ECE3-2878-47BE-B879-BFDD2207B1DF}" type="datetimeFigureOut">
               <a:rPr lang="en-US" smtClean="0"/>
-              <a:t>6/16/2019</a:t>
+              <a:t>6/17/2019</a:t>
             </a:fld>
             <a:endParaRPr lang="en-US"/>
           </a:p>
@@ -14096,7 +14096,7 @@
           <a:p>
             <a:fld id="{8272ECE3-2878-47BE-B879-BFDD2207B1DF}" type="datetimeFigureOut">
               <a:rPr lang="en-US" smtClean="0"/>
-              <a:t>6/16/2019</a:t>
+              <a:t>6/17/2019</a:t>
             </a:fld>
             <a:endParaRPr lang="en-US"/>
           </a:p>
@@ -28875,9 +28875,9 @@
         <p:grpSpPr>
           <a:xfrm rot="10800000">
             <a:off x="3006728" y="2144319"/>
-            <a:ext cx="5873454" cy="461665"/>
-            <a:chOff x="3102228" y="3327777"/>
-            <a:chExt cx="6170428" cy="461665"/>
+            <a:ext cx="5873454" cy="443860"/>
+            <a:chOff x="3102228" y="3345582"/>
+            <a:chExt cx="6170428" cy="443860"/>
           </a:xfrm>
         </p:grpSpPr>
         <p:sp>
@@ -28894,8 +28894,8 @@
           </p:nvSpPr>
           <p:spPr>
             <a:xfrm rot="10800000">
-              <a:off x="4261999" y="3327777"/>
-              <a:ext cx="3631388" cy="461665"/>
+              <a:off x="4261999" y="3512443"/>
+              <a:ext cx="3631388" cy="276999"/>
             </a:xfrm>
             <a:prstGeom prst="rect">
               <a:avLst/>
@@ -28928,23 +28928,7 @@
               </a:r>
               <a:r>
                 <a:rPr lang="de-AT" i="1" dirty="0"/>
-                <a:t> Access- </a:t>
-              </a:r>
-              <a:r>
-                <a:rPr lang="de-AT" i="1" strike="sngStrike" dirty="0"/>
-                <a:t>(</a:t>
-              </a:r>
-              <a:r>
-                <a:rPr lang="de-AT" strike="sngStrike" dirty="0"/>
-                <a:t>und optional </a:t>
-              </a:r>
-              <a:r>
-                <a:rPr lang="de-AT" i="1" strike="sngStrike" dirty="0"/>
-                <a:t>Refresh) </a:t>
-              </a:r>
-              <a:r>
-                <a:rPr lang="de-AT" i="1" dirty="0"/>
-                <a:t>Token</a:t>
+                <a:t> Access Token</a:t>
               </a:r>
               <a:endParaRPr lang="en-US" i="1" dirty="0"/>
             </a:p>
